--- a/需求工程项目计划ppt.pptx
+++ b/需求工程项目计划ppt.pptx
@@ -5,7 +5,7 @@
     <p:sldMasterId id="2147483648" r:id="rId1"/>
   </p:sldMasterIdLst>
   <p:notesMasterIdLst>
-    <p:notesMasterId r:id="rId34"/>
+    <p:notesMasterId r:id="rId35"/>
   </p:notesMasterIdLst>
   <p:sldIdLst>
     <p:sldId id="257" r:id="rId2"/>
@@ -21,25 +21,26 @@
     <p:sldId id="262" r:id="rId12"/>
     <p:sldId id="261" r:id="rId13"/>
     <p:sldId id="263" r:id="rId14"/>
-    <p:sldId id="264" r:id="rId15"/>
-    <p:sldId id="265" r:id="rId16"/>
-    <p:sldId id="267" r:id="rId17"/>
-    <p:sldId id="271" r:id="rId18"/>
-    <p:sldId id="268" r:id="rId19"/>
-    <p:sldId id="269" r:id="rId20"/>
-    <p:sldId id="266" r:id="rId21"/>
-    <p:sldId id="280" r:id="rId22"/>
-    <p:sldId id="281" r:id="rId23"/>
-    <p:sldId id="282" r:id="rId24"/>
-    <p:sldId id="283" r:id="rId25"/>
-    <p:sldId id="284" r:id="rId26"/>
-    <p:sldId id="285" r:id="rId27"/>
-    <p:sldId id="286" r:id="rId28"/>
-    <p:sldId id="287" r:id="rId29"/>
-    <p:sldId id="288" r:id="rId30"/>
-    <p:sldId id="289" r:id="rId31"/>
-    <p:sldId id="290" r:id="rId32"/>
-    <p:sldId id="291" r:id="rId33"/>
+    <p:sldId id="292" r:id="rId15"/>
+    <p:sldId id="264" r:id="rId16"/>
+    <p:sldId id="265" r:id="rId17"/>
+    <p:sldId id="267" r:id="rId18"/>
+    <p:sldId id="271" r:id="rId19"/>
+    <p:sldId id="268" r:id="rId20"/>
+    <p:sldId id="269" r:id="rId21"/>
+    <p:sldId id="266" r:id="rId22"/>
+    <p:sldId id="280" r:id="rId23"/>
+    <p:sldId id="281" r:id="rId24"/>
+    <p:sldId id="282" r:id="rId25"/>
+    <p:sldId id="283" r:id="rId26"/>
+    <p:sldId id="284" r:id="rId27"/>
+    <p:sldId id="285" r:id="rId28"/>
+    <p:sldId id="286" r:id="rId29"/>
+    <p:sldId id="287" r:id="rId30"/>
+    <p:sldId id="288" r:id="rId31"/>
+    <p:sldId id="289" r:id="rId32"/>
+    <p:sldId id="290" r:id="rId33"/>
+    <p:sldId id="291" r:id="rId34"/>
   </p:sldIdLst>
   <p:sldSz cx="12192000" cy="6858000"/>
   <p:notesSz cx="6858000" cy="9144000"/>
@@ -1040,7 +1041,7 @@
           <a:p>
             <a:fld id="{4238A185-F9DB-4B92-A1A8-CCD8A76DEA25}" type="slidenum">
               <a:rPr lang="zh-CN" altLang="en-US" smtClean="0"/>
-              <a:t>14</a:t>
+              <a:t>15</a:t>
             </a:fld>
             <a:endParaRPr lang="zh-CN" altLang="en-US"/>
           </a:p>
@@ -1119,7 +1120,7 @@
           <a:p>
             <a:fld id="{4238A185-F9DB-4B92-A1A8-CCD8A76DEA25}" type="slidenum">
               <a:rPr lang="zh-CN" altLang="en-US" smtClean="0"/>
-              <a:t>15</a:t>
+              <a:t>16</a:t>
             </a:fld>
             <a:endParaRPr lang="zh-CN" altLang="en-US"/>
           </a:p>
@@ -1198,7 +1199,7 @@
           <a:p>
             <a:fld id="{4238A185-F9DB-4B92-A1A8-CCD8A76DEA25}" type="slidenum">
               <a:rPr lang="zh-CN" altLang="en-US" smtClean="0"/>
-              <a:t>20</a:t>
+              <a:t>21</a:t>
             </a:fld>
             <a:endParaRPr lang="zh-CN" altLang="en-US"/>
           </a:p>
@@ -1277,7 +1278,7 @@
           <a:p>
             <a:fld id="{4238A185-F9DB-4B92-A1A8-CCD8A76DEA25}" type="slidenum">
               <a:rPr lang="zh-CN" altLang="en-US" smtClean="0"/>
-              <a:t>21</a:t>
+              <a:t>22</a:t>
             </a:fld>
             <a:endParaRPr lang="zh-CN" altLang="en-US"/>
           </a:p>
@@ -1446,7 +1447,7 @@
           <a:p>
             <a:fld id="{4238A185-F9DB-4B92-A1A8-CCD8A76DEA25}" type="slidenum">
               <a:rPr lang="zh-CN" altLang="en-US" smtClean="0"/>
-              <a:t>22</a:t>
+              <a:t>23</a:t>
             </a:fld>
             <a:endParaRPr lang="zh-CN" altLang="en-US"/>
           </a:p>
@@ -1615,7 +1616,7 @@
           <a:p>
             <a:fld id="{4238A185-F9DB-4B92-A1A8-CCD8A76DEA25}" type="slidenum">
               <a:rPr lang="zh-CN" altLang="en-US" smtClean="0"/>
-              <a:t>23</a:t>
+              <a:t>24</a:t>
             </a:fld>
             <a:endParaRPr lang="zh-CN" altLang="en-US"/>
           </a:p>
@@ -1820,7 +1821,7 @@
           <a:p>
             <a:fld id="{4238A185-F9DB-4B92-A1A8-CCD8A76DEA25}" type="slidenum">
               <a:rPr lang="zh-CN" altLang="en-US" smtClean="0"/>
-              <a:t>24</a:t>
+              <a:t>25</a:t>
             </a:fld>
             <a:endParaRPr lang="zh-CN" altLang="en-US"/>
           </a:p>
@@ -1904,7 +1905,7 @@
           <a:p>
             <a:fld id="{4238A185-F9DB-4B92-A1A8-CCD8A76DEA25}" type="slidenum">
               <a:rPr lang="zh-CN" altLang="en-US" smtClean="0"/>
-              <a:t>25</a:t>
+              <a:t>26</a:t>
             </a:fld>
             <a:endParaRPr lang="zh-CN" altLang="en-US"/>
           </a:p>
@@ -1988,7 +1989,7 @@
           <a:p>
             <a:fld id="{4238A185-F9DB-4B92-A1A8-CCD8A76DEA25}" type="slidenum">
               <a:rPr lang="zh-CN" altLang="en-US" smtClean="0"/>
-              <a:t>26</a:t>
+              <a:t>27</a:t>
             </a:fld>
             <a:endParaRPr lang="zh-CN" altLang="en-US"/>
           </a:p>
@@ -2072,7 +2073,7 @@
           <a:p>
             <a:fld id="{4238A185-F9DB-4B92-A1A8-CCD8A76DEA25}" type="slidenum">
               <a:rPr lang="zh-CN" altLang="en-US" smtClean="0"/>
-              <a:t>27</a:t>
+              <a:t>28</a:t>
             </a:fld>
             <a:endParaRPr lang="zh-CN" altLang="en-US"/>
           </a:p>
@@ -2156,7 +2157,7 @@
           <a:p>
             <a:fld id="{4238A185-F9DB-4B92-A1A8-CCD8A76DEA25}" type="slidenum">
               <a:rPr lang="zh-CN" altLang="en-US" smtClean="0"/>
-              <a:t>28</a:t>
+              <a:t>29</a:t>
             </a:fld>
             <a:endParaRPr lang="zh-CN" altLang="en-US"/>
           </a:p>
@@ -2240,7 +2241,7 @@
           <a:p>
             <a:fld id="{4238A185-F9DB-4B92-A1A8-CCD8A76DEA25}" type="slidenum">
               <a:rPr lang="zh-CN" altLang="en-US" smtClean="0"/>
-              <a:t>29</a:t>
+              <a:t>30</a:t>
             </a:fld>
             <a:endParaRPr lang="zh-CN" altLang="en-US"/>
           </a:p>
@@ -2324,7 +2325,7 @@
           <a:p>
             <a:fld id="{4238A185-F9DB-4B92-A1A8-CCD8A76DEA25}" type="slidenum">
               <a:rPr lang="zh-CN" altLang="en-US" smtClean="0"/>
-              <a:t>30</a:t>
+              <a:t>31</a:t>
             </a:fld>
             <a:endParaRPr lang="zh-CN" altLang="en-US"/>
           </a:p>
@@ -8214,23 +8215,6 @@
               </a:rPr>
               <a:t>需求管理计划</a:t>
             </a:r>
-            <a:endParaRPr lang="zh-CN" altLang="en-US" sz="4000" b="1" dirty="0" smtClean="0">
-              <a:blipFill dpi="0" rotWithShape="1">
-                <a:blip r:embed="rId4">
-                  <a:extLst>
-                    <a:ext uri="{28A0092B-C50C-407E-A947-70E740481C1C}">
-                      <a14:useLocalDpi xmlns:a14="http://schemas.microsoft.com/office/drawing/2010/main" val="0"/>
-                    </a:ext>
-                  </a:extLst>
-                </a:blip>
-                <a:srcRect/>
-                <a:stretch>
-                  <a:fillRect/>
-                </a:stretch>
-              </a:blipFill>
-              <a:latin typeface="微软雅黑" panose="020B0503020204020204" pitchFamily="34" charset="-122"/>
-              <a:ea typeface="微软雅黑" panose="020B0503020204020204" pitchFamily="34" charset="-122"/>
-            </a:endParaRPr>
           </a:p>
         </p:txBody>
       </p:sp>
@@ -8242,8 +8226,8 @@
   <p:transition spd="slow">
     <p:fade thruBlk="1"/>
   </p:transition>
-  <mc:AlternateContent xmlns:mc="http://schemas.openxmlformats.org/markup-compatibility/2006">
-    <mc:Choice xmlns:p14="http://schemas.microsoft.com/office/powerpoint/2010/main" Requires="p14">
+  <mc:AlternateContent xmlns:mc="http://schemas.openxmlformats.org/markup-compatibility/2006" xmlns:p14="http://schemas.microsoft.com/office/powerpoint/2010/main">
+    <mc:Choice Requires="p14">
       <p:timing>
         <p:tnLst>
           <p:par>
@@ -8473,7 +8457,7 @@
         </p:bldLst>
       </p:timing>
     </mc:Choice>
-    <mc:Fallback>
+    <mc:Fallback xmlns="">
       <p:timing>
         <p:tnLst>
           <p:par>
@@ -9640,6 +9624,87 @@
           <a:chExt cx="0" cy="0"/>
         </a:xfrm>
       </p:grpSpPr>
+      <p:pic>
+        <p:nvPicPr>
+          <p:cNvPr id="3" name="图片 2"/>
+          <p:cNvPicPr>
+            <a:picLocks noChangeAspect="1"/>
+          </p:cNvPicPr>
+          <p:nvPr/>
+        </p:nvPicPr>
+        <p:blipFill>
+          <a:blip r:embed="rId2"/>
+          <a:stretch>
+            <a:fillRect/>
+          </a:stretch>
+        </p:blipFill>
+        <p:spPr>
+          <a:xfrm>
+            <a:off x="1034328" y="420283"/>
+            <a:ext cx="4171429" cy="6142857"/>
+          </a:xfrm>
+          <a:prstGeom prst="rect">
+            <a:avLst/>
+          </a:prstGeom>
+        </p:spPr>
+      </p:pic>
+      <p:pic>
+        <p:nvPicPr>
+          <p:cNvPr id="4" name="图片 3"/>
+          <p:cNvPicPr>
+            <a:picLocks noChangeAspect="1"/>
+          </p:cNvPicPr>
+          <p:nvPr/>
+        </p:nvPicPr>
+        <p:blipFill>
+          <a:blip r:embed="rId3"/>
+          <a:stretch>
+            <a:fillRect/>
+          </a:stretch>
+        </p:blipFill>
+        <p:spPr>
+          <a:xfrm>
+            <a:off x="6392404" y="424073"/>
+            <a:ext cx="4306075" cy="6139067"/>
+          </a:xfrm>
+          <a:prstGeom prst="rect">
+            <a:avLst/>
+          </a:prstGeom>
+        </p:spPr>
+      </p:pic>
+    </p:spTree>
+    <p:extLst>
+      <p:ext uri="{BB962C8B-B14F-4D97-AF65-F5344CB8AC3E}">
+        <p14:creationId xmlns:p14="http://schemas.microsoft.com/office/powerpoint/2010/main" val="3366385111"/>
+      </p:ext>
+    </p:extLst>
+  </p:cSld>
+  <p:clrMapOvr>
+    <a:masterClrMapping/>
+  </p:clrMapOvr>
+  <p:transition spd="slow">
+    <p:fade thruBlk="1"/>
+  </p:transition>
+</p:sld>
+</file>
+
+<file path=ppt/slides/slide15.xml><?xml version="1.0" encoding="utf-8"?>
+<p:sld xmlns:a="http://schemas.openxmlformats.org/drawingml/2006/main" xmlns:r="http://schemas.openxmlformats.org/officeDocument/2006/relationships" xmlns:p="http://schemas.openxmlformats.org/presentationml/2006/main">
+  <p:cSld>
+    <p:spTree>
+      <p:nvGrpSpPr>
+        <p:cNvPr id="1" name=""/>
+        <p:cNvGrpSpPr/>
+        <p:nvPr/>
+      </p:nvGrpSpPr>
+      <p:grpSpPr>
+        <a:xfrm>
+          <a:off x="0" y="0"/>
+          <a:ext cx="0" cy="0"/>
+          <a:chOff x="0" y="0"/>
+          <a:chExt cx="0" cy="0"/>
+        </a:xfrm>
+      </p:grpSpPr>
       <p:sp>
         <p:nvSpPr>
           <p:cNvPr id="55" name="Rectangle 39"/>
@@ -10114,7 +10179,7 @@
 </p:sld>
 </file>
 
-<file path=ppt/slides/slide15.xml><?xml version="1.0" encoding="utf-8"?>
+<file path=ppt/slides/slide16.xml><?xml version="1.0" encoding="utf-8"?>
 <p:sld xmlns:a="http://schemas.openxmlformats.org/drawingml/2006/main" xmlns:r="http://schemas.openxmlformats.org/officeDocument/2006/relationships" xmlns:p="http://schemas.openxmlformats.org/presentationml/2006/main">
   <p:cSld>
     <p:spTree>
@@ -10452,7 +10517,7 @@
 </p:sld>
 </file>
 
-<file path=ppt/slides/slide16.xml><?xml version="1.0" encoding="utf-8"?>
+<file path=ppt/slides/slide17.xml><?xml version="1.0" encoding="utf-8"?>
 <p:sld xmlns:a="http://schemas.openxmlformats.org/drawingml/2006/main" xmlns:r="http://schemas.openxmlformats.org/officeDocument/2006/relationships" xmlns:p="http://schemas.openxmlformats.org/presentationml/2006/main">
   <p:cSld>
     <p:spTree>
@@ -10714,412 +10779,6 @@
                 <a:cs typeface="宋体" panose="02010600030101010101" pitchFamily="2" charset="-122"/>
               </a:rPr>
               <a:t>管理员可设置多人担任。</a:t>
-            </a:r>
-          </a:p>
-        </p:txBody>
-      </p:sp>
-    </p:spTree>
-  </p:cSld>
-  <p:clrMapOvr>
-    <a:masterClrMapping/>
-  </p:clrMapOvr>
-  <p:transition spd="slow">
-    <p:fade thruBlk="1"/>
-  </p:transition>
-  <p:timing>
-    <p:tnLst>
-      <p:par>
-        <p:cTn id="1" dur="indefinite" restart="never" nodeType="tmRoot"/>
-      </p:par>
-    </p:tnLst>
-  </p:timing>
-</p:sld>
-</file>
-
-<file path=ppt/slides/slide17.xml><?xml version="1.0" encoding="utf-8"?>
-<p:sld xmlns:a="http://schemas.openxmlformats.org/drawingml/2006/main" xmlns:r="http://schemas.openxmlformats.org/officeDocument/2006/relationships" xmlns:p="http://schemas.openxmlformats.org/presentationml/2006/main">
-  <p:cSld>
-    <p:spTree>
-      <p:nvGrpSpPr>
-        <p:cNvPr id="1" name=""/>
-        <p:cNvGrpSpPr/>
-        <p:nvPr/>
-      </p:nvGrpSpPr>
-      <p:grpSpPr>
-        <a:xfrm>
-          <a:off x="0" y="0"/>
-          <a:ext cx="0" cy="0"/>
-          <a:chOff x="0" y="0"/>
-          <a:chExt cx="0" cy="0"/>
-        </a:xfrm>
-      </p:grpSpPr>
-      <p:sp>
-        <p:nvSpPr>
-          <p:cNvPr id="6" name="文本框 5"/>
-          <p:cNvSpPr txBox="1"/>
-          <p:nvPr/>
-        </p:nvSpPr>
-        <p:spPr>
-          <a:xfrm>
-            <a:off x="4599093" y="568537"/>
-            <a:ext cx="3881120" cy="829945"/>
-          </a:xfrm>
-          <a:prstGeom prst="rect">
-            <a:avLst/>
-          </a:prstGeom>
-          <a:noFill/>
-        </p:spPr>
-        <p:txBody>
-          <a:bodyPr wrap="square" rtlCol="0">
-            <a:spAutoFit/>
-          </a:bodyPr>
-          <a:lstStyle/>
-          <a:p>
-            <a:r>
-              <a:rPr lang="zh-CN" altLang="en-US" sz="4800" b="1">
-                <a:solidFill>
-                  <a:schemeClr val="bg1"/>
-                </a:solidFill>
-                <a:latin typeface="迷你简艺黑" panose="03000509000000000000" pitchFamily="65" charset="-122"/>
-                <a:ea typeface="迷你简艺黑" panose="03000509000000000000" pitchFamily="65" charset="-122"/>
-              </a:rPr>
-              <a:t>客户需求</a:t>
-            </a:r>
-          </a:p>
-        </p:txBody>
-      </p:sp>
-      <p:sp>
-        <p:nvSpPr>
-          <p:cNvPr id="100" name="文本框 99"/>
-          <p:cNvSpPr txBox="1"/>
-          <p:nvPr/>
-        </p:nvSpPr>
-        <p:spPr>
-          <a:xfrm>
-            <a:off x="471593" y="1428750"/>
-            <a:ext cx="11143827" cy="4367530"/>
-          </a:xfrm>
-          <a:prstGeom prst="rect">
-            <a:avLst/>
-          </a:prstGeom>
-          <a:noFill/>
-          <a:ln w="9525">
-            <a:noFill/>
-          </a:ln>
-        </p:spPr>
-        <p:txBody>
-          <a:bodyPr wrap="square">
-            <a:spAutoFit/>
-          </a:bodyPr>
-          <a:lstStyle/>
-          <a:p>
-            <a:pPr marL="228600" indent="-228600"/>
-            <a:r>
-              <a:rPr lang="en-US" altLang="zh-CN" sz="2135" b="1">
-                <a:solidFill>
-                  <a:schemeClr val="bg1"/>
-                </a:solidFill>
-                <a:latin typeface="迷你简艺黑" panose="03000509000000000000" pitchFamily="65" charset="-122"/>
-                <a:ea typeface="迷你简艺黑" panose="03000509000000000000" pitchFamily="65" charset="-122"/>
-                <a:cs typeface="宋体" panose="02010600030101010101" pitchFamily="2" charset="-122"/>
-              </a:rPr>
-              <a:t>1 </a:t>
-            </a:r>
-            <a:r>
-              <a:rPr lang="zh-CN" altLang="en-US" sz="2135" b="1">
-                <a:solidFill>
-                  <a:schemeClr val="bg1"/>
-                </a:solidFill>
-                <a:latin typeface="迷你简艺黑" panose="03000509000000000000" pitchFamily="65" charset="-122"/>
-                <a:ea typeface="迷你简艺黑" panose="03000509000000000000" pitchFamily="65" charset="-122"/>
-                <a:cs typeface="宋体" panose="02010600030101010101" pitchFamily="2" charset="-122"/>
-              </a:rPr>
-              <a:t>网站上要有系统的课程介绍包括项目管理</a:t>
-            </a:r>
-            <a:r>
-              <a:rPr lang="en-US" altLang="zh-CN" sz="2135" b="1">
-                <a:solidFill>
-                  <a:schemeClr val="bg1"/>
-                </a:solidFill>
-                <a:latin typeface="迷你简艺黑" panose="03000509000000000000" pitchFamily="65" charset="-122"/>
-                <a:ea typeface="迷你简艺黑" panose="03000509000000000000" pitchFamily="65" charset="-122"/>
-                <a:cs typeface="宋体" panose="02010600030101010101" pitchFamily="2" charset="-122"/>
-              </a:rPr>
-              <a:t>,</a:t>
-            </a:r>
-            <a:r>
-              <a:rPr lang="zh-CN" altLang="en-US" sz="2135" b="1">
-                <a:solidFill>
-                  <a:schemeClr val="bg1"/>
-                </a:solidFill>
-                <a:latin typeface="迷你简艺黑" panose="03000509000000000000" pitchFamily="65" charset="-122"/>
-                <a:ea typeface="迷你简艺黑" panose="03000509000000000000" pitchFamily="65" charset="-122"/>
-                <a:cs typeface="宋体" panose="02010600030101010101" pitchFamily="2" charset="-122"/>
-              </a:rPr>
-              <a:t>需求工程等几门课的课时安排、教学计划、使用教材、国际国内背景、考核方式、和学生选这门课所需要的知识背景，以及大作业的介绍。并可以在以后增加另外课程的时候可以定制</a:t>
-            </a:r>
-            <a:r>
-              <a:rPr lang="en-US" altLang="zh-CN" sz="2135" b="1">
-                <a:solidFill>
-                  <a:schemeClr val="bg1"/>
-                </a:solidFill>
-                <a:latin typeface="迷你简艺黑" panose="03000509000000000000" pitchFamily="65" charset="-122"/>
-                <a:ea typeface="迷你简艺黑" panose="03000509000000000000" pitchFamily="65" charset="-122"/>
-                <a:cs typeface="宋体" panose="02010600030101010101" pitchFamily="2" charset="-122"/>
-              </a:rPr>
-              <a:t>.</a:t>
-            </a:r>
-          </a:p>
-          <a:p>
-            <a:pPr marL="228600" indent="-228600"/>
-            <a:r>
-              <a:rPr lang="en-US" altLang="zh-CN" sz="2135" b="1">
-                <a:solidFill>
-                  <a:schemeClr val="bg1"/>
-                </a:solidFill>
-                <a:latin typeface="迷你简艺黑" panose="03000509000000000000" pitchFamily="65" charset="-122"/>
-                <a:ea typeface="迷你简艺黑" panose="03000509000000000000" pitchFamily="65" charset="-122"/>
-                <a:cs typeface="宋体" panose="02010600030101010101" pitchFamily="2" charset="-122"/>
-              </a:rPr>
-              <a:t>2 </a:t>
-            </a:r>
-            <a:r>
-              <a:rPr lang="zh-CN" altLang="en-US" sz="2135" b="1">
-                <a:solidFill>
-                  <a:schemeClr val="bg1"/>
-                </a:solidFill>
-                <a:latin typeface="迷你简艺黑" panose="03000509000000000000" pitchFamily="65" charset="-122"/>
-                <a:ea typeface="迷你简艺黑" panose="03000509000000000000" pitchFamily="65" charset="-122"/>
-                <a:cs typeface="宋体" panose="02010600030101010101" pitchFamily="2" charset="-122"/>
-              </a:rPr>
-              <a:t>网站要有教师介绍，对任课老师的以往教学、科研成果，及其教学风格，出版书 籍，所获荣誉的详细介绍</a:t>
-            </a:r>
-          </a:p>
-          <a:p>
-            <a:pPr marL="228600" indent="-228600"/>
-            <a:r>
-              <a:rPr lang="en-US" altLang="zh-CN" sz="2135" b="1">
-                <a:solidFill>
-                  <a:schemeClr val="bg1"/>
-                </a:solidFill>
-                <a:latin typeface="迷你简艺黑" panose="03000509000000000000" pitchFamily="65" charset="-122"/>
-                <a:ea typeface="迷你简艺黑" panose="03000509000000000000" pitchFamily="65" charset="-122"/>
-                <a:cs typeface="宋体" panose="02010600030101010101" pitchFamily="2" charset="-122"/>
-              </a:rPr>
-              <a:t>3  </a:t>
-            </a:r>
-            <a:r>
-              <a:rPr lang="zh-CN" altLang="en-US" sz="2135" b="1">
-                <a:solidFill>
-                  <a:schemeClr val="bg1"/>
-                </a:solidFill>
-                <a:latin typeface="迷你简艺黑" panose="03000509000000000000" pitchFamily="65" charset="-122"/>
-                <a:ea typeface="迷你简艺黑" panose="03000509000000000000" pitchFamily="65" charset="-122"/>
-                <a:cs typeface="宋体" panose="02010600030101010101" pitchFamily="2" charset="-122"/>
-              </a:rPr>
-              <a:t>课件、模板、参考资料、以往优秀作业、教学视频、音频资料下载，可以及时更新。本班老师同学可以通过账号下载，其他用户可以在线浏览简化版课件。</a:t>
-            </a:r>
-          </a:p>
-          <a:p>
-            <a:pPr marL="228600" indent="-228600"/>
-            <a:r>
-              <a:rPr lang="en-US" altLang="zh-CN" sz="2135" b="1">
-                <a:solidFill>
-                  <a:schemeClr val="bg1"/>
-                </a:solidFill>
-                <a:latin typeface="迷你简艺黑" panose="03000509000000000000" pitchFamily="65" charset="-122"/>
-                <a:ea typeface="迷你简艺黑" panose="03000509000000000000" pitchFamily="65" charset="-122"/>
-                <a:cs typeface="宋体" panose="02010600030101010101" pitchFamily="2" charset="-122"/>
-              </a:rPr>
-              <a:t>4 </a:t>
-            </a:r>
-            <a:r>
-              <a:rPr lang="zh-CN" altLang="en-US" sz="2135" b="1">
-                <a:solidFill>
-                  <a:schemeClr val="bg1"/>
-                </a:solidFill>
-                <a:latin typeface="迷你简艺黑" panose="03000509000000000000" pitchFamily="65" charset="-122"/>
-                <a:ea typeface="迷你简艺黑" panose="03000509000000000000" pitchFamily="65" charset="-122"/>
-                <a:cs typeface="宋体" panose="02010600030101010101" pitchFamily="2" charset="-122"/>
-              </a:rPr>
-              <a:t>教师消息发布栏用于老师发布作业点评、临时课程变更等通知。</a:t>
-            </a:r>
-          </a:p>
-          <a:p>
-            <a:pPr marL="228600" indent="-228600"/>
-            <a:r>
-              <a:rPr lang="en-US" altLang="zh-CN" sz="2135" b="1">
-                <a:solidFill>
-                  <a:schemeClr val="bg1"/>
-                </a:solidFill>
-                <a:latin typeface="迷你简艺黑" panose="03000509000000000000" pitchFamily="65" charset="-122"/>
-                <a:ea typeface="迷你简艺黑" panose="03000509000000000000" pitchFamily="65" charset="-122"/>
-                <a:cs typeface="宋体" panose="02010600030101010101" pitchFamily="2" charset="-122"/>
-              </a:rPr>
-              <a:t>5 </a:t>
-            </a:r>
-            <a:r>
-              <a:rPr lang="zh-CN" altLang="en-US" sz="2135" b="1">
-                <a:solidFill>
-                  <a:schemeClr val="bg1"/>
-                </a:solidFill>
-                <a:latin typeface="迷你简艺黑" panose="03000509000000000000" pitchFamily="65" charset="-122"/>
-                <a:ea typeface="迷你简艺黑" panose="03000509000000000000" pitchFamily="65" charset="-122"/>
-                <a:cs typeface="宋体" panose="02010600030101010101" pitchFamily="2" charset="-122"/>
-              </a:rPr>
-              <a:t>网站上要有网站向导即使用指南。</a:t>
-            </a:r>
-          </a:p>
-          <a:p>
-            <a:pPr marL="228600" indent="-228600"/>
-            <a:r>
-              <a:rPr lang="en-US" altLang="zh-CN" sz="2135" b="1">
-                <a:solidFill>
-                  <a:schemeClr val="bg1"/>
-                </a:solidFill>
-                <a:latin typeface="迷你简艺黑" panose="03000509000000000000" pitchFamily="65" charset="-122"/>
-                <a:ea typeface="迷你简艺黑" panose="03000509000000000000" pitchFamily="65" charset="-122"/>
-                <a:cs typeface="宋体" panose="02010600030101010101" pitchFamily="2" charset="-122"/>
-              </a:rPr>
-              <a:t>6 </a:t>
-            </a:r>
-            <a:r>
-              <a:rPr lang="zh-CN" altLang="en-US" sz="2135" b="1">
-                <a:solidFill>
-                  <a:schemeClr val="bg1"/>
-                </a:solidFill>
-                <a:latin typeface="迷你简艺黑" panose="03000509000000000000" pitchFamily="65" charset="-122"/>
-                <a:ea typeface="迷你简艺黑" panose="03000509000000000000" pitchFamily="65" charset="-122"/>
-                <a:cs typeface="宋体" panose="02010600030101010101" pitchFamily="2" charset="-122"/>
-              </a:rPr>
-              <a:t>最新信息：公布老师最近的一些教学或外出交流的心得，以及网站一些最近更新信息的介绍。</a:t>
-            </a:r>
-          </a:p>
-          <a:p>
-            <a:pPr marL="228600" indent="-228600"/>
-            <a:r>
-              <a:rPr lang="en-US" altLang="zh-CN" sz="2135" b="1">
-                <a:solidFill>
-                  <a:schemeClr val="bg1"/>
-                </a:solidFill>
-                <a:latin typeface="迷你简艺黑" panose="03000509000000000000" pitchFamily="65" charset="-122"/>
-                <a:ea typeface="迷你简艺黑" panose="03000509000000000000" pitchFamily="65" charset="-122"/>
-                <a:cs typeface="宋体" panose="02010600030101010101" pitchFamily="2" charset="-122"/>
-              </a:rPr>
-              <a:t>7 </a:t>
-            </a:r>
-            <a:r>
-              <a:rPr lang="zh-CN" altLang="en-US" sz="2135" b="1">
-                <a:solidFill>
-                  <a:schemeClr val="bg1"/>
-                </a:solidFill>
-                <a:latin typeface="迷你简艺黑" panose="03000509000000000000" pitchFamily="65" charset="-122"/>
-                <a:ea typeface="迷你简艺黑" panose="03000509000000000000" pitchFamily="65" charset="-122"/>
-                <a:cs typeface="宋体" panose="02010600030101010101" pitchFamily="2" charset="-122"/>
-              </a:rPr>
-              <a:t>友情连接（如网上选课主页）有老师要求管理员实时更新。</a:t>
-            </a:r>
-          </a:p>
-          <a:p>
-            <a:pPr marL="228600" indent="-228600"/>
-            <a:r>
-              <a:rPr lang="en-US" altLang="zh-CN" sz="2135" b="1">
-                <a:solidFill>
-                  <a:schemeClr val="bg1"/>
-                </a:solidFill>
-                <a:latin typeface="迷你简艺黑" panose="03000509000000000000" pitchFamily="65" charset="-122"/>
-                <a:ea typeface="迷你简艺黑" panose="03000509000000000000" pitchFamily="65" charset="-122"/>
-                <a:cs typeface="宋体" panose="02010600030101010101" pitchFamily="2" charset="-122"/>
-              </a:rPr>
-              <a:t>8 </a:t>
-            </a:r>
-            <a:r>
-              <a:rPr lang="zh-CN" altLang="en-US" sz="2135" b="1">
-                <a:solidFill>
-                  <a:schemeClr val="bg1"/>
-                </a:solidFill>
-                <a:latin typeface="迷你简艺黑" panose="03000509000000000000" pitchFamily="65" charset="-122"/>
-                <a:ea typeface="迷你简艺黑" panose="03000509000000000000" pitchFamily="65" charset="-122"/>
-                <a:cs typeface="宋体" panose="02010600030101010101" pitchFamily="2" charset="-122"/>
-              </a:rPr>
-              <a:t>提供专门的作业点评</a:t>
-            </a:r>
-            <a:r>
-              <a:rPr lang="en-US" altLang="zh-CN" sz="2135" b="1">
-                <a:solidFill>
-                  <a:schemeClr val="bg1"/>
-                </a:solidFill>
-                <a:latin typeface="迷你简艺黑" panose="03000509000000000000" pitchFamily="65" charset="-122"/>
-                <a:ea typeface="迷你简艺黑" panose="03000509000000000000" pitchFamily="65" charset="-122"/>
-                <a:cs typeface="宋体" panose="02010600030101010101" pitchFamily="2" charset="-122"/>
-              </a:rPr>
-              <a:t>,</a:t>
-            </a:r>
-            <a:r>
-              <a:rPr lang="zh-CN" altLang="en-US" sz="2135" b="1">
-                <a:solidFill>
-                  <a:schemeClr val="bg1"/>
-                </a:solidFill>
-                <a:latin typeface="迷你简艺黑" panose="03000509000000000000" pitchFamily="65" charset="-122"/>
-                <a:ea typeface="迷你简艺黑" panose="03000509000000000000" pitchFamily="65" charset="-122"/>
-                <a:cs typeface="宋体" panose="02010600030101010101" pitchFamily="2" charset="-122"/>
-              </a:rPr>
-              <a:t>作业完成情况跟踪的功能</a:t>
-            </a:r>
-            <a:r>
-              <a:rPr lang="en-US" altLang="zh-CN" sz="2135" b="1">
-                <a:solidFill>
-                  <a:schemeClr val="bg1"/>
-                </a:solidFill>
-                <a:latin typeface="迷你简艺黑" panose="03000509000000000000" pitchFamily="65" charset="-122"/>
-                <a:ea typeface="迷你简艺黑" panose="03000509000000000000" pitchFamily="65" charset="-122"/>
-                <a:cs typeface="宋体" panose="02010600030101010101" pitchFamily="2" charset="-122"/>
-              </a:rPr>
-              <a:t>,</a:t>
-            </a:r>
-            <a:r>
-              <a:rPr lang="zh-CN" altLang="en-US" sz="2135" b="1">
-                <a:solidFill>
-                  <a:schemeClr val="bg1"/>
-                </a:solidFill>
-                <a:latin typeface="迷你简艺黑" panose="03000509000000000000" pitchFamily="65" charset="-122"/>
-                <a:ea typeface="迷你简艺黑" panose="03000509000000000000" pitchFamily="65" charset="-122"/>
-                <a:cs typeface="宋体" panose="02010600030101010101" pitchFamily="2" charset="-122"/>
-              </a:rPr>
-              <a:t>对学生的作业</a:t>
-            </a:r>
-            <a:r>
-              <a:rPr lang="en-US" altLang="zh-CN" sz="2135" b="1">
-                <a:solidFill>
-                  <a:schemeClr val="bg1"/>
-                </a:solidFill>
-                <a:latin typeface="迷你简艺黑" panose="03000509000000000000" pitchFamily="65" charset="-122"/>
-                <a:ea typeface="迷你简艺黑" panose="03000509000000000000" pitchFamily="65" charset="-122"/>
-                <a:cs typeface="宋体" panose="02010600030101010101" pitchFamily="2" charset="-122"/>
-              </a:rPr>
-              <a:t>,</a:t>
-            </a:r>
-            <a:r>
-              <a:rPr lang="zh-CN" altLang="en-US" sz="2135" b="1">
-                <a:solidFill>
-                  <a:schemeClr val="bg1"/>
-                </a:solidFill>
-                <a:latin typeface="迷你简艺黑" panose="03000509000000000000" pitchFamily="65" charset="-122"/>
-                <a:ea typeface="迷你简艺黑" panose="03000509000000000000" pitchFamily="65" charset="-122"/>
-                <a:cs typeface="宋体" panose="02010600030101010101" pitchFamily="2" charset="-122"/>
-              </a:rPr>
-              <a:t>和课后作业讨论进行点评</a:t>
-            </a:r>
-            <a:r>
-              <a:rPr lang="en-US" altLang="zh-CN" sz="2135" b="1">
-                <a:solidFill>
-                  <a:schemeClr val="bg1"/>
-                </a:solidFill>
-                <a:latin typeface="迷你简艺黑" panose="03000509000000000000" pitchFamily="65" charset="-122"/>
-                <a:ea typeface="迷你简艺黑" panose="03000509000000000000" pitchFamily="65" charset="-122"/>
-                <a:cs typeface="宋体" panose="02010600030101010101" pitchFamily="2" charset="-122"/>
-              </a:rPr>
-              <a:t>.</a:t>
             </a:r>
           </a:p>
         </p:txBody>
@@ -11161,14 +10820,14 @@
       </p:grpSpPr>
       <p:sp>
         <p:nvSpPr>
-          <p:cNvPr id="8" name="文本框 7"/>
+          <p:cNvPr id="6" name="文本框 5"/>
           <p:cNvSpPr txBox="1"/>
           <p:nvPr/>
         </p:nvSpPr>
         <p:spPr>
           <a:xfrm>
-            <a:off x="4808220" y="417830"/>
-            <a:ext cx="3285913" cy="829945"/>
+            <a:off x="4599093" y="568537"/>
+            <a:ext cx="3881120" cy="829945"/>
           </a:xfrm>
           <a:prstGeom prst="rect">
             <a:avLst/>
@@ -11189,13 +10848,8 @@
                 <a:latin typeface="迷你简艺黑" panose="03000509000000000000" pitchFamily="65" charset="-122"/>
                 <a:ea typeface="迷你简艺黑" panose="03000509000000000000" pitchFamily="65" charset="-122"/>
               </a:rPr>
-              <a:t>学生需求</a:t>
-            </a:r>
-            <a:endParaRPr lang="zh-CN" altLang="en-US" sz="4800" b="1">
-              <a:solidFill>
-                <a:schemeClr val="bg1"/>
-              </a:solidFill>
-            </a:endParaRPr>
+              <a:t>客户需求</a:t>
+            </a:r>
           </a:p>
         </p:txBody>
       </p:sp>
@@ -11207,8 +10861,8 @@
         </p:nvSpPr>
         <p:spPr>
           <a:xfrm>
-            <a:off x="242993" y="1152737"/>
-            <a:ext cx="11479107" cy="5683250"/>
+            <a:off x="471593" y="1428750"/>
+            <a:ext cx="11143827" cy="4367530"/>
           </a:xfrm>
           <a:prstGeom prst="rect">
             <a:avLst/>
@@ -11234,7 +10888,7 @@
                 <a:ea typeface="迷你简艺黑" panose="03000509000000000000" pitchFamily="65" charset="-122"/>
                 <a:cs typeface="宋体" panose="02010600030101010101" pitchFamily="2" charset="-122"/>
               </a:rPr>
-              <a:t>  1 </a:t>
+              <a:t>1 </a:t>
             </a:r>
             <a:r>
               <a:rPr lang="zh-CN" altLang="en-US" sz="2135" b="1">
@@ -11245,11 +10899,8 @@
                 <a:ea typeface="迷你简艺黑" panose="03000509000000000000" pitchFamily="65" charset="-122"/>
                 <a:cs typeface="宋体" panose="02010600030101010101" pitchFamily="2" charset="-122"/>
               </a:rPr>
-              <a:t>课件下载功能，包括以往的旧版本课件，以及最新的课件。</a:t>
-            </a:r>
-          </a:p>
-          <a:p>
-            <a:pPr marL="228600" indent="-228600"/>
+              <a:t>网站上要有系统的课程介绍包括项目管理</a:t>
+            </a:r>
             <a:r>
               <a:rPr lang="en-US" altLang="zh-CN" sz="2135" b="1">
                 <a:solidFill>
@@ -11259,7 +10910,7 @@
                 <a:ea typeface="迷你简艺黑" panose="03000509000000000000" pitchFamily="65" charset="-122"/>
                 <a:cs typeface="宋体" panose="02010600030101010101" pitchFamily="2" charset="-122"/>
               </a:rPr>
-              <a:t>2 </a:t>
+              <a:t>,</a:t>
             </a:r>
             <a:r>
               <a:rPr lang="zh-CN" altLang="en-US" sz="2135" b="1">
@@ -11270,7 +10921,7 @@
                 <a:ea typeface="迷你简艺黑" panose="03000509000000000000" pitchFamily="65" charset="-122"/>
                 <a:cs typeface="宋体" panose="02010600030101010101" pitchFamily="2" charset="-122"/>
               </a:rPr>
-              <a:t>能下载老师提供的参考资料</a:t>
+              <a:t>需求工程等几门课的课时安排、教学计划、使用教材、国际国内背景、考核方式、和学生选这门课所需要的知识背景，以及大作业的介绍。并可以在以后增加另外课程的时候可以定制</a:t>
             </a:r>
             <a:r>
               <a:rPr lang="en-US" altLang="zh-CN" sz="2135" b="1">
@@ -11281,10 +10932,13 @@
                 <a:ea typeface="迷你简艺黑" panose="03000509000000000000" pitchFamily="65" charset="-122"/>
                 <a:cs typeface="宋体" panose="02010600030101010101" pitchFamily="2" charset="-122"/>
               </a:rPr>
-              <a:t>(</a:t>
-            </a:r>
-            <a:r>
-              <a:rPr lang="zh-CN" altLang="en-US" sz="2135" b="1">
+              <a:t>.</a:t>
+            </a:r>
+          </a:p>
+          <a:p>
+            <a:pPr marL="228600" indent="-228600"/>
+            <a:r>
+              <a:rPr lang="en-US" altLang="zh-CN" sz="2135" b="1">
                 <a:solidFill>
                   <a:schemeClr val="bg1"/>
                 </a:solidFill>
@@ -11292,10 +10946,10 @@
                 <a:ea typeface="迷你简艺黑" panose="03000509000000000000" pitchFamily="65" charset="-122"/>
                 <a:cs typeface="宋体" panose="02010600030101010101" pitchFamily="2" charset="-122"/>
               </a:rPr>
-              <a:t>含电子教材、历年试卷、补课资料，以及老师的教学交流文章</a:t>
-            </a:r>
-            <a:r>
-              <a:rPr lang="en-US" altLang="zh-CN" sz="2135" b="1">
+              <a:t>2 </a:t>
+            </a:r>
+            <a:r>
+              <a:rPr lang="zh-CN" altLang="en-US" sz="2135" b="1">
                 <a:solidFill>
                   <a:schemeClr val="bg1"/>
                 </a:solidFill>
@@ -11303,10 +10957,13 @@
                 <a:ea typeface="迷你简艺黑" panose="03000509000000000000" pitchFamily="65" charset="-122"/>
                 <a:cs typeface="宋体" panose="02010600030101010101" pitchFamily="2" charset="-122"/>
               </a:rPr>
-              <a:t>)</a:t>
-            </a:r>
-            <a:r>
-              <a:rPr lang="zh-CN" altLang="en-US" sz="2135" b="1">
+              <a:t>网站要有教师介绍，对任课老师的以往教学、科研成果，及其教学风格，出版书 籍，所获荣誉的详细介绍</a:t>
+            </a:r>
+          </a:p>
+          <a:p>
+            <a:pPr marL="228600" indent="-228600"/>
+            <a:r>
+              <a:rPr lang="en-US" altLang="zh-CN" sz="2135" b="1">
                 <a:solidFill>
                   <a:schemeClr val="bg1"/>
                 </a:solidFill>
@@ -11314,10 +10971,10 @@
                 <a:ea typeface="迷你简艺黑" panose="03000509000000000000" pitchFamily="65" charset="-122"/>
                 <a:cs typeface="宋体" panose="02010600030101010101" pitchFamily="2" charset="-122"/>
               </a:rPr>
-              <a:t>并且网站能及时更新这些资料。下载的速度能够得到保证：要求同时可容纳</a:t>
-            </a:r>
-            <a:r>
-              <a:rPr lang="en-US" altLang="zh-CN" sz="2135" b="1">
+              <a:t>3  </a:t>
+            </a:r>
+            <a:r>
+              <a:rPr lang="zh-CN" altLang="en-US" sz="2135" b="1">
                 <a:solidFill>
                   <a:schemeClr val="bg1"/>
                 </a:solidFill>
@@ -11325,10 +10982,13 @@
                 <a:ea typeface="迷你简艺黑" panose="03000509000000000000" pitchFamily="65" charset="-122"/>
                 <a:cs typeface="宋体" panose="02010600030101010101" pitchFamily="2" charset="-122"/>
               </a:rPr>
-              <a:t>10</a:t>
-            </a:r>
-            <a:r>
-              <a:rPr lang="zh-CN" altLang="en-US" sz="2135" b="1">
+              <a:t>课件、模板、参考资料、以往优秀作业、教学视频、音频资料下载，可以及时更新。本班老师同学可以通过账号下载，其他用户可以在线浏览简化版课件。</a:t>
+            </a:r>
+          </a:p>
+          <a:p>
+            <a:pPr marL="228600" indent="-228600"/>
+            <a:r>
+              <a:rPr lang="en-US" altLang="zh-CN" sz="2135" b="1">
                 <a:solidFill>
                   <a:schemeClr val="bg1"/>
                 </a:solidFill>
@@ -11336,10 +10996,10 @@
                 <a:ea typeface="迷你简艺黑" panose="03000509000000000000" pitchFamily="65" charset="-122"/>
                 <a:cs typeface="宋体" panose="02010600030101010101" pitchFamily="2" charset="-122"/>
               </a:rPr>
-              <a:t>人下载，并且人均速度能达到</a:t>
-            </a:r>
-            <a:r>
-              <a:rPr lang="en-US" altLang="zh-CN" sz="2135" b="1">
+              <a:t>4 </a:t>
+            </a:r>
+            <a:r>
+              <a:rPr lang="zh-CN" altLang="en-US" sz="2135" b="1">
                 <a:solidFill>
                   <a:schemeClr val="bg1"/>
                 </a:solidFill>
@@ -11347,10 +11007,13 @@
                 <a:ea typeface="迷你简艺黑" panose="03000509000000000000" pitchFamily="65" charset="-122"/>
                 <a:cs typeface="宋体" panose="02010600030101010101" pitchFamily="2" charset="-122"/>
               </a:rPr>
-              <a:t>50kb/s</a:t>
-            </a:r>
-            <a:r>
-              <a:rPr lang="zh-CN" altLang="en-US" sz="2135" b="1">
+              <a:t>教师消息发布栏用于老师发布作业点评、临时课程变更等通知。</a:t>
+            </a:r>
+          </a:p>
+          <a:p>
+            <a:pPr marL="228600" indent="-228600"/>
+            <a:r>
+              <a:rPr lang="en-US" altLang="zh-CN" sz="2135" b="1">
                 <a:solidFill>
                   <a:schemeClr val="bg1"/>
                 </a:solidFill>
@@ -11358,13 +11021,10 @@
                 <a:ea typeface="迷你简艺黑" panose="03000509000000000000" pitchFamily="65" charset="-122"/>
                 <a:cs typeface="宋体" panose="02010600030101010101" pitchFamily="2" charset="-122"/>
               </a:rPr>
-              <a:t>。</a:t>
-            </a:r>
-          </a:p>
-          <a:p>
-            <a:pPr marL="228600" indent="-228600"/>
-            <a:r>
-              <a:rPr lang="en-US" altLang="zh-CN" sz="2135" b="1">
+              <a:t>5 </a:t>
+            </a:r>
+            <a:r>
+              <a:rPr lang="zh-CN" altLang="en-US" sz="2135" b="1">
                 <a:solidFill>
                   <a:schemeClr val="bg1"/>
                 </a:solidFill>
@@ -11372,10 +11032,13 @@
                 <a:ea typeface="迷你简艺黑" panose="03000509000000000000" pitchFamily="65" charset="-122"/>
                 <a:cs typeface="宋体" panose="02010600030101010101" pitchFamily="2" charset="-122"/>
               </a:rPr>
-              <a:t>3 </a:t>
-            </a:r>
-            <a:r>
-              <a:rPr lang="zh-CN" altLang="en-US" sz="2135" b="1">
+              <a:t>网站上要有网站向导即使用指南。</a:t>
+            </a:r>
+          </a:p>
+          <a:p>
+            <a:pPr marL="228600" indent="-228600"/>
+            <a:r>
+              <a:rPr lang="en-US" altLang="zh-CN" sz="2135" b="1">
                 <a:solidFill>
                   <a:schemeClr val="bg1"/>
                 </a:solidFill>
@@ -11383,10 +11046,10 @@
                 <a:ea typeface="迷你简艺黑" panose="03000509000000000000" pitchFamily="65" charset="-122"/>
                 <a:cs typeface="宋体" panose="02010600030101010101" pitchFamily="2" charset="-122"/>
               </a:rPr>
-              <a:t>能及时看到老师的通知</a:t>
-            </a:r>
-            <a:r>
-              <a:rPr lang="en-US" altLang="zh-CN" sz="2135" b="1">
+              <a:t>6 </a:t>
+            </a:r>
+            <a:r>
+              <a:rPr lang="zh-CN" altLang="en-US" sz="2135" b="1">
                 <a:solidFill>
                   <a:schemeClr val="bg1"/>
                 </a:solidFill>
@@ -11394,10 +11057,13 @@
                 <a:ea typeface="迷你简艺黑" panose="03000509000000000000" pitchFamily="65" charset="-122"/>
                 <a:cs typeface="宋体" panose="02010600030101010101" pitchFamily="2" charset="-122"/>
               </a:rPr>
-              <a:t>(</a:t>
-            </a:r>
-            <a:r>
-              <a:rPr lang="zh-CN" altLang="en-US" sz="2135" b="1">
+              <a:t>最新信息：公布老师最近的一些教学或外出交流的心得，以及网站一些最近更新信息的介绍。</a:t>
+            </a:r>
+          </a:p>
+          <a:p>
+            <a:pPr marL="228600" indent="-228600"/>
+            <a:r>
+              <a:rPr lang="en-US" altLang="zh-CN" sz="2135" b="1">
                 <a:solidFill>
                   <a:schemeClr val="bg1"/>
                 </a:solidFill>
@@ -11405,10 +11071,10 @@
                 <a:ea typeface="迷你简艺黑" panose="03000509000000000000" pitchFamily="65" charset="-122"/>
                 <a:cs typeface="宋体" panose="02010600030101010101" pitchFamily="2" charset="-122"/>
               </a:rPr>
-              <a:t>含课程相关通知及作业点评</a:t>
-            </a:r>
-            <a:r>
-              <a:rPr lang="en-US" altLang="zh-CN" sz="2135" b="1">
+              <a:t>7 </a:t>
+            </a:r>
+            <a:r>
+              <a:rPr lang="zh-CN" altLang="en-US" sz="2135" b="1">
                 <a:solidFill>
                   <a:schemeClr val="bg1"/>
                 </a:solidFill>
@@ -11416,10 +11082,13 @@
                 <a:ea typeface="迷你简艺黑" panose="03000509000000000000" pitchFamily="65" charset="-122"/>
                 <a:cs typeface="宋体" panose="02010600030101010101" pitchFamily="2" charset="-122"/>
               </a:rPr>
-              <a:t>)</a:t>
-            </a:r>
-            <a:r>
-              <a:rPr lang="zh-CN" altLang="en-US" sz="2135" b="1">
+              <a:t>友情连接（如网上选课主页）有老师要求管理员实时更新。</a:t>
+            </a:r>
+          </a:p>
+          <a:p>
+            <a:pPr marL="228600" indent="-228600"/>
+            <a:r>
+              <a:rPr lang="en-US" altLang="zh-CN" sz="2135" b="1">
                 <a:solidFill>
                   <a:schemeClr val="bg1"/>
                 </a:solidFill>
@@ -11427,13 +11096,10 @@
                 <a:ea typeface="迷你简艺黑" panose="03000509000000000000" pitchFamily="65" charset="-122"/>
                 <a:cs typeface="宋体" panose="02010600030101010101" pitchFamily="2" charset="-122"/>
               </a:rPr>
-              <a:t>。</a:t>
-            </a:r>
-          </a:p>
-          <a:p>
-            <a:pPr marL="228600" indent="-228600"/>
-            <a:r>
-              <a:rPr lang="en-US" altLang="zh-CN" sz="2135" b="1">
+              <a:t>8 </a:t>
+            </a:r>
+            <a:r>
+              <a:rPr lang="zh-CN" altLang="en-US" sz="2135" b="1">
                 <a:solidFill>
                   <a:schemeClr val="bg1"/>
                 </a:solidFill>
@@ -11441,10 +11107,10 @@
                 <a:ea typeface="迷你简艺黑" panose="03000509000000000000" pitchFamily="65" charset="-122"/>
                 <a:cs typeface="宋体" panose="02010600030101010101" pitchFamily="2" charset="-122"/>
               </a:rPr>
-              <a:t>4 </a:t>
-            </a:r>
-            <a:r>
-              <a:rPr lang="zh-CN" altLang="en-US" sz="2135" b="1">
+              <a:t>提供专门的作业点评</a:t>
+            </a:r>
+            <a:r>
+              <a:rPr lang="en-US" altLang="zh-CN" sz="2135" b="1">
                 <a:solidFill>
                   <a:schemeClr val="bg1"/>
                 </a:solidFill>
@@ -11452,13 +11118,10 @@
                 <a:ea typeface="迷你简艺黑" panose="03000509000000000000" pitchFamily="65" charset="-122"/>
                 <a:cs typeface="宋体" panose="02010600030101010101" pitchFamily="2" charset="-122"/>
               </a:rPr>
-              <a:t>如果教师提供的是多媒体资料，网站能提供下载及在线观看功能（如课堂录像）。</a:t>
-            </a:r>
-          </a:p>
-          <a:p>
-            <a:pPr marL="228600" indent="-228600"/>
-            <a:r>
-              <a:rPr lang="en-US" altLang="zh-CN" sz="2135" b="1">
+              <a:t>,</a:t>
+            </a:r>
+            <a:r>
+              <a:rPr lang="zh-CN" altLang="en-US" sz="2135" b="1">
                 <a:solidFill>
                   <a:schemeClr val="bg1"/>
                 </a:solidFill>
@@ -11466,10 +11129,10 @@
                 <a:ea typeface="迷你简艺黑" panose="03000509000000000000" pitchFamily="65" charset="-122"/>
                 <a:cs typeface="宋体" panose="02010600030101010101" pitchFamily="2" charset="-122"/>
               </a:rPr>
-              <a:t>5 </a:t>
-            </a:r>
-            <a:r>
-              <a:rPr lang="zh-CN" altLang="en-US" sz="2135" b="1">
+              <a:t>作业完成情况跟踪的功能</a:t>
+            </a:r>
+            <a:r>
+              <a:rPr lang="en-US" altLang="zh-CN" sz="2135" b="1">
                 <a:solidFill>
                   <a:schemeClr val="bg1"/>
                 </a:solidFill>
@@ -11477,10 +11140,10 @@
                 <a:ea typeface="迷你简艺黑" panose="03000509000000000000" pitchFamily="65" charset="-122"/>
                 <a:cs typeface="宋体" panose="02010600030101010101" pitchFamily="2" charset="-122"/>
               </a:rPr>
-              <a:t>网站界面要求简洁大方，有网站导航、相关链接</a:t>
-            </a:r>
-            <a:r>
-              <a:rPr lang="en-US" altLang="zh-CN" sz="2135" b="1">
+              <a:t>,</a:t>
+            </a:r>
+            <a:r>
+              <a:rPr lang="zh-CN" altLang="en-US" sz="2135" b="1">
                 <a:solidFill>
                   <a:schemeClr val="bg1"/>
                 </a:solidFill>
@@ -11488,10 +11151,10 @@
                 <a:ea typeface="迷你简艺黑" panose="03000509000000000000" pitchFamily="65" charset="-122"/>
                 <a:cs typeface="宋体" panose="02010600030101010101" pitchFamily="2" charset="-122"/>
               </a:rPr>
-              <a:t>(</a:t>
-            </a:r>
-            <a:r>
-              <a:rPr lang="zh-CN" altLang="en-US" sz="2135" b="1">
+              <a:t>对学生的作业</a:t>
+            </a:r>
+            <a:r>
+              <a:rPr lang="en-US" altLang="zh-CN" sz="2135" b="1">
                 <a:solidFill>
                   <a:schemeClr val="bg1"/>
                 </a:solidFill>
@@ -11499,10 +11162,10 @@
                 <a:ea typeface="迷你简艺黑" panose="03000509000000000000" pitchFamily="65" charset="-122"/>
                 <a:cs typeface="宋体" panose="02010600030101010101" pitchFamily="2" charset="-122"/>
               </a:rPr>
-              <a:t>含学校选课系统、学院网页、需求相关主题网站</a:t>
-            </a:r>
-            <a:r>
-              <a:rPr lang="en-US" altLang="zh-CN" sz="2135" b="1">
+              <a:t>,</a:t>
+            </a:r>
+            <a:r>
+              <a:rPr lang="zh-CN" altLang="en-US" sz="2135" b="1">
                 <a:solidFill>
                   <a:schemeClr val="bg1"/>
                 </a:solidFill>
@@ -11510,11 +11173,8 @@
                 <a:ea typeface="迷你简艺黑" panose="03000509000000000000" pitchFamily="65" charset="-122"/>
                 <a:cs typeface="宋体" panose="02010600030101010101" pitchFamily="2" charset="-122"/>
               </a:rPr>
-              <a:t>)</a:t>
-            </a:r>
-          </a:p>
-          <a:p>
-            <a:pPr marL="228600" indent="-228600"/>
+              <a:t>和课后作业讨论进行点评</a:t>
+            </a:r>
             <a:r>
               <a:rPr lang="en-US" altLang="zh-CN" sz="2135" b="1">
                 <a:solidFill>
@@ -11524,286 +11184,7 @@
                 <a:ea typeface="迷你简艺黑" panose="03000509000000000000" pitchFamily="65" charset="-122"/>
                 <a:cs typeface="宋体" panose="02010600030101010101" pitchFamily="2" charset="-122"/>
               </a:rPr>
-              <a:t>6 </a:t>
-            </a:r>
-            <a:r>
-              <a:rPr lang="zh-CN" altLang="en-US" sz="2135" b="1">
-                <a:solidFill>
-                  <a:schemeClr val="bg1"/>
-                </a:solidFill>
-                <a:latin typeface="迷你简艺黑" panose="03000509000000000000" pitchFamily="65" charset="-122"/>
-                <a:ea typeface="迷你简艺黑" panose="03000509000000000000" pitchFamily="65" charset="-122"/>
-                <a:cs typeface="宋体" panose="02010600030101010101" pitchFamily="2" charset="-122"/>
-              </a:rPr>
-              <a:t>网站提供通过提问方式的密码取回功能。</a:t>
-            </a:r>
-          </a:p>
-          <a:p>
-            <a:pPr marL="228600" indent="-228600"/>
-            <a:r>
-              <a:rPr lang="en-US" altLang="zh-CN" sz="2135" b="1">
-                <a:solidFill>
-                  <a:schemeClr val="bg1"/>
-                </a:solidFill>
-                <a:latin typeface="迷你简艺黑" panose="03000509000000000000" pitchFamily="65" charset="-122"/>
-                <a:ea typeface="迷你简艺黑" panose="03000509000000000000" pitchFamily="65" charset="-122"/>
-                <a:cs typeface="宋体" panose="02010600030101010101" pitchFamily="2" charset="-122"/>
-              </a:rPr>
-              <a:t>7 </a:t>
-            </a:r>
-            <a:r>
-              <a:rPr lang="zh-CN" altLang="en-US" sz="2135" b="1">
-                <a:solidFill>
-                  <a:schemeClr val="bg1"/>
-                </a:solidFill>
-                <a:latin typeface="迷你简艺黑" panose="03000509000000000000" pitchFamily="65" charset="-122"/>
-                <a:ea typeface="迷你简艺黑" panose="03000509000000000000" pitchFamily="65" charset="-122"/>
-                <a:cs typeface="宋体" panose="02010600030101010101" pitchFamily="2" charset="-122"/>
-              </a:rPr>
-              <a:t>网站能提供让分组的各个团队能有团队内部的交流工具</a:t>
-            </a:r>
-            <a:r>
-              <a:rPr lang="en-US" altLang="zh-CN" sz="2135" b="1">
-                <a:solidFill>
-                  <a:schemeClr val="bg1"/>
-                </a:solidFill>
-                <a:latin typeface="迷你简艺黑" panose="03000509000000000000" pitchFamily="65" charset="-122"/>
-                <a:ea typeface="迷你简艺黑" panose="03000509000000000000" pitchFamily="65" charset="-122"/>
-                <a:cs typeface="宋体" panose="02010600030101010101" pitchFamily="2" charset="-122"/>
-              </a:rPr>
-              <a:t>(</a:t>
-            </a:r>
-            <a:r>
-              <a:rPr lang="zh-CN" altLang="en-US" sz="2135" b="1">
-                <a:solidFill>
-                  <a:schemeClr val="bg1"/>
-                </a:solidFill>
-                <a:latin typeface="迷你简艺黑" panose="03000509000000000000" pitchFamily="65" charset="-122"/>
-                <a:ea typeface="迷你简艺黑" panose="03000509000000000000" pitchFamily="65" charset="-122"/>
-                <a:cs typeface="宋体" panose="02010600030101010101" pitchFamily="2" charset="-122"/>
-              </a:rPr>
-              <a:t>如论坛，不同团队可以申请认证板块，非团队成员不能浏览使用，但希望教师可以进入各个板块进行一定的指导，而网站管理人员也可管理认证板块</a:t>
-            </a:r>
-            <a:r>
-              <a:rPr lang="en-US" altLang="zh-CN" sz="2135" b="1">
-                <a:solidFill>
-                  <a:schemeClr val="bg1"/>
-                </a:solidFill>
-                <a:latin typeface="迷你简艺黑" panose="03000509000000000000" pitchFamily="65" charset="-122"/>
-                <a:ea typeface="迷你简艺黑" panose="03000509000000000000" pitchFamily="65" charset="-122"/>
-                <a:cs typeface="宋体" panose="02010600030101010101" pitchFamily="2" charset="-122"/>
-              </a:rPr>
-              <a:t>)</a:t>
-            </a:r>
-            <a:r>
-              <a:rPr lang="zh-CN" altLang="en-US" sz="2135" b="1">
-                <a:solidFill>
-                  <a:schemeClr val="bg1"/>
-                </a:solidFill>
-                <a:latin typeface="迷你简艺黑" panose="03000509000000000000" pitchFamily="65" charset="-122"/>
-                <a:ea typeface="迷你简艺黑" panose="03000509000000000000" pitchFamily="65" charset="-122"/>
-                <a:cs typeface="宋体" panose="02010600030101010101" pitchFamily="2" charset="-122"/>
-              </a:rPr>
-              <a:t>。</a:t>
-            </a:r>
-          </a:p>
-          <a:p>
-            <a:pPr marL="228600" indent="-228600"/>
-            <a:r>
-              <a:rPr lang="en-US" altLang="zh-CN" sz="2135" b="1">
-                <a:solidFill>
-                  <a:schemeClr val="bg1"/>
-                </a:solidFill>
-                <a:latin typeface="迷你简艺黑" panose="03000509000000000000" pitchFamily="65" charset="-122"/>
-                <a:ea typeface="迷你简艺黑" panose="03000509000000000000" pitchFamily="65" charset="-122"/>
-                <a:cs typeface="宋体" panose="02010600030101010101" pitchFamily="2" charset="-122"/>
-              </a:rPr>
-              <a:t>8 </a:t>
-            </a:r>
-            <a:r>
-              <a:rPr lang="zh-CN" altLang="en-US" sz="2135" b="1">
-                <a:solidFill>
-                  <a:schemeClr val="bg1"/>
-                </a:solidFill>
-                <a:latin typeface="迷你简艺黑" panose="03000509000000000000" pitchFamily="65" charset="-122"/>
-                <a:ea typeface="迷你简艺黑" panose="03000509000000000000" pitchFamily="65" charset="-122"/>
-                <a:cs typeface="宋体" panose="02010600030101010101" pitchFamily="2" charset="-122"/>
-              </a:rPr>
-              <a:t>网站能提供一定资料共享功能</a:t>
-            </a:r>
-            <a:r>
-              <a:rPr lang="en-US" altLang="zh-CN" sz="2135" b="1">
-                <a:solidFill>
-                  <a:schemeClr val="bg1"/>
-                </a:solidFill>
-                <a:latin typeface="迷你简艺黑" panose="03000509000000000000" pitchFamily="65" charset="-122"/>
-                <a:ea typeface="迷你简艺黑" panose="03000509000000000000" pitchFamily="65" charset="-122"/>
-                <a:cs typeface="宋体" panose="02010600030101010101" pitchFamily="2" charset="-122"/>
-              </a:rPr>
-              <a:t>(</a:t>
-            </a:r>
-            <a:r>
-              <a:rPr lang="zh-CN" altLang="en-US" sz="2135" b="1">
-                <a:solidFill>
-                  <a:schemeClr val="bg1"/>
-                </a:solidFill>
-                <a:latin typeface="迷你简艺黑" panose="03000509000000000000" pitchFamily="65" charset="-122"/>
-                <a:ea typeface="迷你简艺黑" panose="03000509000000000000" pitchFamily="65" charset="-122"/>
-                <a:cs typeface="宋体" panose="02010600030101010101" pitchFamily="2" charset="-122"/>
-              </a:rPr>
-              <a:t>如论坛有上传下载附件功能、但对附件大小有限制，不得大于</a:t>
-            </a:r>
-            <a:r>
-              <a:rPr lang="en-US" altLang="zh-CN" sz="2135" b="1">
-                <a:solidFill>
-                  <a:schemeClr val="bg1"/>
-                </a:solidFill>
-                <a:latin typeface="迷你简艺黑" panose="03000509000000000000" pitchFamily="65" charset="-122"/>
-                <a:ea typeface="迷你简艺黑" panose="03000509000000000000" pitchFamily="65" charset="-122"/>
-                <a:cs typeface="宋体" panose="02010600030101010101" pitchFamily="2" charset="-122"/>
-              </a:rPr>
-              <a:t>2M)</a:t>
-            </a:r>
-          </a:p>
-          <a:p>
-            <a:pPr marL="228600" indent="-228600"/>
-            <a:r>
-              <a:rPr lang="en-US" altLang="zh-CN" sz="2135" b="1">
-                <a:solidFill>
-                  <a:schemeClr val="bg1"/>
-                </a:solidFill>
-                <a:latin typeface="迷你简艺黑" panose="03000509000000000000" pitchFamily="65" charset="-122"/>
-                <a:ea typeface="迷你简艺黑" panose="03000509000000000000" pitchFamily="65" charset="-122"/>
-                <a:cs typeface="宋体" panose="02010600030101010101" pitchFamily="2" charset="-122"/>
-              </a:rPr>
-              <a:t>9 </a:t>
-            </a:r>
-            <a:r>
-              <a:rPr lang="zh-CN" altLang="en-US" sz="2135" b="1">
-                <a:solidFill>
-                  <a:schemeClr val="bg1"/>
-                </a:solidFill>
-                <a:latin typeface="迷你简艺黑" panose="03000509000000000000" pitchFamily="65" charset="-122"/>
-                <a:ea typeface="迷你简艺黑" panose="03000509000000000000" pitchFamily="65" charset="-122"/>
-                <a:cs typeface="宋体" panose="02010600030101010101" pitchFamily="2" charset="-122"/>
-              </a:rPr>
-              <a:t>网站能较醒目地提供教师的联系方式 </a:t>
-            </a:r>
-            <a:r>
-              <a:rPr lang="en-US" altLang="zh-CN" sz="2135" b="1">
-                <a:solidFill>
-                  <a:schemeClr val="bg1"/>
-                </a:solidFill>
-                <a:latin typeface="迷你简艺黑" panose="03000509000000000000" pitchFamily="65" charset="-122"/>
-                <a:ea typeface="迷你简艺黑" panose="03000509000000000000" pitchFamily="65" charset="-122"/>
-                <a:cs typeface="宋体" panose="02010600030101010101" pitchFamily="2" charset="-122"/>
-              </a:rPr>
-              <a:t>(</a:t>
-            </a:r>
-            <a:r>
-              <a:rPr lang="zh-CN" altLang="en-US" sz="2135" b="1">
-                <a:solidFill>
-                  <a:schemeClr val="bg1"/>
-                </a:solidFill>
-                <a:latin typeface="迷你简艺黑" panose="03000509000000000000" pitchFamily="65" charset="-122"/>
-                <a:ea typeface="迷你简艺黑" panose="03000509000000000000" pitchFamily="65" charset="-122"/>
-                <a:cs typeface="宋体" panose="02010600030101010101" pitchFamily="2" charset="-122"/>
-              </a:rPr>
-              <a:t>尽量详细</a:t>
-            </a:r>
-            <a:r>
-              <a:rPr lang="en-US" altLang="zh-CN" sz="2135" b="1">
-                <a:solidFill>
-                  <a:schemeClr val="bg1"/>
-                </a:solidFill>
-                <a:latin typeface="迷你简艺黑" panose="03000509000000000000" pitchFamily="65" charset="-122"/>
-                <a:ea typeface="迷你简艺黑" panose="03000509000000000000" pitchFamily="65" charset="-122"/>
-                <a:cs typeface="宋体" panose="02010600030101010101" pitchFamily="2" charset="-122"/>
-              </a:rPr>
-              <a:t>)</a:t>
-            </a:r>
-            <a:r>
-              <a:rPr lang="zh-CN" altLang="en-US" sz="2135" b="1">
-                <a:solidFill>
-                  <a:schemeClr val="bg1"/>
-                </a:solidFill>
-                <a:latin typeface="迷你简艺黑" panose="03000509000000000000" pitchFamily="65" charset="-122"/>
-                <a:ea typeface="迷你简艺黑" panose="03000509000000000000" pitchFamily="65" charset="-122"/>
-                <a:cs typeface="宋体" panose="02010600030101010101" pitchFamily="2" charset="-122"/>
-              </a:rPr>
-              <a:t>。</a:t>
-            </a:r>
-          </a:p>
-          <a:p>
-            <a:pPr marL="228600" indent="-228600"/>
-            <a:r>
-              <a:rPr lang="en-US" altLang="zh-CN" sz="2135" b="1">
-                <a:solidFill>
-                  <a:schemeClr val="bg1"/>
-                </a:solidFill>
-                <a:latin typeface="迷你简艺黑" panose="03000509000000000000" pitchFamily="65" charset="-122"/>
-                <a:ea typeface="迷你简艺黑" panose="03000509000000000000" pitchFamily="65" charset="-122"/>
-                <a:cs typeface="宋体" panose="02010600030101010101" pitchFamily="2" charset="-122"/>
-              </a:rPr>
-              <a:t>10 </a:t>
-            </a:r>
-            <a:r>
-              <a:rPr lang="zh-CN" altLang="en-US" sz="2135" b="1">
-                <a:solidFill>
-                  <a:schemeClr val="bg1"/>
-                </a:solidFill>
-                <a:latin typeface="迷你简艺黑" panose="03000509000000000000" pitchFamily="65" charset="-122"/>
-                <a:ea typeface="迷你简艺黑" panose="03000509000000000000" pitchFamily="65" charset="-122"/>
-                <a:cs typeface="宋体" panose="02010600030101010101" pitchFamily="2" charset="-122"/>
-              </a:rPr>
-              <a:t>网站可以提供站内文章标题搜索功能。</a:t>
-            </a:r>
-          </a:p>
-          <a:p>
-            <a:pPr marL="228600" indent="-228600"/>
-            <a:r>
-              <a:rPr lang="en-US" altLang="zh-CN" sz="2135" b="1">
-                <a:solidFill>
-                  <a:schemeClr val="bg1"/>
-                </a:solidFill>
-                <a:latin typeface="迷你简艺黑" panose="03000509000000000000" pitchFamily="65" charset="-122"/>
-                <a:ea typeface="迷你简艺黑" panose="03000509000000000000" pitchFamily="65" charset="-122"/>
-                <a:cs typeface="宋体" panose="02010600030101010101" pitchFamily="2" charset="-122"/>
-              </a:rPr>
-              <a:t>11 </a:t>
-            </a:r>
-            <a:r>
-              <a:rPr lang="zh-CN" altLang="en-US" sz="2135" b="1">
-                <a:solidFill>
-                  <a:schemeClr val="bg1"/>
-                </a:solidFill>
-                <a:latin typeface="迷你简艺黑" panose="03000509000000000000" pitchFamily="65" charset="-122"/>
-                <a:ea typeface="迷你简艺黑" panose="03000509000000000000" pitchFamily="65" charset="-122"/>
-                <a:cs typeface="宋体" panose="02010600030101010101" pitchFamily="2" charset="-122"/>
-              </a:rPr>
-              <a:t>网站能够提供学生自身作业提交功能</a:t>
-            </a:r>
-            <a:r>
-              <a:rPr lang="en-US" altLang="zh-CN" sz="2135" b="1">
-                <a:solidFill>
-                  <a:schemeClr val="bg1"/>
-                </a:solidFill>
-                <a:latin typeface="迷你简艺黑" panose="03000509000000000000" pitchFamily="65" charset="-122"/>
-                <a:ea typeface="迷你简艺黑" panose="03000509000000000000" pitchFamily="65" charset="-122"/>
-                <a:cs typeface="宋体" panose="02010600030101010101" pitchFamily="2" charset="-122"/>
-              </a:rPr>
-              <a:t>,</a:t>
-            </a:r>
-            <a:r>
-              <a:rPr lang="zh-CN" altLang="en-US" sz="2135" b="1">
-                <a:solidFill>
-                  <a:schemeClr val="bg1"/>
-                </a:solidFill>
-                <a:latin typeface="迷你简艺黑" panose="03000509000000000000" pitchFamily="65" charset="-122"/>
-                <a:ea typeface="迷你简艺黑" panose="03000509000000000000" pitchFamily="65" charset="-122"/>
-                <a:cs typeface="宋体" panose="02010600030101010101" pitchFamily="2" charset="-122"/>
-              </a:rPr>
-              <a:t>并可以跟踪作业的批复情况</a:t>
+              <a:t>.</a:t>
             </a:r>
           </a:p>
         </p:txBody>
@@ -11845,14 +11226,14 @@
       </p:grpSpPr>
       <p:sp>
         <p:nvSpPr>
-          <p:cNvPr id="2" name="文本框 1"/>
+          <p:cNvPr id="8" name="文本框 7"/>
           <p:cNvSpPr txBox="1"/>
           <p:nvPr/>
         </p:nvSpPr>
         <p:spPr>
           <a:xfrm>
-            <a:off x="4137660" y="506730"/>
-            <a:ext cx="3855720" cy="829945"/>
+            <a:off x="4808220" y="417830"/>
+            <a:ext cx="3285913" cy="829945"/>
           </a:xfrm>
           <a:prstGeom prst="rect">
             <a:avLst/>
@@ -11860,7 +11241,7 @@
           <a:noFill/>
         </p:spPr>
         <p:txBody>
-          <a:bodyPr wrap="none" rtlCol="0" anchor="t">
+          <a:bodyPr wrap="square" rtlCol="0">
             <a:spAutoFit/>
           </a:bodyPr>
           <a:lstStyle/>
@@ -11872,10 +11253,14 @@
                 </a:solidFill>
                 <a:latin typeface="迷你简艺黑" panose="03000509000000000000" pitchFamily="65" charset="-122"/>
                 <a:ea typeface="迷你简艺黑" panose="03000509000000000000" pitchFamily="65" charset="-122"/>
-                <a:sym typeface="+mn-ea"/>
-              </a:rPr>
-              <a:t>网站游客需求</a:t>
-            </a:r>
+              </a:rPr>
+              <a:t>学生需求</a:t>
+            </a:r>
+            <a:endParaRPr lang="zh-CN" altLang="en-US" sz="4800" b="1">
+              <a:solidFill>
+                <a:schemeClr val="bg1"/>
+              </a:solidFill>
+            </a:endParaRPr>
           </a:p>
         </p:txBody>
       </p:sp>
@@ -11887,8 +11272,8 @@
         </p:nvSpPr>
         <p:spPr>
           <a:xfrm>
-            <a:off x="803487" y="1525270"/>
-            <a:ext cx="10690013" cy="3415030"/>
+            <a:off x="242993" y="1152737"/>
+            <a:ext cx="11479107" cy="5683250"/>
           </a:xfrm>
           <a:prstGeom prst="rect">
             <a:avLst/>
@@ -11904,9 +11289,9 @@
           </a:bodyPr>
           <a:lstStyle/>
           <a:p>
-            <a:pPr marL="266700" indent="-266700"/>
-            <a:r>
-              <a:rPr lang="en-US" altLang="zh-CN" sz="2400" b="1">
+            <a:pPr marL="228600" indent="-228600"/>
+            <a:r>
+              <a:rPr lang="en-US" altLang="zh-CN" sz="2135" b="1">
                 <a:solidFill>
                   <a:schemeClr val="bg1"/>
                 </a:solidFill>
@@ -11914,10 +11299,10 @@
                 <a:ea typeface="迷你简艺黑" panose="03000509000000000000" pitchFamily="65" charset="-122"/>
                 <a:cs typeface="宋体" panose="02010600030101010101" pitchFamily="2" charset="-122"/>
               </a:rPr>
-              <a:t>1</a:t>
-            </a:r>
-            <a:r>
-              <a:rPr lang="zh-CN" altLang="en-US" sz="2400" b="1">
+              <a:t>  1 </a:t>
+            </a:r>
+            <a:r>
+              <a:rPr lang="zh-CN" altLang="en-US" sz="2135" b="1">
                 <a:solidFill>
                   <a:schemeClr val="bg1"/>
                 </a:solidFill>
@@ -11925,10 +11310,13 @@
                 <a:ea typeface="迷你简艺黑" panose="03000509000000000000" pitchFamily="65" charset="-122"/>
                 <a:cs typeface="宋体" panose="02010600030101010101" pitchFamily="2" charset="-122"/>
               </a:rPr>
-              <a:t>、 能看到老师提供的参考资料</a:t>
-            </a:r>
-            <a:r>
-              <a:rPr lang="en-US" altLang="zh-CN" sz="2400" b="1">
+              <a:t>课件下载功能，包括以往的旧版本课件，以及最新的课件。</a:t>
+            </a:r>
+          </a:p>
+          <a:p>
+            <a:pPr marL="228600" indent="-228600"/>
+            <a:r>
+              <a:rPr lang="en-US" altLang="zh-CN" sz="2135" b="1">
                 <a:solidFill>
                   <a:schemeClr val="bg1"/>
                 </a:solidFill>
@@ -11936,10 +11324,10 @@
                 <a:ea typeface="迷你简艺黑" panose="03000509000000000000" pitchFamily="65" charset="-122"/>
                 <a:cs typeface="宋体" panose="02010600030101010101" pitchFamily="2" charset="-122"/>
               </a:rPr>
-              <a:t>(</a:t>
-            </a:r>
-            <a:r>
-              <a:rPr lang="zh-CN" altLang="en-US" sz="2400" b="1">
+              <a:t>2 </a:t>
+            </a:r>
+            <a:r>
+              <a:rPr lang="zh-CN" altLang="en-US" sz="2135" b="1">
                 <a:solidFill>
                   <a:schemeClr val="bg1"/>
                 </a:solidFill>
@@ -11947,10 +11335,10 @@
                 <a:ea typeface="迷你简艺黑" panose="03000509000000000000" pitchFamily="65" charset="-122"/>
                 <a:cs typeface="宋体" panose="02010600030101010101" pitchFamily="2" charset="-122"/>
               </a:rPr>
-              <a:t>含电子教材、历年试卷、补课资料</a:t>
-            </a:r>
-            <a:r>
-              <a:rPr lang="en-US" altLang="zh-CN" sz="2400" b="1">
+              <a:t>能下载老师提供的参考资料</a:t>
+            </a:r>
+            <a:r>
+              <a:rPr lang="en-US" altLang="zh-CN" sz="2135" b="1">
                 <a:solidFill>
                   <a:schemeClr val="bg1"/>
                 </a:solidFill>
@@ -11958,10 +11346,10 @@
                 <a:ea typeface="迷你简艺黑" panose="03000509000000000000" pitchFamily="65" charset="-122"/>
                 <a:cs typeface="宋体" panose="02010600030101010101" pitchFamily="2" charset="-122"/>
               </a:rPr>
-              <a:t>,</a:t>
-            </a:r>
-            <a:r>
-              <a:rPr lang="zh-CN" altLang="en-US" sz="2400" b="1">
+              <a:t>(</a:t>
+            </a:r>
+            <a:r>
+              <a:rPr lang="zh-CN" altLang="en-US" sz="2135" b="1">
                 <a:solidFill>
                   <a:schemeClr val="bg1"/>
                 </a:solidFill>
@@ -11969,10 +11357,10 @@
                 <a:ea typeface="迷你简艺黑" panose="03000509000000000000" pitchFamily="65" charset="-122"/>
                 <a:cs typeface="宋体" panose="02010600030101010101" pitchFamily="2" charset="-122"/>
               </a:rPr>
-              <a:t>以及老师的教学交流文章</a:t>
-            </a:r>
-            <a:r>
-              <a:rPr lang="en-US" altLang="zh-CN" sz="2400" b="1">
+              <a:t>含电子教材、历年试卷、补课资料，以及老师的教学交流文章</a:t>
+            </a:r>
+            <a:r>
+              <a:rPr lang="en-US" altLang="zh-CN" sz="2135" b="1">
                 <a:solidFill>
                   <a:schemeClr val="bg1"/>
                 </a:solidFill>
@@ -11983,7 +11371,7 @@
               <a:t>)</a:t>
             </a:r>
             <a:r>
-              <a:rPr lang="zh-CN" altLang="en-US" sz="2400" b="1">
+              <a:rPr lang="zh-CN" altLang="en-US" sz="2135" b="1">
                 <a:solidFill>
                   <a:schemeClr val="bg1"/>
                 </a:solidFill>
@@ -11991,10 +11379,10 @@
                 <a:ea typeface="迷你简艺黑" panose="03000509000000000000" pitchFamily="65" charset="-122"/>
                 <a:cs typeface="宋体" panose="02010600030101010101" pitchFamily="2" charset="-122"/>
               </a:rPr>
-              <a:t>，但只能看到部分内容，比如</a:t>
-            </a:r>
-            <a:r>
-              <a:rPr lang="en-US" altLang="zh-CN" sz="2400" b="1">
+              <a:t>并且网站能及时更新这些资料。下载的速度能够得到保证：要求同时可容纳</a:t>
+            </a:r>
+            <a:r>
+              <a:rPr lang="en-US" altLang="zh-CN" sz="2135" b="1">
                 <a:solidFill>
                   <a:schemeClr val="bg1"/>
                 </a:solidFill>
@@ -12002,10 +11390,10 @@
                 <a:ea typeface="迷你简艺黑" panose="03000509000000000000" pitchFamily="65" charset="-122"/>
                 <a:cs typeface="宋体" panose="02010600030101010101" pitchFamily="2" charset="-122"/>
               </a:rPr>
-              <a:t>PPT</a:t>
-            </a:r>
-            <a:r>
-              <a:rPr lang="zh-CN" altLang="en-US" sz="2400" b="1">
+              <a:t>10</a:t>
+            </a:r>
+            <a:r>
+              <a:rPr lang="zh-CN" altLang="en-US" sz="2135" b="1">
                 <a:solidFill>
                   <a:schemeClr val="bg1"/>
                 </a:solidFill>
@@ -12013,10 +11401,10 @@
                 <a:ea typeface="迷你简艺黑" panose="03000509000000000000" pitchFamily="65" charset="-122"/>
                 <a:cs typeface="宋体" panose="02010600030101010101" pitchFamily="2" charset="-122"/>
               </a:rPr>
-              <a:t>的前</a:t>
-            </a:r>
-            <a:r>
-              <a:rPr lang="en-US" altLang="zh-CN" sz="2400" b="1">
+              <a:t>人下载，并且人均速度能达到</a:t>
+            </a:r>
+            <a:r>
+              <a:rPr lang="en-US" altLang="zh-CN" sz="2135" b="1">
                 <a:solidFill>
                   <a:schemeClr val="bg1"/>
                 </a:solidFill>
@@ -12024,10 +11412,10 @@
                 <a:ea typeface="迷你简艺黑" panose="03000509000000000000" pitchFamily="65" charset="-122"/>
                 <a:cs typeface="宋体" panose="02010600030101010101" pitchFamily="2" charset="-122"/>
               </a:rPr>
-              <a:t>5</a:t>
-            </a:r>
-            <a:r>
-              <a:rPr lang="zh-CN" altLang="en-US" sz="2400" b="1">
+              <a:t>50kb/s</a:t>
+            </a:r>
+            <a:r>
+              <a:rPr lang="zh-CN" altLang="en-US" sz="2135" b="1">
                 <a:solidFill>
                   <a:schemeClr val="bg1"/>
                 </a:solidFill>
@@ -12035,13 +11423,13 @@
                 <a:ea typeface="迷你简艺黑" panose="03000509000000000000" pitchFamily="65" charset="-122"/>
                 <a:cs typeface="宋体" panose="02010600030101010101" pitchFamily="2" charset="-122"/>
               </a:rPr>
-              <a:t>页，且不能下载。</a:t>
-            </a:r>
-          </a:p>
-          <a:p>
-            <a:pPr marL="266700" indent="-266700"/>
-            <a:r>
-              <a:rPr lang="en-US" altLang="zh-CN" sz="2400" b="1">
+              <a:t>。</a:t>
+            </a:r>
+          </a:p>
+          <a:p>
+            <a:pPr marL="228600" indent="-228600"/>
+            <a:r>
+              <a:rPr lang="en-US" altLang="zh-CN" sz="2135" b="1">
                 <a:solidFill>
                   <a:schemeClr val="bg1"/>
                 </a:solidFill>
@@ -12049,10 +11437,10 @@
                 <a:ea typeface="迷你简艺黑" panose="03000509000000000000" pitchFamily="65" charset="-122"/>
                 <a:cs typeface="宋体" panose="02010600030101010101" pitchFamily="2" charset="-122"/>
               </a:rPr>
-              <a:t>2</a:t>
-            </a:r>
-            <a:r>
-              <a:rPr lang="zh-CN" altLang="en-US" sz="2400" b="1">
+              <a:t>3 </a:t>
+            </a:r>
+            <a:r>
+              <a:rPr lang="zh-CN" altLang="en-US" sz="2135" b="1">
                 <a:solidFill>
                   <a:schemeClr val="bg1"/>
                 </a:solidFill>
@@ -12060,10 +11448,10 @@
                 <a:ea typeface="迷你简艺黑" panose="03000509000000000000" pitchFamily="65" charset="-122"/>
                 <a:cs typeface="宋体" panose="02010600030101010101" pitchFamily="2" charset="-122"/>
               </a:rPr>
-              <a:t>、 如果老师提供的多媒体资料，能够在线观看部分内容，比如前</a:t>
-            </a:r>
-            <a:r>
-              <a:rPr lang="en-US" altLang="zh-CN" sz="2400" b="1">
+              <a:t>能及时看到老师的通知</a:t>
+            </a:r>
+            <a:r>
+              <a:rPr lang="en-US" altLang="zh-CN" sz="2135" b="1">
                 <a:solidFill>
                   <a:schemeClr val="bg1"/>
                 </a:solidFill>
@@ -12071,10 +11459,10 @@
                 <a:ea typeface="迷你简艺黑" panose="03000509000000000000" pitchFamily="65" charset="-122"/>
                 <a:cs typeface="宋体" panose="02010600030101010101" pitchFamily="2" charset="-122"/>
               </a:rPr>
-              <a:t>5</a:t>
-            </a:r>
-            <a:r>
-              <a:rPr lang="zh-CN" altLang="en-US" sz="2400" b="1">
+              <a:t>(</a:t>
+            </a:r>
+            <a:r>
+              <a:rPr lang="zh-CN" altLang="en-US" sz="2135" b="1">
                 <a:solidFill>
                   <a:schemeClr val="bg1"/>
                 </a:solidFill>
@@ -12082,13 +11470,10 @@
                 <a:ea typeface="迷你简艺黑" panose="03000509000000000000" pitchFamily="65" charset="-122"/>
                 <a:cs typeface="宋体" panose="02010600030101010101" pitchFamily="2" charset="-122"/>
               </a:rPr>
-              <a:t>分钟，但不能下载。</a:t>
-            </a:r>
-          </a:p>
-          <a:p>
-            <a:pPr marL="266700" indent="-266700"/>
-            <a:r>
-              <a:rPr lang="en-US" altLang="zh-CN" sz="2400" b="1">
+              <a:t>含课程相关通知及作业点评</a:t>
+            </a:r>
+            <a:r>
+              <a:rPr lang="en-US" altLang="zh-CN" sz="2135" b="1">
                 <a:solidFill>
                   <a:schemeClr val="bg1"/>
                 </a:solidFill>
@@ -12096,10 +11481,10 @@
                 <a:ea typeface="迷你简艺黑" panose="03000509000000000000" pitchFamily="65" charset="-122"/>
                 <a:cs typeface="宋体" panose="02010600030101010101" pitchFamily="2" charset="-122"/>
               </a:rPr>
-              <a:t>3</a:t>
-            </a:r>
-            <a:r>
-              <a:rPr lang="zh-CN" altLang="en-US" sz="2400" b="1">
+              <a:t>)</a:t>
+            </a:r>
+            <a:r>
+              <a:rPr lang="zh-CN" altLang="en-US" sz="2135" b="1">
                 <a:solidFill>
                   <a:schemeClr val="bg1"/>
                 </a:solidFill>
@@ -12107,13 +11492,13 @@
                 <a:ea typeface="迷你简艺黑" panose="03000509000000000000" pitchFamily="65" charset="-122"/>
                 <a:cs typeface="宋体" panose="02010600030101010101" pitchFamily="2" charset="-122"/>
               </a:rPr>
-              <a:t>、 游客能看到历年学生对本课程，任课老师以及助教的评价与反馈。</a:t>
-            </a:r>
-          </a:p>
-          <a:p>
-            <a:pPr marL="266700" indent="-266700"/>
-            <a:r>
-              <a:rPr lang="en-US" altLang="zh-CN" sz="2400" b="1">
+              <a:t>。</a:t>
+            </a:r>
+          </a:p>
+          <a:p>
+            <a:pPr marL="228600" indent="-228600"/>
+            <a:r>
+              <a:rPr lang="en-US" altLang="zh-CN" sz="2135" b="1">
                 <a:solidFill>
                   <a:schemeClr val="bg1"/>
                 </a:solidFill>
@@ -12121,10 +11506,10 @@
                 <a:ea typeface="迷你简艺黑" panose="03000509000000000000" pitchFamily="65" charset="-122"/>
                 <a:cs typeface="宋体" panose="02010600030101010101" pitchFamily="2" charset="-122"/>
               </a:rPr>
-              <a:t>4</a:t>
-            </a:r>
-            <a:r>
-              <a:rPr lang="zh-CN" altLang="en-US" sz="2400" b="1">
+              <a:t>4 </a:t>
+            </a:r>
+            <a:r>
+              <a:rPr lang="zh-CN" altLang="en-US" sz="2135" b="1">
                 <a:solidFill>
                   <a:schemeClr val="bg1"/>
                 </a:solidFill>
@@ -12132,10 +11517,13 @@
                 <a:ea typeface="迷你简艺黑" panose="03000509000000000000" pitchFamily="65" charset="-122"/>
                 <a:cs typeface="宋体" panose="02010600030101010101" pitchFamily="2" charset="-122"/>
               </a:rPr>
-              <a:t>、 网站界面要求简洁大方，有网站导航、相关链接</a:t>
-            </a:r>
-            <a:r>
-              <a:rPr lang="en-US" altLang="zh-CN" sz="2400" b="1">
+              <a:t>如果教师提供的是多媒体资料，网站能提供下载及在线观看功能（如课堂录像）。</a:t>
+            </a:r>
+          </a:p>
+          <a:p>
+            <a:pPr marL="228600" indent="-228600"/>
+            <a:r>
+              <a:rPr lang="en-US" altLang="zh-CN" sz="2135" b="1">
                 <a:solidFill>
                   <a:schemeClr val="bg1"/>
                 </a:solidFill>
@@ -12143,10 +11531,10 @@
                 <a:ea typeface="迷你简艺黑" panose="03000509000000000000" pitchFamily="65" charset="-122"/>
                 <a:cs typeface="宋体" panose="02010600030101010101" pitchFamily="2" charset="-122"/>
               </a:rPr>
-              <a:t>(</a:t>
-            </a:r>
-            <a:r>
-              <a:rPr lang="zh-CN" altLang="en-US" sz="2400" b="1">
+              <a:t>5 </a:t>
+            </a:r>
+            <a:r>
+              <a:rPr lang="zh-CN" altLang="en-US" sz="2135" b="1">
                 <a:solidFill>
                   <a:schemeClr val="bg1"/>
                 </a:solidFill>
@@ -12154,10 +11542,10 @@
                 <a:ea typeface="迷你简艺黑" panose="03000509000000000000" pitchFamily="65" charset="-122"/>
                 <a:cs typeface="宋体" panose="02010600030101010101" pitchFamily="2" charset="-122"/>
               </a:rPr>
-              <a:t>含学校选课系统、学院网页、需求相关主题网站</a:t>
-            </a:r>
-            <a:r>
-              <a:rPr lang="en-US" altLang="zh-CN" sz="2400" b="1">
+              <a:t>网站界面要求简洁大方，有网站导航、相关链接</a:t>
+            </a:r>
+            <a:r>
+              <a:rPr lang="en-US" altLang="zh-CN" sz="2135" b="1">
                 <a:solidFill>
                   <a:schemeClr val="bg1"/>
                 </a:solidFill>
@@ -12165,10 +11553,10 @@
                 <a:ea typeface="迷你简艺黑" panose="03000509000000000000" pitchFamily="65" charset="-122"/>
                 <a:cs typeface="宋体" panose="02010600030101010101" pitchFamily="2" charset="-122"/>
               </a:rPr>
-              <a:t>)</a:t>
-            </a:r>
-            <a:r>
-              <a:rPr lang="zh-CN" altLang="en-US" sz="2400" b="1">
+              <a:t>(</a:t>
+            </a:r>
+            <a:r>
+              <a:rPr lang="zh-CN" altLang="en-US" sz="2135" b="1">
                 <a:solidFill>
                   <a:schemeClr val="bg1"/>
                 </a:solidFill>
@@ -12176,13 +11564,10 @@
                 <a:ea typeface="迷你简艺黑" panose="03000509000000000000" pitchFamily="65" charset="-122"/>
                 <a:cs typeface="宋体" panose="02010600030101010101" pitchFamily="2" charset="-122"/>
               </a:rPr>
-              <a:t>。</a:t>
-            </a:r>
-          </a:p>
-          <a:p>
-            <a:pPr marL="266700" indent="-266700"/>
-            <a:r>
-              <a:rPr lang="en-US" altLang="zh-CN" sz="2400" b="1">
+              <a:t>含学校选课系统、学院网页、需求相关主题网站</a:t>
+            </a:r>
+            <a:r>
+              <a:rPr lang="en-US" altLang="zh-CN" sz="2135" b="1">
                 <a:solidFill>
                   <a:schemeClr val="bg1"/>
                 </a:solidFill>
@@ -12190,10 +11575,13 @@
                 <a:ea typeface="迷你简艺黑" panose="03000509000000000000" pitchFamily="65" charset="-122"/>
                 <a:cs typeface="宋体" panose="02010600030101010101" pitchFamily="2" charset="-122"/>
               </a:rPr>
-              <a:t>5</a:t>
-            </a:r>
-            <a:r>
-              <a:rPr lang="zh-CN" altLang="en-US" sz="2400" b="1">
+              <a:t>)</a:t>
+            </a:r>
+          </a:p>
+          <a:p>
+            <a:pPr marL="228600" indent="-228600"/>
+            <a:r>
+              <a:rPr lang="en-US" altLang="zh-CN" sz="2135" b="1">
                 <a:solidFill>
                   <a:schemeClr val="bg1"/>
                 </a:solidFill>
@@ -12201,10 +11589,10 @@
                 <a:ea typeface="迷你简艺黑" panose="03000509000000000000" pitchFamily="65" charset="-122"/>
                 <a:cs typeface="宋体" panose="02010600030101010101" pitchFamily="2" charset="-122"/>
               </a:rPr>
-              <a:t>、 网站能提供一定资料共享功能</a:t>
-            </a:r>
-            <a:r>
-              <a:rPr lang="en-US" altLang="zh-CN" sz="2400" b="1">
+              <a:t>6 </a:t>
+            </a:r>
+            <a:r>
+              <a:rPr lang="zh-CN" altLang="en-US" sz="2135" b="1">
                 <a:solidFill>
                   <a:schemeClr val="bg1"/>
                 </a:solidFill>
@@ -12212,10 +11600,13 @@
                 <a:ea typeface="迷你简艺黑" panose="03000509000000000000" pitchFamily="65" charset="-122"/>
                 <a:cs typeface="宋体" panose="02010600030101010101" pitchFamily="2" charset="-122"/>
               </a:rPr>
-              <a:t>(</a:t>
-            </a:r>
-            <a:r>
-              <a:rPr lang="zh-CN" altLang="en-US" sz="2400" b="1">
+              <a:t>网站提供通过提问方式的密码取回功能。</a:t>
+            </a:r>
+          </a:p>
+          <a:p>
+            <a:pPr marL="228600" indent="-228600"/>
+            <a:r>
+              <a:rPr lang="en-US" altLang="zh-CN" sz="2135" b="1">
                 <a:solidFill>
                   <a:schemeClr val="bg1"/>
                 </a:solidFill>
@@ -12223,10 +11614,10 @@
                 <a:ea typeface="迷你简艺黑" panose="03000509000000000000" pitchFamily="65" charset="-122"/>
                 <a:cs typeface="宋体" panose="02010600030101010101" pitchFamily="2" charset="-122"/>
               </a:rPr>
-              <a:t>如论坛有上传下载附件功能、但对附件大小有限制，不得大于</a:t>
-            </a:r>
-            <a:r>
-              <a:rPr lang="en-US" altLang="zh-CN" sz="2400" b="1">
+              <a:t>7 </a:t>
+            </a:r>
+            <a:r>
+              <a:rPr lang="zh-CN" altLang="en-US" sz="2135" b="1">
                 <a:solidFill>
                   <a:schemeClr val="bg1"/>
                 </a:solidFill>
@@ -12234,10 +11625,10 @@
                 <a:ea typeface="迷你简艺黑" panose="03000509000000000000" pitchFamily="65" charset="-122"/>
                 <a:cs typeface="宋体" panose="02010600030101010101" pitchFamily="2" charset="-122"/>
               </a:rPr>
-              <a:t>2M)</a:t>
-            </a:r>
-            <a:r>
-              <a:rPr lang="zh-CN" altLang="en-US" sz="2400" b="1">
+              <a:t>网站能提供让分组的各个团队能有团队内部的交流工具</a:t>
+            </a:r>
+            <a:r>
+              <a:rPr lang="en-US" altLang="zh-CN" sz="2135" b="1">
                 <a:solidFill>
                   <a:schemeClr val="bg1"/>
                 </a:solidFill>
@@ -12245,7 +11636,239 @@
                 <a:ea typeface="迷你简艺黑" panose="03000509000000000000" pitchFamily="65" charset="-122"/>
                 <a:cs typeface="宋体" panose="02010600030101010101" pitchFamily="2" charset="-122"/>
               </a:rPr>
+              <a:t>(</a:t>
+            </a:r>
+            <a:r>
+              <a:rPr lang="zh-CN" altLang="en-US" sz="2135" b="1">
+                <a:solidFill>
+                  <a:schemeClr val="bg1"/>
+                </a:solidFill>
+                <a:latin typeface="迷你简艺黑" panose="03000509000000000000" pitchFamily="65" charset="-122"/>
+                <a:ea typeface="迷你简艺黑" panose="03000509000000000000" pitchFamily="65" charset="-122"/>
+                <a:cs typeface="宋体" panose="02010600030101010101" pitchFamily="2" charset="-122"/>
+              </a:rPr>
+              <a:t>如论坛，不同团队可以申请认证板块，非团队成员不能浏览使用，但希望教师可以进入各个板块进行一定的指导，而网站管理人员也可管理认证板块</a:t>
+            </a:r>
+            <a:r>
+              <a:rPr lang="en-US" altLang="zh-CN" sz="2135" b="1">
+                <a:solidFill>
+                  <a:schemeClr val="bg1"/>
+                </a:solidFill>
+                <a:latin typeface="迷你简艺黑" panose="03000509000000000000" pitchFamily="65" charset="-122"/>
+                <a:ea typeface="迷你简艺黑" panose="03000509000000000000" pitchFamily="65" charset="-122"/>
+                <a:cs typeface="宋体" panose="02010600030101010101" pitchFamily="2" charset="-122"/>
+              </a:rPr>
+              <a:t>)</a:t>
+            </a:r>
+            <a:r>
+              <a:rPr lang="zh-CN" altLang="en-US" sz="2135" b="1">
+                <a:solidFill>
+                  <a:schemeClr val="bg1"/>
+                </a:solidFill>
+                <a:latin typeface="迷你简艺黑" panose="03000509000000000000" pitchFamily="65" charset="-122"/>
+                <a:ea typeface="迷你简艺黑" panose="03000509000000000000" pitchFamily="65" charset="-122"/>
+                <a:cs typeface="宋体" panose="02010600030101010101" pitchFamily="2" charset="-122"/>
+              </a:rPr>
               <a:t>。</a:t>
+            </a:r>
+          </a:p>
+          <a:p>
+            <a:pPr marL="228600" indent="-228600"/>
+            <a:r>
+              <a:rPr lang="en-US" altLang="zh-CN" sz="2135" b="1">
+                <a:solidFill>
+                  <a:schemeClr val="bg1"/>
+                </a:solidFill>
+                <a:latin typeface="迷你简艺黑" panose="03000509000000000000" pitchFamily="65" charset="-122"/>
+                <a:ea typeface="迷你简艺黑" panose="03000509000000000000" pitchFamily="65" charset="-122"/>
+                <a:cs typeface="宋体" panose="02010600030101010101" pitchFamily="2" charset="-122"/>
+              </a:rPr>
+              <a:t>8 </a:t>
+            </a:r>
+            <a:r>
+              <a:rPr lang="zh-CN" altLang="en-US" sz="2135" b="1">
+                <a:solidFill>
+                  <a:schemeClr val="bg1"/>
+                </a:solidFill>
+                <a:latin typeface="迷你简艺黑" panose="03000509000000000000" pitchFamily="65" charset="-122"/>
+                <a:ea typeface="迷你简艺黑" panose="03000509000000000000" pitchFamily="65" charset="-122"/>
+                <a:cs typeface="宋体" panose="02010600030101010101" pitchFamily="2" charset="-122"/>
+              </a:rPr>
+              <a:t>网站能提供一定资料共享功能</a:t>
+            </a:r>
+            <a:r>
+              <a:rPr lang="en-US" altLang="zh-CN" sz="2135" b="1">
+                <a:solidFill>
+                  <a:schemeClr val="bg1"/>
+                </a:solidFill>
+                <a:latin typeface="迷你简艺黑" panose="03000509000000000000" pitchFamily="65" charset="-122"/>
+                <a:ea typeface="迷你简艺黑" panose="03000509000000000000" pitchFamily="65" charset="-122"/>
+                <a:cs typeface="宋体" panose="02010600030101010101" pitchFamily="2" charset="-122"/>
+              </a:rPr>
+              <a:t>(</a:t>
+            </a:r>
+            <a:r>
+              <a:rPr lang="zh-CN" altLang="en-US" sz="2135" b="1">
+                <a:solidFill>
+                  <a:schemeClr val="bg1"/>
+                </a:solidFill>
+                <a:latin typeface="迷你简艺黑" panose="03000509000000000000" pitchFamily="65" charset="-122"/>
+                <a:ea typeface="迷你简艺黑" panose="03000509000000000000" pitchFamily="65" charset="-122"/>
+                <a:cs typeface="宋体" panose="02010600030101010101" pitchFamily="2" charset="-122"/>
+              </a:rPr>
+              <a:t>如论坛有上传下载附件功能、但对附件大小有限制，不得大于</a:t>
+            </a:r>
+            <a:r>
+              <a:rPr lang="en-US" altLang="zh-CN" sz="2135" b="1">
+                <a:solidFill>
+                  <a:schemeClr val="bg1"/>
+                </a:solidFill>
+                <a:latin typeface="迷你简艺黑" panose="03000509000000000000" pitchFamily="65" charset="-122"/>
+                <a:ea typeface="迷你简艺黑" panose="03000509000000000000" pitchFamily="65" charset="-122"/>
+                <a:cs typeface="宋体" panose="02010600030101010101" pitchFamily="2" charset="-122"/>
+              </a:rPr>
+              <a:t>2M)</a:t>
+            </a:r>
+          </a:p>
+          <a:p>
+            <a:pPr marL="228600" indent="-228600"/>
+            <a:r>
+              <a:rPr lang="en-US" altLang="zh-CN" sz="2135" b="1">
+                <a:solidFill>
+                  <a:schemeClr val="bg1"/>
+                </a:solidFill>
+                <a:latin typeface="迷你简艺黑" panose="03000509000000000000" pitchFamily="65" charset="-122"/>
+                <a:ea typeface="迷你简艺黑" panose="03000509000000000000" pitchFamily="65" charset="-122"/>
+                <a:cs typeface="宋体" panose="02010600030101010101" pitchFamily="2" charset="-122"/>
+              </a:rPr>
+              <a:t>9 </a:t>
+            </a:r>
+            <a:r>
+              <a:rPr lang="zh-CN" altLang="en-US" sz="2135" b="1">
+                <a:solidFill>
+                  <a:schemeClr val="bg1"/>
+                </a:solidFill>
+                <a:latin typeface="迷你简艺黑" panose="03000509000000000000" pitchFamily="65" charset="-122"/>
+                <a:ea typeface="迷你简艺黑" panose="03000509000000000000" pitchFamily="65" charset="-122"/>
+                <a:cs typeface="宋体" panose="02010600030101010101" pitchFamily="2" charset="-122"/>
+              </a:rPr>
+              <a:t>网站能较醒目地提供教师的联系方式 </a:t>
+            </a:r>
+            <a:r>
+              <a:rPr lang="en-US" altLang="zh-CN" sz="2135" b="1">
+                <a:solidFill>
+                  <a:schemeClr val="bg1"/>
+                </a:solidFill>
+                <a:latin typeface="迷你简艺黑" panose="03000509000000000000" pitchFamily="65" charset="-122"/>
+                <a:ea typeface="迷你简艺黑" panose="03000509000000000000" pitchFamily="65" charset="-122"/>
+                <a:cs typeface="宋体" panose="02010600030101010101" pitchFamily="2" charset="-122"/>
+              </a:rPr>
+              <a:t>(</a:t>
+            </a:r>
+            <a:r>
+              <a:rPr lang="zh-CN" altLang="en-US" sz="2135" b="1">
+                <a:solidFill>
+                  <a:schemeClr val="bg1"/>
+                </a:solidFill>
+                <a:latin typeface="迷你简艺黑" panose="03000509000000000000" pitchFamily="65" charset="-122"/>
+                <a:ea typeface="迷你简艺黑" panose="03000509000000000000" pitchFamily="65" charset="-122"/>
+                <a:cs typeface="宋体" panose="02010600030101010101" pitchFamily="2" charset="-122"/>
+              </a:rPr>
+              <a:t>尽量详细</a:t>
+            </a:r>
+            <a:r>
+              <a:rPr lang="en-US" altLang="zh-CN" sz="2135" b="1">
+                <a:solidFill>
+                  <a:schemeClr val="bg1"/>
+                </a:solidFill>
+                <a:latin typeface="迷你简艺黑" panose="03000509000000000000" pitchFamily="65" charset="-122"/>
+                <a:ea typeface="迷你简艺黑" panose="03000509000000000000" pitchFamily="65" charset="-122"/>
+                <a:cs typeface="宋体" panose="02010600030101010101" pitchFamily="2" charset="-122"/>
+              </a:rPr>
+              <a:t>)</a:t>
+            </a:r>
+            <a:r>
+              <a:rPr lang="zh-CN" altLang="en-US" sz="2135" b="1">
+                <a:solidFill>
+                  <a:schemeClr val="bg1"/>
+                </a:solidFill>
+                <a:latin typeface="迷你简艺黑" panose="03000509000000000000" pitchFamily="65" charset="-122"/>
+                <a:ea typeface="迷你简艺黑" panose="03000509000000000000" pitchFamily="65" charset="-122"/>
+                <a:cs typeface="宋体" panose="02010600030101010101" pitchFamily="2" charset="-122"/>
+              </a:rPr>
+              <a:t>。</a:t>
+            </a:r>
+          </a:p>
+          <a:p>
+            <a:pPr marL="228600" indent="-228600"/>
+            <a:r>
+              <a:rPr lang="en-US" altLang="zh-CN" sz="2135" b="1">
+                <a:solidFill>
+                  <a:schemeClr val="bg1"/>
+                </a:solidFill>
+                <a:latin typeface="迷你简艺黑" panose="03000509000000000000" pitchFamily="65" charset="-122"/>
+                <a:ea typeface="迷你简艺黑" panose="03000509000000000000" pitchFamily="65" charset="-122"/>
+                <a:cs typeface="宋体" panose="02010600030101010101" pitchFamily="2" charset="-122"/>
+              </a:rPr>
+              <a:t>10 </a:t>
+            </a:r>
+            <a:r>
+              <a:rPr lang="zh-CN" altLang="en-US" sz="2135" b="1">
+                <a:solidFill>
+                  <a:schemeClr val="bg1"/>
+                </a:solidFill>
+                <a:latin typeface="迷你简艺黑" panose="03000509000000000000" pitchFamily="65" charset="-122"/>
+                <a:ea typeface="迷你简艺黑" panose="03000509000000000000" pitchFamily="65" charset="-122"/>
+                <a:cs typeface="宋体" panose="02010600030101010101" pitchFamily="2" charset="-122"/>
+              </a:rPr>
+              <a:t>网站可以提供站内文章标题搜索功能。</a:t>
+            </a:r>
+          </a:p>
+          <a:p>
+            <a:pPr marL="228600" indent="-228600"/>
+            <a:r>
+              <a:rPr lang="en-US" altLang="zh-CN" sz="2135" b="1">
+                <a:solidFill>
+                  <a:schemeClr val="bg1"/>
+                </a:solidFill>
+                <a:latin typeface="迷你简艺黑" panose="03000509000000000000" pitchFamily="65" charset="-122"/>
+                <a:ea typeface="迷你简艺黑" panose="03000509000000000000" pitchFamily="65" charset="-122"/>
+                <a:cs typeface="宋体" panose="02010600030101010101" pitchFamily="2" charset="-122"/>
+              </a:rPr>
+              <a:t>11 </a:t>
+            </a:r>
+            <a:r>
+              <a:rPr lang="zh-CN" altLang="en-US" sz="2135" b="1">
+                <a:solidFill>
+                  <a:schemeClr val="bg1"/>
+                </a:solidFill>
+                <a:latin typeface="迷你简艺黑" panose="03000509000000000000" pitchFamily="65" charset="-122"/>
+                <a:ea typeface="迷你简艺黑" panose="03000509000000000000" pitchFamily="65" charset="-122"/>
+                <a:cs typeface="宋体" panose="02010600030101010101" pitchFamily="2" charset="-122"/>
+              </a:rPr>
+              <a:t>网站能够提供学生自身作业提交功能</a:t>
+            </a:r>
+            <a:r>
+              <a:rPr lang="en-US" altLang="zh-CN" sz="2135" b="1">
+                <a:solidFill>
+                  <a:schemeClr val="bg1"/>
+                </a:solidFill>
+                <a:latin typeface="迷你简艺黑" panose="03000509000000000000" pitchFamily="65" charset="-122"/>
+                <a:ea typeface="迷你简艺黑" panose="03000509000000000000" pitchFamily="65" charset="-122"/>
+                <a:cs typeface="宋体" panose="02010600030101010101" pitchFamily="2" charset="-122"/>
+              </a:rPr>
+              <a:t>,</a:t>
+            </a:r>
+            <a:r>
+              <a:rPr lang="zh-CN" altLang="en-US" sz="2135" b="1">
+                <a:solidFill>
+                  <a:schemeClr val="bg1"/>
+                </a:solidFill>
+                <a:latin typeface="迷你简艺黑" panose="03000509000000000000" pitchFamily="65" charset="-122"/>
+                <a:ea typeface="迷你简艺黑" panose="03000509000000000000" pitchFamily="65" charset="-122"/>
+                <a:cs typeface="宋体" panose="02010600030101010101" pitchFamily="2" charset="-122"/>
+              </a:rPr>
+              <a:t>并可以跟踪作业的批复情况</a:t>
             </a:r>
           </a:p>
         </p:txBody>
@@ -12810,27 +12433,7 @@
                 <a:latin typeface="微软雅黑" panose="020B0503020204020204" pitchFamily="34" charset="-122"/>
                 <a:ea typeface="微软雅黑" panose="020B0503020204020204" pitchFamily="34" charset="-122"/>
               </a:rPr>
-              <a:t>需求管理</a:t>
-            </a:r>
-            <a:r>
-              <a:rPr lang="zh-CN" altLang="en-US" sz="3200" b="1" dirty="0" smtClean="0">
-                <a:blipFill dpi="0" rotWithShape="1">
-                  <a:blip r:embed="rId5">
-                    <a:extLst>
-                      <a:ext uri="{28A0092B-C50C-407E-A947-70E740481C1C}">
-                        <a14:useLocalDpi xmlns:a14="http://schemas.microsoft.com/office/drawing/2010/main" val="0"/>
-                      </a:ext>
-                    </a:extLst>
-                  </a:blip>
-                  <a:srcRect/>
-                  <a:stretch>
-                    <a:fillRect/>
-                  </a:stretch>
-                </a:blipFill>
-                <a:latin typeface="微软雅黑" panose="020B0503020204020204" pitchFamily="34" charset="-122"/>
-                <a:ea typeface="微软雅黑" panose="020B0503020204020204" pitchFamily="34" charset="-122"/>
-              </a:rPr>
-              <a:t>计划</a:t>
+              <a:t>需求管理计划</a:t>
             </a:r>
           </a:p>
         </p:txBody>
@@ -13165,8 +12768,8 @@
   <p:transition spd="slow">
     <p:fade thruBlk="1"/>
   </p:transition>
-  <mc:AlternateContent xmlns:mc="http://schemas.openxmlformats.org/markup-compatibility/2006">
-    <mc:Choice xmlns:p14="http://schemas.microsoft.com/office/powerpoint/2010/main" Requires="p14">
+  <mc:AlternateContent xmlns:mc="http://schemas.openxmlformats.org/markup-compatibility/2006" xmlns:p14="http://schemas.microsoft.com/office/powerpoint/2010/main">
+    <mc:Choice Requires="p14">
       <p:timing>
         <p:tnLst>
           <p:par>
@@ -14196,7 +13799,7 @@
         </p:bldLst>
       </p:timing>
     </mc:Choice>
-    <mc:Fallback>
+    <mc:Fallback xmlns="">
       <p:timing>
         <p:tnLst>
           <p:par>
@@ -15249,6 +14852,448 @@
       </p:grpSpPr>
       <p:sp>
         <p:nvSpPr>
+          <p:cNvPr id="2" name="文本框 1"/>
+          <p:cNvSpPr txBox="1"/>
+          <p:nvPr/>
+        </p:nvSpPr>
+        <p:spPr>
+          <a:xfrm>
+            <a:off x="4137660" y="506730"/>
+            <a:ext cx="3855720" cy="829945"/>
+          </a:xfrm>
+          <a:prstGeom prst="rect">
+            <a:avLst/>
+          </a:prstGeom>
+          <a:noFill/>
+        </p:spPr>
+        <p:txBody>
+          <a:bodyPr wrap="none" rtlCol="0" anchor="t">
+            <a:spAutoFit/>
+          </a:bodyPr>
+          <a:lstStyle/>
+          <a:p>
+            <a:r>
+              <a:rPr lang="zh-CN" altLang="en-US" sz="4800" b="1">
+                <a:solidFill>
+                  <a:schemeClr val="bg1"/>
+                </a:solidFill>
+                <a:latin typeface="迷你简艺黑" panose="03000509000000000000" pitchFamily="65" charset="-122"/>
+                <a:ea typeface="迷你简艺黑" panose="03000509000000000000" pitchFamily="65" charset="-122"/>
+                <a:sym typeface="+mn-ea"/>
+              </a:rPr>
+              <a:t>网站游客需求</a:t>
+            </a:r>
+          </a:p>
+        </p:txBody>
+      </p:sp>
+      <p:sp>
+        <p:nvSpPr>
+          <p:cNvPr id="100" name="文本框 99"/>
+          <p:cNvSpPr txBox="1"/>
+          <p:nvPr/>
+        </p:nvSpPr>
+        <p:spPr>
+          <a:xfrm>
+            <a:off x="803487" y="1525270"/>
+            <a:ext cx="10690013" cy="3415030"/>
+          </a:xfrm>
+          <a:prstGeom prst="rect">
+            <a:avLst/>
+          </a:prstGeom>
+          <a:noFill/>
+          <a:ln w="9525">
+            <a:noFill/>
+          </a:ln>
+        </p:spPr>
+        <p:txBody>
+          <a:bodyPr wrap="square">
+            <a:spAutoFit/>
+          </a:bodyPr>
+          <a:lstStyle/>
+          <a:p>
+            <a:pPr marL="266700" indent="-266700"/>
+            <a:r>
+              <a:rPr lang="en-US" altLang="zh-CN" sz="2400" b="1">
+                <a:solidFill>
+                  <a:schemeClr val="bg1"/>
+                </a:solidFill>
+                <a:latin typeface="迷你简艺黑" panose="03000509000000000000" pitchFamily="65" charset="-122"/>
+                <a:ea typeface="迷你简艺黑" panose="03000509000000000000" pitchFamily="65" charset="-122"/>
+                <a:cs typeface="宋体" panose="02010600030101010101" pitchFamily="2" charset="-122"/>
+              </a:rPr>
+              <a:t>1</a:t>
+            </a:r>
+            <a:r>
+              <a:rPr lang="zh-CN" altLang="en-US" sz="2400" b="1">
+                <a:solidFill>
+                  <a:schemeClr val="bg1"/>
+                </a:solidFill>
+                <a:latin typeface="迷你简艺黑" panose="03000509000000000000" pitchFamily="65" charset="-122"/>
+                <a:ea typeface="迷你简艺黑" panose="03000509000000000000" pitchFamily="65" charset="-122"/>
+                <a:cs typeface="宋体" panose="02010600030101010101" pitchFamily="2" charset="-122"/>
+              </a:rPr>
+              <a:t>、 能看到老师提供的参考资料</a:t>
+            </a:r>
+            <a:r>
+              <a:rPr lang="en-US" altLang="zh-CN" sz="2400" b="1">
+                <a:solidFill>
+                  <a:schemeClr val="bg1"/>
+                </a:solidFill>
+                <a:latin typeface="迷你简艺黑" panose="03000509000000000000" pitchFamily="65" charset="-122"/>
+                <a:ea typeface="迷你简艺黑" panose="03000509000000000000" pitchFamily="65" charset="-122"/>
+                <a:cs typeface="宋体" panose="02010600030101010101" pitchFamily="2" charset="-122"/>
+              </a:rPr>
+              <a:t>(</a:t>
+            </a:r>
+            <a:r>
+              <a:rPr lang="zh-CN" altLang="en-US" sz="2400" b="1">
+                <a:solidFill>
+                  <a:schemeClr val="bg1"/>
+                </a:solidFill>
+                <a:latin typeface="迷你简艺黑" panose="03000509000000000000" pitchFamily="65" charset="-122"/>
+                <a:ea typeface="迷你简艺黑" panose="03000509000000000000" pitchFamily="65" charset="-122"/>
+                <a:cs typeface="宋体" panose="02010600030101010101" pitchFamily="2" charset="-122"/>
+              </a:rPr>
+              <a:t>含电子教材、历年试卷、补课资料</a:t>
+            </a:r>
+            <a:r>
+              <a:rPr lang="en-US" altLang="zh-CN" sz="2400" b="1">
+                <a:solidFill>
+                  <a:schemeClr val="bg1"/>
+                </a:solidFill>
+                <a:latin typeface="迷你简艺黑" panose="03000509000000000000" pitchFamily="65" charset="-122"/>
+                <a:ea typeface="迷你简艺黑" panose="03000509000000000000" pitchFamily="65" charset="-122"/>
+                <a:cs typeface="宋体" panose="02010600030101010101" pitchFamily="2" charset="-122"/>
+              </a:rPr>
+              <a:t>,</a:t>
+            </a:r>
+            <a:r>
+              <a:rPr lang="zh-CN" altLang="en-US" sz="2400" b="1">
+                <a:solidFill>
+                  <a:schemeClr val="bg1"/>
+                </a:solidFill>
+                <a:latin typeface="迷你简艺黑" panose="03000509000000000000" pitchFamily="65" charset="-122"/>
+                <a:ea typeface="迷你简艺黑" panose="03000509000000000000" pitchFamily="65" charset="-122"/>
+                <a:cs typeface="宋体" panose="02010600030101010101" pitchFamily="2" charset="-122"/>
+              </a:rPr>
+              <a:t>以及老师的教学交流文章</a:t>
+            </a:r>
+            <a:r>
+              <a:rPr lang="en-US" altLang="zh-CN" sz="2400" b="1">
+                <a:solidFill>
+                  <a:schemeClr val="bg1"/>
+                </a:solidFill>
+                <a:latin typeface="迷你简艺黑" panose="03000509000000000000" pitchFamily="65" charset="-122"/>
+                <a:ea typeface="迷你简艺黑" panose="03000509000000000000" pitchFamily="65" charset="-122"/>
+                <a:cs typeface="宋体" panose="02010600030101010101" pitchFamily="2" charset="-122"/>
+              </a:rPr>
+              <a:t>)</a:t>
+            </a:r>
+            <a:r>
+              <a:rPr lang="zh-CN" altLang="en-US" sz="2400" b="1">
+                <a:solidFill>
+                  <a:schemeClr val="bg1"/>
+                </a:solidFill>
+                <a:latin typeface="迷你简艺黑" panose="03000509000000000000" pitchFamily="65" charset="-122"/>
+                <a:ea typeface="迷你简艺黑" panose="03000509000000000000" pitchFamily="65" charset="-122"/>
+                <a:cs typeface="宋体" panose="02010600030101010101" pitchFamily="2" charset="-122"/>
+              </a:rPr>
+              <a:t>，但只能看到部分内容，比如</a:t>
+            </a:r>
+            <a:r>
+              <a:rPr lang="en-US" altLang="zh-CN" sz="2400" b="1">
+                <a:solidFill>
+                  <a:schemeClr val="bg1"/>
+                </a:solidFill>
+                <a:latin typeface="迷你简艺黑" panose="03000509000000000000" pitchFamily="65" charset="-122"/>
+                <a:ea typeface="迷你简艺黑" panose="03000509000000000000" pitchFamily="65" charset="-122"/>
+                <a:cs typeface="宋体" panose="02010600030101010101" pitchFamily="2" charset="-122"/>
+              </a:rPr>
+              <a:t>PPT</a:t>
+            </a:r>
+            <a:r>
+              <a:rPr lang="zh-CN" altLang="en-US" sz="2400" b="1">
+                <a:solidFill>
+                  <a:schemeClr val="bg1"/>
+                </a:solidFill>
+                <a:latin typeface="迷你简艺黑" panose="03000509000000000000" pitchFamily="65" charset="-122"/>
+                <a:ea typeface="迷你简艺黑" panose="03000509000000000000" pitchFamily="65" charset="-122"/>
+                <a:cs typeface="宋体" panose="02010600030101010101" pitchFamily="2" charset="-122"/>
+              </a:rPr>
+              <a:t>的前</a:t>
+            </a:r>
+            <a:r>
+              <a:rPr lang="en-US" altLang="zh-CN" sz="2400" b="1">
+                <a:solidFill>
+                  <a:schemeClr val="bg1"/>
+                </a:solidFill>
+                <a:latin typeface="迷你简艺黑" panose="03000509000000000000" pitchFamily="65" charset="-122"/>
+                <a:ea typeface="迷你简艺黑" panose="03000509000000000000" pitchFamily="65" charset="-122"/>
+                <a:cs typeface="宋体" panose="02010600030101010101" pitchFamily="2" charset="-122"/>
+              </a:rPr>
+              <a:t>5</a:t>
+            </a:r>
+            <a:r>
+              <a:rPr lang="zh-CN" altLang="en-US" sz="2400" b="1">
+                <a:solidFill>
+                  <a:schemeClr val="bg1"/>
+                </a:solidFill>
+                <a:latin typeface="迷你简艺黑" panose="03000509000000000000" pitchFamily="65" charset="-122"/>
+                <a:ea typeface="迷你简艺黑" panose="03000509000000000000" pitchFamily="65" charset="-122"/>
+                <a:cs typeface="宋体" panose="02010600030101010101" pitchFamily="2" charset="-122"/>
+              </a:rPr>
+              <a:t>页，且不能下载。</a:t>
+            </a:r>
+          </a:p>
+          <a:p>
+            <a:pPr marL="266700" indent="-266700"/>
+            <a:r>
+              <a:rPr lang="en-US" altLang="zh-CN" sz="2400" b="1">
+                <a:solidFill>
+                  <a:schemeClr val="bg1"/>
+                </a:solidFill>
+                <a:latin typeface="迷你简艺黑" panose="03000509000000000000" pitchFamily="65" charset="-122"/>
+                <a:ea typeface="迷你简艺黑" panose="03000509000000000000" pitchFamily="65" charset="-122"/>
+                <a:cs typeface="宋体" panose="02010600030101010101" pitchFamily="2" charset="-122"/>
+              </a:rPr>
+              <a:t>2</a:t>
+            </a:r>
+            <a:r>
+              <a:rPr lang="zh-CN" altLang="en-US" sz="2400" b="1">
+                <a:solidFill>
+                  <a:schemeClr val="bg1"/>
+                </a:solidFill>
+                <a:latin typeface="迷你简艺黑" panose="03000509000000000000" pitchFamily="65" charset="-122"/>
+                <a:ea typeface="迷你简艺黑" panose="03000509000000000000" pitchFamily="65" charset="-122"/>
+                <a:cs typeface="宋体" panose="02010600030101010101" pitchFamily="2" charset="-122"/>
+              </a:rPr>
+              <a:t>、 如果老师提供的多媒体资料，能够在线观看部分内容，比如前</a:t>
+            </a:r>
+            <a:r>
+              <a:rPr lang="en-US" altLang="zh-CN" sz="2400" b="1">
+                <a:solidFill>
+                  <a:schemeClr val="bg1"/>
+                </a:solidFill>
+                <a:latin typeface="迷你简艺黑" panose="03000509000000000000" pitchFamily="65" charset="-122"/>
+                <a:ea typeface="迷你简艺黑" panose="03000509000000000000" pitchFamily="65" charset="-122"/>
+                <a:cs typeface="宋体" panose="02010600030101010101" pitchFamily="2" charset="-122"/>
+              </a:rPr>
+              <a:t>5</a:t>
+            </a:r>
+            <a:r>
+              <a:rPr lang="zh-CN" altLang="en-US" sz="2400" b="1">
+                <a:solidFill>
+                  <a:schemeClr val="bg1"/>
+                </a:solidFill>
+                <a:latin typeface="迷你简艺黑" panose="03000509000000000000" pitchFamily="65" charset="-122"/>
+                <a:ea typeface="迷你简艺黑" panose="03000509000000000000" pitchFamily="65" charset="-122"/>
+                <a:cs typeface="宋体" panose="02010600030101010101" pitchFamily="2" charset="-122"/>
+              </a:rPr>
+              <a:t>分钟，但不能下载。</a:t>
+            </a:r>
+          </a:p>
+          <a:p>
+            <a:pPr marL="266700" indent="-266700"/>
+            <a:r>
+              <a:rPr lang="en-US" altLang="zh-CN" sz="2400" b="1">
+                <a:solidFill>
+                  <a:schemeClr val="bg1"/>
+                </a:solidFill>
+                <a:latin typeface="迷你简艺黑" panose="03000509000000000000" pitchFamily="65" charset="-122"/>
+                <a:ea typeface="迷你简艺黑" panose="03000509000000000000" pitchFamily="65" charset="-122"/>
+                <a:cs typeface="宋体" panose="02010600030101010101" pitchFamily="2" charset="-122"/>
+              </a:rPr>
+              <a:t>3</a:t>
+            </a:r>
+            <a:r>
+              <a:rPr lang="zh-CN" altLang="en-US" sz="2400" b="1">
+                <a:solidFill>
+                  <a:schemeClr val="bg1"/>
+                </a:solidFill>
+                <a:latin typeface="迷你简艺黑" panose="03000509000000000000" pitchFamily="65" charset="-122"/>
+                <a:ea typeface="迷你简艺黑" panose="03000509000000000000" pitchFamily="65" charset="-122"/>
+                <a:cs typeface="宋体" panose="02010600030101010101" pitchFamily="2" charset="-122"/>
+              </a:rPr>
+              <a:t>、 游客能看到历年学生对本课程，任课老师以及助教的评价与反馈。</a:t>
+            </a:r>
+          </a:p>
+          <a:p>
+            <a:pPr marL="266700" indent="-266700"/>
+            <a:r>
+              <a:rPr lang="en-US" altLang="zh-CN" sz="2400" b="1">
+                <a:solidFill>
+                  <a:schemeClr val="bg1"/>
+                </a:solidFill>
+                <a:latin typeface="迷你简艺黑" panose="03000509000000000000" pitchFamily="65" charset="-122"/>
+                <a:ea typeface="迷你简艺黑" panose="03000509000000000000" pitchFamily="65" charset="-122"/>
+                <a:cs typeface="宋体" panose="02010600030101010101" pitchFamily="2" charset="-122"/>
+              </a:rPr>
+              <a:t>4</a:t>
+            </a:r>
+            <a:r>
+              <a:rPr lang="zh-CN" altLang="en-US" sz="2400" b="1">
+                <a:solidFill>
+                  <a:schemeClr val="bg1"/>
+                </a:solidFill>
+                <a:latin typeface="迷你简艺黑" panose="03000509000000000000" pitchFamily="65" charset="-122"/>
+                <a:ea typeface="迷你简艺黑" panose="03000509000000000000" pitchFamily="65" charset="-122"/>
+                <a:cs typeface="宋体" panose="02010600030101010101" pitchFamily="2" charset="-122"/>
+              </a:rPr>
+              <a:t>、 网站界面要求简洁大方，有网站导航、相关链接</a:t>
+            </a:r>
+            <a:r>
+              <a:rPr lang="en-US" altLang="zh-CN" sz="2400" b="1">
+                <a:solidFill>
+                  <a:schemeClr val="bg1"/>
+                </a:solidFill>
+                <a:latin typeface="迷你简艺黑" panose="03000509000000000000" pitchFamily="65" charset="-122"/>
+                <a:ea typeface="迷你简艺黑" panose="03000509000000000000" pitchFamily="65" charset="-122"/>
+                <a:cs typeface="宋体" panose="02010600030101010101" pitchFamily="2" charset="-122"/>
+              </a:rPr>
+              <a:t>(</a:t>
+            </a:r>
+            <a:r>
+              <a:rPr lang="zh-CN" altLang="en-US" sz="2400" b="1">
+                <a:solidFill>
+                  <a:schemeClr val="bg1"/>
+                </a:solidFill>
+                <a:latin typeface="迷你简艺黑" panose="03000509000000000000" pitchFamily="65" charset="-122"/>
+                <a:ea typeface="迷你简艺黑" panose="03000509000000000000" pitchFamily="65" charset="-122"/>
+                <a:cs typeface="宋体" panose="02010600030101010101" pitchFamily="2" charset="-122"/>
+              </a:rPr>
+              <a:t>含学校选课系统、学院网页、需求相关主题网站</a:t>
+            </a:r>
+            <a:r>
+              <a:rPr lang="en-US" altLang="zh-CN" sz="2400" b="1">
+                <a:solidFill>
+                  <a:schemeClr val="bg1"/>
+                </a:solidFill>
+                <a:latin typeface="迷你简艺黑" panose="03000509000000000000" pitchFamily="65" charset="-122"/>
+                <a:ea typeface="迷你简艺黑" panose="03000509000000000000" pitchFamily="65" charset="-122"/>
+                <a:cs typeface="宋体" panose="02010600030101010101" pitchFamily="2" charset="-122"/>
+              </a:rPr>
+              <a:t>)</a:t>
+            </a:r>
+            <a:r>
+              <a:rPr lang="zh-CN" altLang="en-US" sz="2400" b="1">
+                <a:solidFill>
+                  <a:schemeClr val="bg1"/>
+                </a:solidFill>
+                <a:latin typeface="迷你简艺黑" panose="03000509000000000000" pitchFamily="65" charset="-122"/>
+                <a:ea typeface="迷你简艺黑" panose="03000509000000000000" pitchFamily="65" charset="-122"/>
+                <a:cs typeface="宋体" panose="02010600030101010101" pitchFamily="2" charset="-122"/>
+              </a:rPr>
+              <a:t>。</a:t>
+            </a:r>
+          </a:p>
+          <a:p>
+            <a:pPr marL="266700" indent="-266700"/>
+            <a:r>
+              <a:rPr lang="en-US" altLang="zh-CN" sz="2400" b="1">
+                <a:solidFill>
+                  <a:schemeClr val="bg1"/>
+                </a:solidFill>
+                <a:latin typeface="迷你简艺黑" panose="03000509000000000000" pitchFamily="65" charset="-122"/>
+                <a:ea typeface="迷你简艺黑" panose="03000509000000000000" pitchFamily="65" charset="-122"/>
+                <a:cs typeface="宋体" panose="02010600030101010101" pitchFamily="2" charset="-122"/>
+              </a:rPr>
+              <a:t>5</a:t>
+            </a:r>
+            <a:r>
+              <a:rPr lang="zh-CN" altLang="en-US" sz="2400" b="1">
+                <a:solidFill>
+                  <a:schemeClr val="bg1"/>
+                </a:solidFill>
+                <a:latin typeface="迷你简艺黑" panose="03000509000000000000" pitchFamily="65" charset="-122"/>
+                <a:ea typeface="迷你简艺黑" panose="03000509000000000000" pitchFamily="65" charset="-122"/>
+                <a:cs typeface="宋体" panose="02010600030101010101" pitchFamily="2" charset="-122"/>
+              </a:rPr>
+              <a:t>、 网站能提供一定资料共享功能</a:t>
+            </a:r>
+            <a:r>
+              <a:rPr lang="en-US" altLang="zh-CN" sz="2400" b="1">
+                <a:solidFill>
+                  <a:schemeClr val="bg1"/>
+                </a:solidFill>
+                <a:latin typeface="迷你简艺黑" panose="03000509000000000000" pitchFamily="65" charset="-122"/>
+                <a:ea typeface="迷你简艺黑" panose="03000509000000000000" pitchFamily="65" charset="-122"/>
+                <a:cs typeface="宋体" panose="02010600030101010101" pitchFamily="2" charset="-122"/>
+              </a:rPr>
+              <a:t>(</a:t>
+            </a:r>
+            <a:r>
+              <a:rPr lang="zh-CN" altLang="en-US" sz="2400" b="1">
+                <a:solidFill>
+                  <a:schemeClr val="bg1"/>
+                </a:solidFill>
+                <a:latin typeface="迷你简艺黑" panose="03000509000000000000" pitchFamily="65" charset="-122"/>
+                <a:ea typeface="迷你简艺黑" panose="03000509000000000000" pitchFamily="65" charset="-122"/>
+                <a:cs typeface="宋体" panose="02010600030101010101" pitchFamily="2" charset="-122"/>
+              </a:rPr>
+              <a:t>如论坛有上传下载附件功能、但对附件大小有限制，不得大于</a:t>
+            </a:r>
+            <a:r>
+              <a:rPr lang="en-US" altLang="zh-CN" sz="2400" b="1">
+                <a:solidFill>
+                  <a:schemeClr val="bg1"/>
+                </a:solidFill>
+                <a:latin typeface="迷你简艺黑" panose="03000509000000000000" pitchFamily="65" charset="-122"/>
+                <a:ea typeface="迷你简艺黑" panose="03000509000000000000" pitchFamily="65" charset="-122"/>
+                <a:cs typeface="宋体" panose="02010600030101010101" pitchFamily="2" charset="-122"/>
+              </a:rPr>
+              <a:t>2M)</a:t>
+            </a:r>
+            <a:r>
+              <a:rPr lang="zh-CN" altLang="en-US" sz="2400" b="1">
+                <a:solidFill>
+                  <a:schemeClr val="bg1"/>
+                </a:solidFill>
+                <a:latin typeface="迷你简艺黑" panose="03000509000000000000" pitchFamily="65" charset="-122"/>
+                <a:ea typeface="迷你简艺黑" panose="03000509000000000000" pitchFamily="65" charset="-122"/>
+                <a:cs typeface="宋体" panose="02010600030101010101" pitchFamily="2" charset="-122"/>
+              </a:rPr>
+              <a:t>。</a:t>
+            </a:r>
+          </a:p>
+        </p:txBody>
+      </p:sp>
+    </p:spTree>
+  </p:cSld>
+  <p:clrMapOvr>
+    <a:masterClrMapping/>
+  </p:clrMapOvr>
+  <p:transition spd="slow">
+    <p:fade thruBlk="1"/>
+  </p:transition>
+  <p:timing>
+    <p:tnLst>
+      <p:par>
+        <p:cTn id="1" dur="indefinite" restart="never" nodeType="tmRoot"/>
+      </p:par>
+    </p:tnLst>
+  </p:timing>
+</p:sld>
+</file>
+
+<file path=ppt/slides/slide21.xml><?xml version="1.0" encoding="utf-8"?>
+<p:sld xmlns:a="http://schemas.openxmlformats.org/drawingml/2006/main" xmlns:r="http://schemas.openxmlformats.org/officeDocument/2006/relationships" xmlns:p="http://schemas.openxmlformats.org/presentationml/2006/main">
+  <p:cSld>
+    <p:spTree>
+      <p:nvGrpSpPr>
+        <p:cNvPr id="1" name=""/>
+        <p:cNvGrpSpPr/>
+        <p:nvPr/>
+      </p:nvGrpSpPr>
+      <p:grpSpPr>
+        <a:xfrm>
+          <a:off x="0" y="0"/>
+          <a:ext cx="0" cy="0"/>
+          <a:chOff x="0" y="0"/>
+          <a:chExt cx="0" cy="0"/>
+        </a:xfrm>
+      </p:grpSpPr>
+      <p:sp>
+        <p:nvSpPr>
           <p:cNvPr id="55" name="Rectangle 39"/>
           <p:cNvSpPr>
             <a:spLocks noChangeArrowheads="1"/>
@@ -15700,7 +15745,7 @@
 </p:sld>
 </file>
 
-<file path=ppt/slides/slide21.xml><?xml version="1.0" encoding="utf-8"?>
+<file path=ppt/slides/slide22.xml><?xml version="1.0" encoding="utf-8"?>
 <p:sld xmlns:a="http://schemas.openxmlformats.org/drawingml/2006/main" xmlns:r="http://schemas.openxmlformats.org/officeDocument/2006/relationships" xmlns:p="http://schemas.openxmlformats.org/presentationml/2006/main">
   <p:cSld>
     <p:spTree>
@@ -16493,7 +16538,7 @@
 </p:sld>
 </file>
 
-<file path=ppt/slides/slide22.xml><?xml version="1.0" encoding="utf-8"?>
+<file path=ppt/slides/slide23.xml><?xml version="1.0" encoding="utf-8"?>
 <p:sld xmlns:a="http://schemas.openxmlformats.org/drawingml/2006/main" xmlns:r="http://schemas.openxmlformats.org/officeDocument/2006/relationships" xmlns:p="http://schemas.openxmlformats.org/presentationml/2006/main">
   <p:cSld>
     <p:spTree>
@@ -17247,7 +17292,7 @@
 </p:sld>
 </file>
 
-<file path=ppt/slides/slide23.xml><?xml version="1.0" encoding="utf-8"?>
+<file path=ppt/slides/slide24.xml><?xml version="1.0" encoding="utf-8"?>
 <p:sld xmlns:a="http://schemas.openxmlformats.org/drawingml/2006/main" xmlns:r="http://schemas.openxmlformats.org/officeDocument/2006/relationships" xmlns:p="http://schemas.openxmlformats.org/presentationml/2006/main">
   <p:cSld>
     <p:spTree>
@@ -18016,7 +18061,7 @@
 </p:sld>
 </file>
 
-<file path=ppt/slides/slide24.xml><?xml version="1.0" encoding="utf-8"?>
+<file path=ppt/slides/slide25.xml><?xml version="1.0" encoding="utf-8"?>
 <p:sld xmlns:a="http://schemas.openxmlformats.org/drawingml/2006/main" xmlns:r="http://schemas.openxmlformats.org/officeDocument/2006/relationships" xmlns:p="http://schemas.openxmlformats.org/presentationml/2006/main">
   <p:cSld>
     <p:spTree>
@@ -19098,7 +19143,7 @@
 </p:sld>
 </file>
 
-<file path=ppt/slides/slide25.xml><?xml version="1.0" encoding="utf-8"?>
+<file path=ppt/slides/slide26.xml><?xml version="1.0" encoding="utf-8"?>
 <p:sld xmlns:a="http://schemas.openxmlformats.org/drawingml/2006/main" xmlns:r="http://schemas.openxmlformats.org/officeDocument/2006/relationships" xmlns:p="http://schemas.openxmlformats.org/presentationml/2006/main">
   <p:cSld>
     <p:spTree>
@@ -19855,7 +19900,7 @@
 </p:sld>
 </file>
 
-<file path=ppt/slides/slide26.xml><?xml version="1.0" encoding="utf-8"?>
+<file path=ppt/slides/slide27.xml><?xml version="1.0" encoding="utf-8"?>
 <p:sld xmlns:a="http://schemas.openxmlformats.org/drawingml/2006/main" xmlns:r="http://schemas.openxmlformats.org/officeDocument/2006/relationships" xmlns:p="http://schemas.openxmlformats.org/presentationml/2006/main">
   <p:cSld>
     <p:spTree>
@@ -20349,1070 +20394,6 @@
     <p:extLst>
       <p:ext uri="{BB962C8B-B14F-4D97-AF65-F5344CB8AC3E}">
         <p14:creationId xmlns:p14="http://schemas.microsoft.com/office/powerpoint/2010/main" val="71543020"/>
-      </p:ext>
-    </p:extLst>
-  </p:cSld>
-  <p:clrMapOvr>
-    <a:masterClrMapping/>
-  </p:clrMapOvr>
-  <p:transition spd="slow">
-    <p:fade thruBlk="1"/>
-  </p:transition>
-  <p:timing>
-    <p:tnLst>
-      <p:par>
-        <p:cTn id="1" dur="indefinite" restart="never" nodeType="tmRoot">
-          <p:childTnLst>
-            <p:seq concurrent="1" nextAc="seek">
-              <p:cTn id="2" dur="indefinite" nodeType="mainSeq">
-                <p:childTnLst>
-                  <p:par>
-                    <p:cTn id="3" fill="hold">
-                      <p:stCondLst>
-                        <p:cond delay="indefinite"/>
-                        <p:cond evt="onBegin" delay="0">
-                          <p:tn val="2"/>
-                        </p:cond>
-                      </p:stCondLst>
-                      <p:childTnLst>
-                        <p:par>
-                          <p:cTn id="4" fill="hold">
-                            <p:stCondLst>
-                              <p:cond delay="0"/>
-                            </p:stCondLst>
-                            <p:childTnLst>
-                              <p:par>
-                                <p:cTn id="5" presetID="22" presetClass="entr" presetSubtype="8" fill="hold" grpId="0" nodeType="withEffect">
-                                  <p:stCondLst>
-                                    <p:cond delay="500"/>
-                                  </p:stCondLst>
-                                  <p:childTnLst>
-                                    <p:set>
-                                      <p:cBhvr>
-                                        <p:cTn id="6" dur="1" fill="hold">
-                                          <p:stCondLst>
-                                            <p:cond delay="0"/>
-                                          </p:stCondLst>
-                                        </p:cTn>
-                                        <p:tgtEl>
-                                          <p:spTgt spid="55"/>
-                                        </p:tgtEl>
-                                        <p:attrNameLst>
-                                          <p:attrName>style.visibility</p:attrName>
-                                        </p:attrNameLst>
-                                      </p:cBhvr>
-                                      <p:to>
-                                        <p:strVal val="visible"/>
-                                      </p:to>
-                                    </p:set>
-                                    <p:animEffect transition="in" filter="wipe(left)">
-                                      <p:cBhvr>
-                                        <p:cTn id="7" dur="500"/>
-                                        <p:tgtEl>
-                                          <p:spTgt spid="55"/>
-                                        </p:tgtEl>
-                                      </p:cBhvr>
-                                    </p:animEffect>
-                                  </p:childTnLst>
-                                </p:cTn>
-                              </p:par>
-                            </p:childTnLst>
-                          </p:cTn>
-                        </p:par>
-                        <p:par>
-                          <p:cTn id="8" fill="hold">
-                            <p:stCondLst>
-                              <p:cond delay="1000"/>
-                            </p:stCondLst>
-                            <p:childTnLst>
-                              <p:par>
-                                <p:cTn id="9" presetID="22" presetClass="entr" presetSubtype="8" fill="hold" nodeType="afterEffect">
-                                  <p:stCondLst>
-                                    <p:cond delay="0"/>
-                                  </p:stCondLst>
-                                  <p:childTnLst>
-                                    <p:set>
-                                      <p:cBhvr>
-                                        <p:cTn id="10" dur="1" fill="hold">
-                                          <p:stCondLst>
-                                            <p:cond delay="0"/>
-                                          </p:stCondLst>
-                                        </p:cTn>
-                                        <p:tgtEl>
-                                          <p:spTgt spid="8"/>
-                                        </p:tgtEl>
-                                        <p:attrNameLst>
-                                          <p:attrName>style.visibility</p:attrName>
-                                        </p:attrNameLst>
-                                      </p:cBhvr>
-                                      <p:to>
-                                        <p:strVal val="visible"/>
-                                      </p:to>
-                                    </p:set>
-                                    <p:animEffect transition="in" filter="wipe(left)">
-                                      <p:cBhvr>
-                                        <p:cTn id="11" dur="750"/>
-                                        <p:tgtEl>
-                                          <p:spTgt spid="8"/>
-                                        </p:tgtEl>
-                                      </p:cBhvr>
-                                    </p:animEffect>
-                                  </p:childTnLst>
-                                </p:cTn>
-                              </p:par>
-                            </p:childTnLst>
-                          </p:cTn>
-                        </p:par>
-                        <p:par>
-                          <p:cTn id="12" fill="hold">
-                            <p:stCondLst>
-                              <p:cond delay="2000"/>
-                            </p:stCondLst>
-                            <p:childTnLst>
-                              <p:par>
-                                <p:cTn id="13" presetID="10" presetClass="entr" presetSubtype="0" fill="hold" grpId="0" nodeType="afterEffect">
-                                  <p:stCondLst>
-                                    <p:cond delay="0"/>
-                                  </p:stCondLst>
-                                  <p:childTnLst>
-                                    <p:set>
-                                      <p:cBhvr>
-                                        <p:cTn id="14" dur="1" fill="hold">
-                                          <p:stCondLst>
-                                            <p:cond delay="0"/>
-                                          </p:stCondLst>
-                                        </p:cTn>
-                                        <p:tgtEl>
-                                          <p:spTgt spid="9"/>
-                                        </p:tgtEl>
-                                        <p:attrNameLst>
-                                          <p:attrName>style.visibility</p:attrName>
-                                        </p:attrNameLst>
-                                      </p:cBhvr>
-                                      <p:to>
-                                        <p:strVal val="visible"/>
-                                      </p:to>
-                                    </p:set>
-                                    <p:animEffect transition="in" filter="fade">
-                                      <p:cBhvr>
-                                        <p:cTn id="15" dur="500"/>
-                                        <p:tgtEl>
-                                          <p:spTgt spid="9"/>
-                                        </p:tgtEl>
-                                      </p:cBhvr>
-                                    </p:animEffect>
-                                  </p:childTnLst>
-                                </p:cTn>
-                              </p:par>
-                              <p:par>
-                                <p:cTn id="16" presetID="10" presetClass="entr" presetSubtype="0" fill="hold" grpId="0" nodeType="withEffect">
-                                  <p:stCondLst>
-                                    <p:cond delay="500"/>
-                                  </p:stCondLst>
-                                  <p:childTnLst>
-                                    <p:set>
-                                      <p:cBhvr>
-                                        <p:cTn id="17" dur="1" fill="hold">
-                                          <p:stCondLst>
-                                            <p:cond delay="0"/>
-                                          </p:stCondLst>
-                                        </p:cTn>
-                                        <p:tgtEl>
-                                          <p:spTgt spid="17"/>
-                                        </p:tgtEl>
-                                        <p:attrNameLst>
-                                          <p:attrName>style.visibility</p:attrName>
-                                        </p:attrNameLst>
-                                      </p:cBhvr>
-                                      <p:to>
-                                        <p:strVal val="visible"/>
-                                      </p:to>
-                                    </p:set>
-                                    <p:animEffect transition="in" filter="fade">
-                                      <p:cBhvr>
-                                        <p:cTn id="18" dur="500"/>
-                                        <p:tgtEl>
-                                          <p:spTgt spid="17"/>
-                                        </p:tgtEl>
-                                      </p:cBhvr>
-                                    </p:animEffect>
-                                  </p:childTnLst>
-                                </p:cTn>
-                              </p:par>
-                            </p:childTnLst>
-                          </p:cTn>
-                        </p:par>
-                      </p:childTnLst>
-                    </p:cTn>
-                  </p:par>
-                  <p:par>
-                    <p:cTn id="19" fill="hold">
-                      <p:stCondLst>
-                        <p:cond delay="indefinite"/>
-                      </p:stCondLst>
-                      <p:childTnLst>
-                        <p:par>
-                          <p:cTn id="20" fill="hold">
-                            <p:stCondLst>
-                              <p:cond delay="0"/>
-                            </p:stCondLst>
-                            <p:childTnLst>
-                              <p:par>
-                                <p:cTn id="21" presetID="22" presetClass="entr" presetSubtype="4" fill="hold" nodeType="clickEffect">
-                                  <p:stCondLst>
-                                    <p:cond delay="0"/>
-                                  </p:stCondLst>
-                                  <p:childTnLst>
-                                    <p:set>
-                                      <p:cBhvr>
-                                        <p:cTn id="22" dur="1" fill="hold">
-                                          <p:stCondLst>
-                                            <p:cond delay="0"/>
-                                          </p:stCondLst>
-                                        </p:cTn>
-                                        <p:tgtEl>
-                                          <p:spTgt spid="13"/>
-                                        </p:tgtEl>
-                                        <p:attrNameLst>
-                                          <p:attrName>style.visibility</p:attrName>
-                                        </p:attrNameLst>
-                                      </p:cBhvr>
-                                      <p:to>
-                                        <p:strVal val="visible"/>
-                                      </p:to>
-                                    </p:set>
-                                    <p:animEffect transition="in" filter="wipe(down)">
-                                      <p:cBhvr>
-                                        <p:cTn id="23" dur="500"/>
-                                        <p:tgtEl>
-                                          <p:spTgt spid="13"/>
-                                        </p:tgtEl>
-                                      </p:cBhvr>
-                                    </p:animEffect>
-                                  </p:childTnLst>
-                                </p:cTn>
-                              </p:par>
-                              <p:par>
-                                <p:cTn id="24" presetID="22" presetClass="entr" presetSubtype="4" fill="hold" nodeType="withEffect">
-                                  <p:stCondLst>
-                                    <p:cond delay="0"/>
-                                  </p:stCondLst>
-                                  <p:childTnLst>
-                                    <p:set>
-                                      <p:cBhvr>
-                                        <p:cTn id="25" dur="1" fill="hold">
-                                          <p:stCondLst>
-                                            <p:cond delay="0"/>
-                                          </p:stCondLst>
-                                        </p:cTn>
-                                        <p:tgtEl>
-                                          <p:spTgt spid="18"/>
-                                        </p:tgtEl>
-                                        <p:attrNameLst>
-                                          <p:attrName>style.visibility</p:attrName>
-                                        </p:attrNameLst>
-                                      </p:cBhvr>
-                                      <p:to>
-                                        <p:strVal val="visible"/>
-                                      </p:to>
-                                    </p:set>
-                                    <p:animEffect transition="in" filter="wipe(down)">
-                                      <p:cBhvr>
-                                        <p:cTn id="26" dur="500"/>
-                                        <p:tgtEl>
-                                          <p:spTgt spid="18"/>
-                                        </p:tgtEl>
-                                      </p:cBhvr>
-                                    </p:animEffect>
-                                  </p:childTnLst>
-                                </p:cTn>
-                              </p:par>
-                            </p:childTnLst>
-                          </p:cTn>
-                        </p:par>
-                      </p:childTnLst>
-                    </p:cTn>
-                  </p:par>
-                  <p:par>
-                    <p:cTn id="27" fill="hold">
-                      <p:stCondLst>
-                        <p:cond delay="indefinite"/>
-                      </p:stCondLst>
-                      <p:childTnLst>
-                        <p:par>
-                          <p:cTn id="28" fill="hold">
-                            <p:stCondLst>
-                              <p:cond delay="0"/>
-                            </p:stCondLst>
-                            <p:childTnLst>
-                              <p:par>
-                                <p:cTn id="29" presetID="2" presetClass="entr" presetSubtype="4" fill="hold" grpId="0" nodeType="clickEffect">
-                                  <p:stCondLst>
-                                    <p:cond delay="0"/>
-                                  </p:stCondLst>
-                                  <p:childTnLst>
-                                    <p:set>
-                                      <p:cBhvr>
-                                        <p:cTn id="30" dur="1" fill="hold">
-                                          <p:stCondLst>
-                                            <p:cond delay="0"/>
-                                          </p:stCondLst>
-                                        </p:cTn>
-                                        <p:tgtEl>
-                                          <p:spTgt spid="12"/>
-                                        </p:tgtEl>
-                                        <p:attrNameLst>
-                                          <p:attrName>style.visibility</p:attrName>
-                                        </p:attrNameLst>
-                                      </p:cBhvr>
-                                      <p:to>
-                                        <p:strVal val="visible"/>
-                                      </p:to>
-                                    </p:set>
-                                    <p:anim calcmode="lin" valueType="num">
-                                      <p:cBhvr additive="base">
-                                        <p:cTn id="31" dur="500" fill="hold"/>
-                                        <p:tgtEl>
-                                          <p:spTgt spid="12"/>
-                                        </p:tgtEl>
-                                        <p:attrNameLst>
-                                          <p:attrName>ppt_x</p:attrName>
-                                        </p:attrNameLst>
-                                      </p:cBhvr>
-                                      <p:tavLst>
-                                        <p:tav tm="0">
-                                          <p:val>
-                                            <p:strVal val="#ppt_x"/>
-                                          </p:val>
-                                        </p:tav>
-                                        <p:tav tm="100000">
-                                          <p:val>
-                                            <p:strVal val="#ppt_x"/>
-                                          </p:val>
-                                        </p:tav>
-                                      </p:tavLst>
-                                    </p:anim>
-                                    <p:anim calcmode="lin" valueType="num">
-                                      <p:cBhvr additive="base">
-                                        <p:cTn id="32" dur="500" fill="hold"/>
-                                        <p:tgtEl>
-                                          <p:spTgt spid="12"/>
-                                        </p:tgtEl>
-                                        <p:attrNameLst>
-                                          <p:attrName>ppt_y</p:attrName>
-                                        </p:attrNameLst>
-                                      </p:cBhvr>
-                                      <p:tavLst>
-                                        <p:tav tm="0">
-                                          <p:val>
-                                            <p:strVal val="1+#ppt_h/2"/>
-                                          </p:val>
-                                        </p:tav>
-                                        <p:tav tm="100000">
-                                          <p:val>
-                                            <p:strVal val="#ppt_y"/>
-                                          </p:val>
-                                        </p:tav>
-                                      </p:tavLst>
-                                    </p:anim>
-                                  </p:childTnLst>
-                                </p:cTn>
-                              </p:par>
-                            </p:childTnLst>
-                          </p:cTn>
-                        </p:par>
-                      </p:childTnLst>
-                    </p:cTn>
-                  </p:par>
-                  <p:par>
-                    <p:cTn id="33" fill="hold">
-                      <p:stCondLst>
-                        <p:cond delay="indefinite"/>
-                      </p:stCondLst>
-                      <p:childTnLst>
-                        <p:par>
-                          <p:cTn id="34" fill="hold">
-                            <p:stCondLst>
-                              <p:cond delay="0"/>
-                            </p:stCondLst>
-                            <p:childTnLst>
-                              <p:par>
-                                <p:cTn id="35" presetID="42" presetClass="entr" presetSubtype="0" fill="hold" grpId="0" nodeType="clickEffect">
-                                  <p:stCondLst>
-                                    <p:cond delay="0"/>
-                                  </p:stCondLst>
-                                  <p:childTnLst>
-                                    <p:set>
-                                      <p:cBhvr>
-                                        <p:cTn id="36" dur="1" fill="hold">
-                                          <p:stCondLst>
-                                            <p:cond delay="0"/>
-                                          </p:stCondLst>
-                                        </p:cTn>
-                                        <p:tgtEl>
-                                          <p:spTgt spid="21"/>
-                                        </p:tgtEl>
-                                        <p:attrNameLst>
-                                          <p:attrName>style.visibility</p:attrName>
-                                        </p:attrNameLst>
-                                      </p:cBhvr>
-                                      <p:to>
-                                        <p:strVal val="visible"/>
-                                      </p:to>
-                                    </p:set>
-                                    <p:animEffect transition="in" filter="fade">
-                                      <p:cBhvr>
-                                        <p:cTn id="37" dur="1000"/>
-                                        <p:tgtEl>
-                                          <p:spTgt spid="21"/>
-                                        </p:tgtEl>
-                                      </p:cBhvr>
-                                    </p:animEffect>
-                                    <p:anim calcmode="lin" valueType="num">
-                                      <p:cBhvr>
-                                        <p:cTn id="38" dur="1000" fill="hold"/>
-                                        <p:tgtEl>
-                                          <p:spTgt spid="21"/>
-                                        </p:tgtEl>
-                                        <p:attrNameLst>
-                                          <p:attrName>ppt_x</p:attrName>
-                                        </p:attrNameLst>
-                                      </p:cBhvr>
-                                      <p:tavLst>
-                                        <p:tav tm="0">
-                                          <p:val>
-                                            <p:strVal val="#ppt_x"/>
-                                          </p:val>
-                                        </p:tav>
-                                        <p:tav tm="100000">
-                                          <p:val>
-                                            <p:strVal val="#ppt_x"/>
-                                          </p:val>
-                                        </p:tav>
-                                      </p:tavLst>
-                                    </p:anim>
-                                    <p:anim calcmode="lin" valueType="num">
-                                      <p:cBhvr>
-                                        <p:cTn id="39" dur="1000" fill="hold"/>
-                                        <p:tgtEl>
-                                          <p:spTgt spid="21"/>
-                                        </p:tgtEl>
-                                        <p:attrNameLst>
-                                          <p:attrName>ppt_y</p:attrName>
-                                        </p:attrNameLst>
-                                      </p:cBhvr>
-                                      <p:tavLst>
-                                        <p:tav tm="0">
-                                          <p:val>
-                                            <p:strVal val="#ppt_y+.1"/>
-                                          </p:val>
-                                        </p:tav>
-                                        <p:tav tm="100000">
-                                          <p:val>
-                                            <p:strVal val="#ppt_y"/>
-                                          </p:val>
-                                        </p:tav>
-                                      </p:tavLst>
-                                    </p:anim>
-                                  </p:childTnLst>
-                                </p:cTn>
-                              </p:par>
-                            </p:childTnLst>
-                          </p:cTn>
-                        </p:par>
-                      </p:childTnLst>
-                    </p:cTn>
-                  </p:par>
-                </p:childTnLst>
-              </p:cTn>
-              <p:prevCondLst>
-                <p:cond evt="onPrev" delay="0">
-                  <p:tgtEl>
-                    <p:sldTgt/>
-                  </p:tgtEl>
-                </p:cond>
-              </p:prevCondLst>
-              <p:nextCondLst>
-                <p:cond evt="onNext" delay="0">
-                  <p:tgtEl>
-                    <p:sldTgt/>
-                  </p:tgtEl>
-                </p:cond>
-              </p:nextCondLst>
-            </p:seq>
-          </p:childTnLst>
-        </p:cTn>
-      </p:par>
-    </p:tnLst>
-    <p:bldLst>
-      <p:bldP spid="55" grpId="0"/>
-      <p:bldP spid="9" grpId="0" bldLvl="0" animBg="1"/>
-      <p:bldP spid="12" grpId="0"/>
-      <p:bldP spid="17" grpId="0" bldLvl="0" animBg="1"/>
-      <p:bldP spid="21" grpId="0"/>
-    </p:bldLst>
-  </p:timing>
-</p:sld>
-</file>
-
-<file path=ppt/slides/slide27.xml><?xml version="1.0" encoding="utf-8"?>
-<p:sld xmlns:a="http://schemas.openxmlformats.org/drawingml/2006/main" xmlns:r="http://schemas.openxmlformats.org/officeDocument/2006/relationships" xmlns:p="http://schemas.openxmlformats.org/presentationml/2006/main">
-  <p:cSld>
-    <p:spTree>
-      <p:nvGrpSpPr>
-        <p:cNvPr id="1" name=""/>
-        <p:cNvGrpSpPr/>
-        <p:nvPr/>
-      </p:nvGrpSpPr>
-      <p:grpSpPr>
-        <a:xfrm>
-          <a:off x="0" y="0"/>
-          <a:ext cx="0" cy="0"/>
-          <a:chOff x="0" y="0"/>
-          <a:chExt cx="0" cy="0"/>
-        </a:xfrm>
-      </p:grpSpPr>
-      <p:sp>
-        <p:nvSpPr>
-          <p:cNvPr id="55" name="Rectangle 39"/>
-          <p:cNvSpPr>
-            <a:spLocks noChangeArrowheads="1"/>
-          </p:cNvSpPr>
-          <p:nvPr/>
-        </p:nvSpPr>
-        <p:spPr bwMode="auto">
-          <a:xfrm>
-            <a:off x="793327" y="487892"/>
-            <a:ext cx="3664373" cy="820866"/>
-          </a:xfrm>
-          <a:prstGeom prst="rect">
-            <a:avLst/>
-          </a:prstGeom>
-          <a:noFill/>
-          <a:ln>
-            <a:noFill/>
-          </a:ln>
-          <a:extLst>
-            <a:ext uri="{909E8E84-426E-40DD-AFC4-6F175D3DCCD1}">
-              <a14:hiddenFill xmlns:a14="http://schemas.microsoft.com/office/drawing/2010/main">
-                <a:solidFill>
-                  <a:srgbClr val="FFFFFF"/>
-                </a:solidFill>
-              </a14:hiddenFill>
-            </a:ext>
-            <a:ext uri="{91240B29-F687-4F45-9708-019B960494DF}">
-              <a14:hiddenLine xmlns:a14="http://schemas.microsoft.com/office/drawing/2010/main" w="9525">
-                <a:solidFill>
-                  <a:srgbClr val="000000"/>
-                </a:solidFill>
-                <a:miter lim="800000"/>
-                <a:headEnd/>
-                <a:tailEnd/>
-              </a14:hiddenLine>
-            </a:ext>
-          </a:extLst>
-        </p:spPr>
-        <p:txBody>
-          <a:bodyPr wrap="square" lIns="0" tIns="0" rIns="0" bIns="0">
-            <a:spAutoFit/>
-          </a:bodyPr>
-          <a:lstStyle/>
-          <a:p>
-            <a:pPr>
-              <a:buFont typeface="Arial" panose="020B0604020202020204" pitchFamily="34" charset="0"/>
-              <a:buNone/>
-            </a:pPr>
-            <a:r>
-              <a:rPr sz="2667" b="1" dirty="0">
-                <a:blipFill dpi="0" rotWithShape="1">
-                  <a:blip r:embed="rId4">
-                    <a:extLst>
-                      <a:ext uri="{28A0092B-C50C-407E-A947-70E740481C1C}">
-                        <a14:useLocalDpi xmlns:a14="http://schemas.microsoft.com/office/drawing/2010/main" val="0"/>
-                      </a:ext>
-                    </a:extLst>
-                  </a:blip>
-                  <a:srcRect/>
-                  <a:stretch>
-                    <a:fillRect/>
-                  </a:stretch>
-                </a:blipFill>
-                <a:latin typeface="微软雅黑" panose="020B0503020204020204" pitchFamily="34" charset="-122"/>
-                <a:ea typeface="微软雅黑" panose="020B0503020204020204" pitchFamily="34" charset="-122"/>
-              </a:rPr>
-              <a:t>编写需求规格说明方面的风险</a:t>
-            </a:r>
-            <a:r>
-              <a:rPr lang="zh-CN" altLang="en-US" sz="2667" b="1" dirty="0">
-                <a:blipFill dpi="0" rotWithShape="1">
-                  <a:blip r:embed="rId4">
-                    <a:extLst>
-                      <a:ext uri="{28A0092B-C50C-407E-A947-70E740481C1C}">
-                        <a14:useLocalDpi xmlns:a14="http://schemas.microsoft.com/office/drawing/2010/main" val="0"/>
-                      </a:ext>
-                    </a:extLst>
-                  </a:blip>
-                  <a:srcRect/>
-                  <a:stretch>
-                    <a:fillRect/>
-                  </a:stretch>
-                </a:blipFill>
-                <a:latin typeface="微软雅黑" panose="020B0503020204020204" pitchFamily="34" charset="-122"/>
-                <a:ea typeface="微软雅黑" panose="020B0503020204020204" pitchFamily="34" charset="-122"/>
-              </a:rPr>
-              <a:t>与措施</a:t>
-            </a:r>
-          </a:p>
-        </p:txBody>
-      </p:sp>
-      <p:cxnSp>
-        <p:nvCxnSpPr>
-          <p:cNvPr id="8" name="Straight Connector 7"/>
-          <p:cNvCxnSpPr/>
-          <p:nvPr/>
-        </p:nvCxnSpPr>
-        <p:spPr>
-          <a:xfrm>
-            <a:off x="4964" y="5654163"/>
-            <a:ext cx="12144000" cy="2421"/>
-          </a:xfrm>
-          <a:prstGeom prst="line">
-            <a:avLst/>
-          </a:prstGeom>
-          <a:ln w="12700" cap="flat">
-            <a:solidFill>
-              <a:schemeClr val="bg1"/>
-            </a:solidFill>
-            <a:prstDash val="sysDash"/>
-            <a:round/>
-          </a:ln>
-        </p:spPr>
-        <p:style>
-          <a:lnRef idx="1">
-            <a:schemeClr val="accent1"/>
-          </a:lnRef>
-          <a:fillRef idx="0">
-            <a:schemeClr val="accent1"/>
-          </a:fillRef>
-          <a:effectRef idx="0">
-            <a:schemeClr val="accent1"/>
-          </a:effectRef>
-          <a:fontRef idx="minor">
-            <a:schemeClr val="tx1"/>
-          </a:fontRef>
-        </p:style>
-      </p:cxnSp>
-      <p:sp>
-        <p:nvSpPr>
-          <p:cNvPr id="9" name="Oval 12"/>
-          <p:cNvSpPr/>
-          <p:nvPr/>
-        </p:nvSpPr>
-        <p:spPr>
-          <a:xfrm>
-            <a:off x="583407" y="5495443"/>
-            <a:ext cx="317440" cy="317440"/>
-          </a:xfrm>
-          <a:prstGeom prst="ellipse">
-            <a:avLst/>
-          </a:prstGeom>
-          <a:solidFill>
-            <a:schemeClr val="accent1"/>
-          </a:solidFill>
-          <a:ln>
-            <a:noFill/>
-          </a:ln>
-        </p:spPr>
-        <p:style>
-          <a:lnRef idx="2">
-            <a:schemeClr val="accent1">
-              <a:shade val="50000"/>
-            </a:schemeClr>
-          </a:lnRef>
-          <a:fillRef idx="1">
-            <a:schemeClr val="accent1"/>
-          </a:fillRef>
-          <a:effectRef idx="0">
-            <a:schemeClr val="accent1"/>
-          </a:effectRef>
-          <a:fontRef idx="minor">
-            <a:schemeClr val="lt1"/>
-          </a:fontRef>
-        </p:style>
-        <p:txBody>
-          <a:bodyPr rtlCol="0" anchor="ctr"/>
-          <a:lstStyle/>
-          <a:p>
-            <a:pPr algn="ctr"/>
-            <a:endParaRPr lang="en-US" sz="1867">
-              <a:solidFill>
-                <a:schemeClr val="bg1"/>
-              </a:solidFill>
-            </a:endParaRPr>
-          </a:p>
-        </p:txBody>
-      </p:sp>
-      <p:sp>
-        <p:nvSpPr>
-          <p:cNvPr id="12" name="Rectangle 44"/>
-          <p:cNvSpPr/>
-          <p:nvPr/>
-        </p:nvSpPr>
-        <p:spPr>
-          <a:xfrm>
-            <a:off x="714588" y="2840779"/>
-            <a:ext cx="4875953" cy="1733488"/>
-          </a:xfrm>
-          <a:prstGeom prst="rect">
-            <a:avLst/>
-          </a:prstGeom>
-        </p:spPr>
-        <p:txBody>
-          <a:bodyPr wrap="square">
-            <a:spAutoFit/>
-          </a:bodyPr>
-          <a:lstStyle/>
-          <a:p>
-            <a:pPr indent="480048"/>
-            <a:r>
-              <a:rPr sz="2133" dirty="0">
-                <a:solidFill>
-                  <a:schemeClr val="bg1"/>
-                </a:solidFill>
-                <a:latin typeface="迷你简艺黑" panose="03000509000000000000" pitchFamily="65" charset="-122"/>
-                <a:ea typeface="迷你简艺黑" panose="03000509000000000000" pitchFamily="65" charset="-122"/>
-              </a:rPr>
-              <a:t>1、需求理解引发的风险</a:t>
-            </a:r>
-          </a:p>
-          <a:p>
-            <a:pPr indent="480048"/>
-            <a:r>
-              <a:rPr sz="2133" dirty="0">
-                <a:solidFill>
-                  <a:schemeClr val="bg1"/>
-                </a:solidFill>
-                <a:latin typeface="迷你简艺黑" panose="03000509000000000000" pitchFamily="65" charset="-122"/>
-                <a:ea typeface="迷你简艺黑" panose="03000509000000000000" pitchFamily="65" charset="-122"/>
-              </a:rPr>
-              <a:t>2、尽管问题待确定但迫于时间压               力而继续向前引发的风险</a:t>
-            </a:r>
-          </a:p>
-          <a:p>
-            <a:pPr indent="480048"/>
-            <a:r>
-              <a:rPr sz="2133" dirty="0">
-                <a:solidFill>
-                  <a:schemeClr val="bg1"/>
-                </a:solidFill>
-                <a:latin typeface="迷你简艺黑" panose="03000509000000000000" pitchFamily="65" charset="-122"/>
-                <a:ea typeface="迷你简艺黑" panose="03000509000000000000" pitchFamily="65" charset="-122"/>
-              </a:rPr>
-              <a:t>3、具有二义性的术语引发的风险</a:t>
-            </a:r>
-          </a:p>
-          <a:p>
-            <a:pPr indent="480048"/>
-            <a:r>
-              <a:rPr sz="2133" dirty="0">
-                <a:solidFill>
-                  <a:schemeClr val="bg1"/>
-                </a:solidFill>
-                <a:latin typeface="迷你简艺黑" panose="03000509000000000000" pitchFamily="65" charset="-122"/>
-                <a:ea typeface="迷你简艺黑" panose="03000509000000000000" pitchFamily="65" charset="-122"/>
-              </a:rPr>
-              <a:t>4、需求中包括设计引发的风险</a:t>
-            </a:r>
-          </a:p>
-        </p:txBody>
-      </p:sp>
-      <p:cxnSp>
-        <p:nvCxnSpPr>
-          <p:cNvPr id="13" name="Straight Connector 26"/>
-          <p:cNvCxnSpPr/>
-          <p:nvPr/>
-        </p:nvCxnSpPr>
-        <p:spPr>
-          <a:xfrm rot="16200000" flipH="1">
-            <a:off x="-622869" y="4178158"/>
-            <a:ext cx="2688492" cy="13431"/>
-          </a:xfrm>
-          <a:prstGeom prst="line">
-            <a:avLst/>
-          </a:prstGeom>
-          <a:ln>
-            <a:solidFill>
-              <a:schemeClr val="accent1"/>
-            </a:solidFill>
-          </a:ln>
-        </p:spPr>
-        <p:style>
-          <a:lnRef idx="1">
-            <a:schemeClr val="accent1"/>
-          </a:lnRef>
-          <a:fillRef idx="0">
-            <a:schemeClr val="accent1"/>
-          </a:fillRef>
-          <a:effectRef idx="0">
-            <a:schemeClr val="accent1"/>
-          </a:effectRef>
-          <a:fontRef idx="minor">
-            <a:schemeClr val="tx1"/>
-          </a:fontRef>
-        </p:style>
-      </p:cxnSp>
-      <p:sp>
-        <p:nvSpPr>
-          <p:cNvPr id="17" name="Oval 16"/>
-          <p:cNvSpPr/>
-          <p:nvPr/>
-        </p:nvSpPr>
-        <p:spPr>
-          <a:xfrm>
-            <a:off x="5283417" y="5529916"/>
-            <a:ext cx="317440" cy="317440"/>
-          </a:xfrm>
-          <a:prstGeom prst="ellipse">
-            <a:avLst/>
-          </a:prstGeom>
-          <a:solidFill>
-            <a:schemeClr val="accent5"/>
-          </a:solidFill>
-          <a:ln>
-            <a:noFill/>
-          </a:ln>
-        </p:spPr>
-        <p:style>
-          <a:lnRef idx="2">
-            <a:schemeClr val="accent1">
-              <a:shade val="50000"/>
-            </a:schemeClr>
-          </a:lnRef>
-          <a:fillRef idx="1">
-            <a:schemeClr val="accent1"/>
-          </a:fillRef>
-          <a:effectRef idx="0">
-            <a:schemeClr val="accent1"/>
-          </a:effectRef>
-          <a:fontRef idx="minor">
-            <a:schemeClr val="lt1"/>
-          </a:fontRef>
-        </p:style>
-        <p:txBody>
-          <a:bodyPr rtlCol="0" anchor="ctr"/>
-          <a:lstStyle/>
-          <a:p>
-            <a:pPr algn="ctr"/>
-            <a:endParaRPr lang="en-US" sz="1867">
-              <a:solidFill>
-                <a:schemeClr val="bg1"/>
-              </a:solidFill>
-            </a:endParaRPr>
-          </a:p>
-        </p:txBody>
-      </p:sp>
-      <p:cxnSp>
-        <p:nvCxnSpPr>
-          <p:cNvPr id="18" name="Straight Connector 38"/>
-          <p:cNvCxnSpPr/>
-          <p:nvPr/>
-        </p:nvCxnSpPr>
-        <p:spPr>
-          <a:xfrm rot="16200000" flipH="1">
-            <a:off x="4104607" y="4178094"/>
-            <a:ext cx="2688492" cy="13431"/>
-          </a:xfrm>
-          <a:prstGeom prst="line">
-            <a:avLst/>
-          </a:prstGeom>
-          <a:ln>
-            <a:solidFill>
-              <a:schemeClr val="accent5"/>
-            </a:solidFill>
-          </a:ln>
-        </p:spPr>
-        <p:style>
-          <a:lnRef idx="1">
-            <a:schemeClr val="accent1"/>
-          </a:lnRef>
-          <a:fillRef idx="0">
-            <a:schemeClr val="accent1"/>
-          </a:fillRef>
-          <a:effectRef idx="0">
-            <a:schemeClr val="accent1"/>
-          </a:effectRef>
-          <a:fontRef idx="minor">
-            <a:schemeClr val="tx1"/>
-          </a:fontRef>
-        </p:style>
-      </p:cxnSp>
-      <p:sp>
-        <p:nvSpPr>
-          <p:cNvPr id="21" name="Rectangle 50"/>
-          <p:cNvSpPr/>
-          <p:nvPr/>
-        </p:nvSpPr>
-        <p:spPr>
-          <a:xfrm>
-            <a:off x="5891954" y="1989879"/>
-            <a:ext cx="5773420" cy="4359335"/>
-          </a:xfrm>
-          <a:prstGeom prst="rect">
-            <a:avLst/>
-          </a:prstGeom>
-        </p:spPr>
-        <p:txBody>
-          <a:bodyPr wrap="square">
-            <a:spAutoFit/>
-          </a:bodyPr>
-          <a:lstStyle/>
-          <a:p>
-            <a:r>
-              <a:rPr lang="zh-CN" altLang="en-US" sz="2133" dirty="0">
-                <a:solidFill>
-                  <a:schemeClr val="bg1"/>
-                </a:solidFill>
-                <a:latin typeface="迷你简艺黑" panose="03000509000000000000" pitchFamily="65" charset="-122"/>
-                <a:ea typeface="迷你简艺黑" panose="03000509000000000000" pitchFamily="65" charset="-122"/>
-              </a:rPr>
-              <a:t>措施：</a:t>
-            </a:r>
-          </a:p>
-          <a:p>
-            <a:r>
-              <a:rPr lang="en-US" altLang="zh-CN" sz="2133" dirty="0">
-                <a:solidFill>
-                  <a:schemeClr val="bg1"/>
-                </a:solidFill>
-                <a:latin typeface="迷你简艺黑" panose="03000509000000000000" pitchFamily="65" charset="-122"/>
-                <a:ea typeface="迷你简艺黑" panose="03000509000000000000" pitchFamily="65" charset="-122"/>
-              </a:rPr>
-              <a:t>1</a:t>
-            </a:r>
-            <a:r>
-              <a:rPr lang="zh-CN" altLang="en-US" sz="2133" dirty="0">
-                <a:solidFill>
-                  <a:schemeClr val="bg1"/>
-                </a:solidFill>
-                <a:latin typeface="迷你简艺黑" panose="03000509000000000000" pitchFamily="65" charset="-122"/>
-                <a:ea typeface="迷你简艺黑" panose="03000509000000000000" pitchFamily="65" charset="-122"/>
-              </a:rPr>
-              <a:t>、对需求文档进行正式评审的团队应该包括开发人员、测试人员和客户，以减小需求的不同理解造成的风险。</a:t>
-            </a:r>
-          </a:p>
-          <a:p>
-            <a:r>
-              <a:rPr lang="en-US" altLang="zh-CN" sz="2133" dirty="0">
-                <a:solidFill>
-                  <a:schemeClr val="bg1"/>
-                </a:solidFill>
-                <a:latin typeface="迷你简艺黑" panose="03000509000000000000" pitchFamily="65" charset="-122"/>
-                <a:ea typeface="迷你简艺黑" panose="03000509000000000000" pitchFamily="65" charset="-122"/>
-              </a:rPr>
-              <a:t>2</a:t>
-            </a:r>
-            <a:r>
-              <a:rPr lang="zh-CN" altLang="en-US" sz="2133" dirty="0">
-                <a:solidFill>
-                  <a:schemeClr val="bg1"/>
-                </a:solidFill>
-                <a:latin typeface="迷你简艺黑" panose="03000509000000000000" pitchFamily="65" charset="-122"/>
-                <a:ea typeface="迷你简艺黑" panose="03000509000000000000" pitchFamily="65" charset="-122"/>
-              </a:rPr>
-              <a:t>、应该记录下负责最终解释每个</a:t>
-            </a:r>
-            <a:r>
-              <a:rPr lang="en-US" altLang="zh-CN" sz="2133" dirty="0">
-                <a:solidFill>
-                  <a:schemeClr val="bg1"/>
-                </a:solidFill>
-                <a:latin typeface="迷你简艺黑" panose="03000509000000000000" pitchFamily="65" charset="-122"/>
-                <a:ea typeface="迷你简艺黑" panose="03000509000000000000" pitchFamily="65" charset="-122"/>
-              </a:rPr>
-              <a:t>TBD</a:t>
-            </a:r>
-            <a:r>
-              <a:rPr lang="zh-CN" altLang="en-US" sz="2133" dirty="0">
-                <a:solidFill>
-                  <a:schemeClr val="bg1"/>
-                </a:solidFill>
-                <a:latin typeface="迷你简艺黑" panose="03000509000000000000" pitchFamily="65" charset="-122"/>
-                <a:ea typeface="迷你简艺黑" panose="03000509000000000000" pitchFamily="65" charset="-122"/>
-              </a:rPr>
-              <a:t>的负责人的姓名和解决的截止日期。</a:t>
-            </a:r>
-          </a:p>
-          <a:p>
-            <a:r>
-              <a:rPr lang="en-US" altLang="zh-CN" sz="2133" dirty="0">
-                <a:solidFill>
-                  <a:schemeClr val="bg1"/>
-                </a:solidFill>
-                <a:latin typeface="迷你简艺黑" panose="03000509000000000000" pitchFamily="65" charset="-122"/>
-                <a:ea typeface="迷你简艺黑" panose="03000509000000000000" pitchFamily="65" charset="-122"/>
-              </a:rPr>
-              <a:t>3</a:t>
-            </a:r>
-            <a:r>
-              <a:rPr lang="zh-CN" altLang="en-US" sz="2133" dirty="0">
-                <a:solidFill>
-                  <a:schemeClr val="bg1"/>
-                </a:solidFill>
-                <a:latin typeface="迷你简艺黑" panose="03000509000000000000" pitchFamily="65" charset="-122"/>
-                <a:ea typeface="迷你简艺黑" panose="03000509000000000000" pitchFamily="65" charset="-122"/>
-              </a:rPr>
-              <a:t>、创建一个数据字典来定义一些术语的条目和结构，对软件需求说明的评审可以帮助参与者对关键术语和概念达成一致的理解。</a:t>
-            </a:r>
-          </a:p>
-          <a:p>
-            <a:r>
-              <a:rPr lang="en-US" altLang="zh-CN" sz="2133" dirty="0">
-                <a:solidFill>
-                  <a:schemeClr val="bg1"/>
-                </a:solidFill>
-                <a:latin typeface="迷你简艺黑" panose="03000509000000000000" pitchFamily="65" charset="-122"/>
-                <a:ea typeface="迷你简艺黑" panose="03000509000000000000" pitchFamily="65" charset="-122"/>
-              </a:rPr>
-              <a:t>4</a:t>
-            </a:r>
-            <a:r>
-              <a:rPr lang="zh-CN" altLang="en-US" sz="2133" dirty="0">
-                <a:solidFill>
-                  <a:schemeClr val="bg1"/>
-                </a:solidFill>
-                <a:latin typeface="迷你简艺黑" panose="03000509000000000000" pitchFamily="65" charset="-122"/>
-                <a:ea typeface="迷你简艺黑" panose="03000509000000000000" pitchFamily="65" charset="-122"/>
-              </a:rPr>
-              <a:t>、对需求的评审，可以确保强调的是需要解决的业务问题是什么，而不是规定如何解决。</a:t>
-            </a:r>
-          </a:p>
-          <a:p>
-            <a:endParaRPr lang="zh-CN" altLang="en-US" sz="2133" dirty="0">
-              <a:solidFill>
-                <a:schemeClr val="bg1"/>
-              </a:solidFill>
-              <a:latin typeface="迷你简艺黑" panose="03000509000000000000" pitchFamily="65" charset="-122"/>
-              <a:ea typeface="迷你简艺黑" panose="03000509000000000000" pitchFamily="65" charset="-122"/>
-            </a:endParaRPr>
-          </a:p>
-          <a:p>
-            <a:endParaRPr lang="zh-CN" altLang="en-US" sz="2133" dirty="0">
-              <a:solidFill>
-                <a:schemeClr val="bg1"/>
-              </a:solidFill>
-              <a:latin typeface="迷你简艺黑" panose="03000509000000000000" pitchFamily="65" charset="-122"/>
-              <a:ea typeface="迷你简艺黑" panose="03000509000000000000" pitchFamily="65" charset="-122"/>
-            </a:endParaRPr>
-          </a:p>
-        </p:txBody>
-      </p:sp>
-    </p:spTree>
-    <p:custDataLst>
-      <p:tags r:id="rId1"/>
-    </p:custDataLst>
-    <p:extLst>
-      <p:ext uri="{BB962C8B-B14F-4D97-AF65-F5344CB8AC3E}">
-        <p14:creationId xmlns:p14="http://schemas.microsoft.com/office/powerpoint/2010/main" val="2746276134"/>
       </p:ext>
     </p:extLst>
   </p:cSld>
@@ -21946,8 +20927,8 @@
         </p:nvSpPr>
         <p:spPr bwMode="auto">
           <a:xfrm>
-            <a:off x="793328" y="487892"/>
-            <a:ext cx="4251113" cy="410433"/>
+            <a:off x="793327" y="487892"/>
+            <a:ext cx="3664373" cy="820866"/>
           </a:xfrm>
           <a:prstGeom prst="rect">
             <a:avLst/>
@@ -22004,7 +20985,7 @@
                 <a:latin typeface="微软雅黑" panose="020B0503020204020204" pitchFamily="34" charset="-122"/>
                 <a:ea typeface="微软雅黑" panose="020B0503020204020204" pitchFamily="34" charset="-122"/>
               </a:rPr>
-              <a:t>需求确认方面的风险</a:t>
+              <a:t>编写需求规格说明方面的风险</a:t>
             </a:r>
             <a:r>
               <a:rPr lang="zh-CN" altLang="en-US" sz="2667" b="1" dirty="0">
@@ -22124,8 +21105,8 @@
         </p:nvSpPr>
         <p:spPr>
           <a:xfrm>
-            <a:off x="793327" y="2840779"/>
-            <a:ext cx="3518747" cy="1405256"/>
+            <a:off x="714588" y="2840779"/>
+            <a:ext cx="4875953" cy="1733488"/>
           </a:xfrm>
           <a:prstGeom prst="rect">
             <a:avLst/>
@@ -22146,7 +21127,7 @@
                 <a:latin typeface="迷你简艺黑" panose="03000509000000000000" pitchFamily="65" charset="-122"/>
                 <a:ea typeface="迷你简艺黑" panose="03000509000000000000" pitchFamily="65" charset="-122"/>
               </a:rPr>
-              <a:t>1、未经确认的需求引发的风险</a:t>
+              <a:t>1、需求理解引发的风险</a:t>
             </a:r>
           </a:p>
           <a:p>
@@ -22159,7 +21140,33 @@
                 <a:latin typeface="迷你简艺黑" panose="03000509000000000000" pitchFamily="65" charset="-122"/>
                 <a:ea typeface="迷你简艺黑" panose="03000509000000000000" pitchFamily="65" charset="-122"/>
               </a:rPr>
-              <a:t>2、审查熟练程度引发的风险</a:t>
+              <a:t>2、尽管问题待确定但迫于时间压               力而继续向前引发的风险</a:t>
+            </a:r>
+          </a:p>
+          <a:p>
+            <a:pPr indent="480048"/>
+            <a:r>
+              <a:rPr sz="2133" dirty="0">
+                <a:solidFill>
+                  <a:schemeClr val="bg1"/>
+                </a:solidFill>
+                <a:latin typeface="迷你简艺黑" panose="03000509000000000000" pitchFamily="65" charset="-122"/>
+                <a:ea typeface="迷你简艺黑" panose="03000509000000000000" pitchFamily="65" charset="-122"/>
+              </a:rPr>
+              <a:t>3、具有二义性的术语引发的风险</a:t>
+            </a:r>
+          </a:p>
+          <a:p>
+            <a:pPr indent="480048"/>
+            <a:r>
+              <a:rPr sz="2133" dirty="0">
+                <a:solidFill>
+                  <a:schemeClr val="bg1"/>
+                </a:solidFill>
+                <a:latin typeface="迷你简艺黑" panose="03000509000000000000" pitchFamily="65" charset="-122"/>
+                <a:ea typeface="迷你简艺黑" panose="03000509000000000000" pitchFamily="65" charset="-122"/>
+              </a:rPr>
+              <a:t>4、需求中包括设计引发的风险</a:t>
             </a:r>
           </a:p>
         </p:txBody>
@@ -22207,7 +21214,7 @@
         </p:nvSpPr>
         <p:spPr>
           <a:xfrm>
-            <a:off x="4564597" y="5529916"/>
+            <a:off x="5283417" y="5529916"/>
             <a:ext cx="317440" cy="317440"/>
           </a:xfrm>
           <a:prstGeom prst="ellipse">
@@ -22257,7 +21264,7 @@
         </p:nvCxnSpPr>
         <p:spPr>
           <a:xfrm rot="16200000" flipH="1">
-            <a:off x="3385787" y="4178094"/>
+            <a:off x="4104607" y="4178094"/>
             <a:ext cx="2688492" cy="13431"/>
           </a:xfrm>
           <a:prstGeom prst="line">
@@ -22292,8 +21299,8 @@
         </p:nvSpPr>
         <p:spPr>
           <a:xfrm>
-            <a:off x="5273040" y="2475866"/>
-            <a:ext cx="6534573" cy="2389950"/>
+            <a:off x="5891954" y="1989879"/>
+            <a:ext cx="5773420" cy="4359335"/>
           </a:xfrm>
           <a:prstGeom prst="rect">
             <a:avLst/>
@@ -22335,7 +21342,7 @@
                 <a:latin typeface="迷你简艺黑" panose="03000509000000000000" pitchFamily="65" charset="-122"/>
                 <a:ea typeface="迷你简艺黑" panose="03000509000000000000" pitchFamily="65" charset="-122"/>
               </a:rPr>
-              <a:t>、在构造设计开始之前，确认需求的正确性和质量，应该为质量保证活动预留出一定的时间并提供资源，要确保客户参与需求审查活动。</a:t>
+              <a:t>、对需求文档进行正式评审的团队应该包括开发人员、测试人员和客户，以减小需求的不同理解造成的风险。</a:t>
             </a:r>
           </a:p>
           <a:p>
@@ -22357,8 +21364,90 @@
                 <a:latin typeface="迷你简艺黑" panose="03000509000000000000" pitchFamily="65" charset="-122"/>
                 <a:ea typeface="迷你简艺黑" panose="03000509000000000000" pitchFamily="65" charset="-122"/>
               </a:rPr>
-              <a:t>、要对参与需求文档审查的所有团队成员进行培训，请组织内部有经验的审查人员或者外界的咨询顾问来评述早先的审查。</a:t>
-            </a:r>
+              <a:t>、应该记录下负责最终解释每个</a:t>
+            </a:r>
+            <a:r>
+              <a:rPr lang="en-US" altLang="zh-CN" sz="2133" dirty="0">
+                <a:solidFill>
+                  <a:schemeClr val="bg1"/>
+                </a:solidFill>
+                <a:latin typeface="迷你简艺黑" panose="03000509000000000000" pitchFamily="65" charset="-122"/>
+                <a:ea typeface="迷你简艺黑" panose="03000509000000000000" pitchFamily="65" charset="-122"/>
+              </a:rPr>
+              <a:t>TBD</a:t>
+            </a:r>
+            <a:r>
+              <a:rPr lang="zh-CN" altLang="en-US" sz="2133" dirty="0">
+                <a:solidFill>
+                  <a:schemeClr val="bg1"/>
+                </a:solidFill>
+                <a:latin typeface="迷你简艺黑" panose="03000509000000000000" pitchFamily="65" charset="-122"/>
+                <a:ea typeface="迷你简艺黑" panose="03000509000000000000" pitchFamily="65" charset="-122"/>
+              </a:rPr>
+              <a:t>的负责人的姓名和解决的截止日期。</a:t>
+            </a:r>
+          </a:p>
+          <a:p>
+            <a:r>
+              <a:rPr lang="en-US" altLang="zh-CN" sz="2133" dirty="0">
+                <a:solidFill>
+                  <a:schemeClr val="bg1"/>
+                </a:solidFill>
+                <a:latin typeface="迷你简艺黑" panose="03000509000000000000" pitchFamily="65" charset="-122"/>
+                <a:ea typeface="迷你简艺黑" panose="03000509000000000000" pitchFamily="65" charset="-122"/>
+              </a:rPr>
+              <a:t>3</a:t>
+            </a:r>
+            <a:r>
+              <a:rPr lang="zh-CN" altLang="en-US" sz="2133" dirty="0">
+                <a:solidFill>
+                  <a:schemeClr val="bg1"/>
+                </a:solidFill>
+                <a:latin typeface="迷你简艺黑" panose="03000509000000000000" pitchFamily="65" charset="-122"/>
+                <a:ea typeface="迷你简艺黑" panose="03000509000000000000" pitchFamily="65" charset="-122"/>
+              </a:rPr>
+              <a:t>、创建一个数据字典来定义一些术语的条目和结构，对软件需求说明的评审可以帮助参与者对关键术语和概念达成一致的理解。</a:t>
+            </a:r>
+          </a:p>
+          <a:p>
+            <a:r>
+              <a:rPr lang="en-US" altLang="zh-CN" sz="2133" dirty="0">
+                <a:solidFill>
+                  <a:schemeClr val="bg1"/>
+                </a:solidFill>
+                <a:latin typeface="迷你简艺黑" panose="03000509000000000000" pitchFamily="65" charset="-122"/>
+                <a:ea typeface="迷你简艺黑" panose="03000509000000000000" pitchFamily="65" charset="-122"/>
+              </a:rPr>
+              <a:t>4</a:t>
+            </a:r>
+            <a:r>
+              <a:rPr lang="zh-CN" altLang="en-US" sz="2133" dirty="0">
+                <a:solidFill>
+                  <a:schemeClr val="bg1"/>
+                </a:solidFill>
+                <a:latin typeface="迷你简艺黑" panose="03000509000000000000" pitchFamily="65" charset="-122"/>
+                <a:ea typeface="迷你简艺黑" panose="03000509000000000000" pitchFamily="65" charset="-122"/>
+              </a:rPr>
+              <a:t>、对需求的评审，可以确保强调的是需要解决的业务问题是什么，而不是规定如何解决。</a:t>
+            </a:r>
+          </a:p>
+          <a:p>
+            <a:endParaRPr lang="zh-CN" altLang="en-US" sz="2133" dirty="0">
+              <a:solidFill>
+                <a:schemeClr val="bg1"/>
+              </a:solidFill>
+              <a:latin typeface="迷你简艺黑" panose="03000509000000000000" pitchFamily="65" charset="-122"/>
+              <a:ea typeface="迷你简艺黑" panose="03000509000000000000" pitchFamily="65" charset="-122"/>
+            </a:endParaRPr>
+          </a:p>
+          <a:p>
+            <a:endParaRPr lang="zh-CN" altLang="en-US" sz="2133" dirty="0">
+              <a:solidFill>
+                <a:schemeClr val="bg1"/>
+              </a:solidFill>
+              <a:latin typeface="迷你简艺黑" panose="03000509000000000000" pitchFamily="65" charset="-122"/>
+              <a:ea typeface="迷你简艺黑" panose="03000509000000000000" pitchFamily="65" charset="-122"/>
+            </a:endParaRPr>
           </a:p>
         </p:txBody>
       </p:sp>
@@ -22368,7 +21457,7 @@
     </p:custDataLst>
     <p:extLst>
       <p:ext uri="{BB962C8B-B14F-4D97-AF65-F5344CB8AC3E}">
-        <p14:creationId xmlns:p14="http://schemas.microsoft.com/office/powerpoint/2010/main" val="1548929005"/>
+        <p14:creationId xmlns:p14="http://schemas.microsoft.com/office/powerpoint/2010/main" val="2746276134"/>
       </p:ext>
     </p:extLst>
   </p:cSld>
@@ -22960,7 +22049,7 @@
                 <a:latin typeface="微软雅黑" panose="020B0503020204020204" pitchFamily="34" charset="-122"/>
                 <a:ea typeface="微软雅黑" panose="020B0503020204020204" pitchFamily="34" charset="-122"/>
               </a:rPr>
-              <a:t>需求管理方面的风险</a:t>
+              <a:t>需求确认方面的风险</a:t>
             </a:r>
             <a:r>
               <a:rPr lang="zh-CN" altLang="en-US" sz="2667" b="1" dirty="0">
@@ -23080,8 +22169,8 @@
         </p:nvSpPr>
         <p:spPr>
           <a:xfrm>
-            <a:off x="793327" y="2719705"/>
-            <a:ext cx="3518747" cy="2389950"/>
+            <a:off x="793327" y="2840779"/>
+            <a:ext cx="3518747" cy="1405256"/>
           </a:xfrm>
           <a:prstGeom prst="rect">
             <a:avLst/>
@@ -23102,7 +22191,7 @@
                 <a:latin typeface="迷你简艺黑" panose="03000509000000000000" pitchFamily="65" charset="-122"/>
                 <a:ea typeface="迷你简艺黑" panose="03000509000000000000" pitchFamily="65" charset="-122"/>
               </a:rPr>
-              <a:t>1、变更需求引发的风险</a:t>
+              <a:t>1、未经确认的需求引发的风险</a:t>
             </a:r>
           </a:p>
           <a:p>
@@ -23115,33 +22204,7 @@
                 <a:latin typeface="迷你简艺黑" panose="03000509000000000000" pitchFamily="65" charset="-122"/>
                 <a:ea typeface="迷你简艺黑" panose="03000509000000000000" pitchFamily="65" charset="-122"/>
               </a:rPr>
-              <a:t>2、需求变更过程引发的风险</a:t>
-            </a:r>
-          </a:p>
-          <a:p>
-            <a:pPr indent="480048"/>
-            <a:r>
-              <a:rPr sz="2133" dirty="0">
-                <a:solidFill>
-                  <a:schemeClr val="bg1"/>
-                </a:solidFill>
-                <a:latin typeface="迷你简艺黑" panose="03000509000000000000" pitchFamily="65" charset="-122"/>
-                <a:ea typeface="迷你简艺黑" panose="03000509000000000000" pitchFamily="65" charset="-122"/>
-              </a:rPr>
-              <a:t>3、为实现的需求引发的风险</a:t>
-            </a:r>
-          </a:p>
-          <a:p>
-            <a:pPr indent="480048"/>
-            <a:r>
-              <a:rPr sz="2133" dirty="0">
-                <a:solidFill>
-                  <a:schemeClr val="bg1"/>
-                </a:solidFill>
-                <a:latin typeface="迷你简艺黑" panose="03000509000000000000" pitchFamily="65" charset="-122"/>
-                <a:ea typeface="迷你简艺黑" panose="03000509000000000000" pitchFamily="65" charset="-122"/>
-              </a:rPr>
-              <a:t>4、扩大目标范围引发的风险</a:t>
+              <a:t>2、审查熟练程度引发的风险</a:t>
             </a:r>
           </a:p>
         </p:txBody>
@@ -23274,8 +22337,8 @@
         </p:nvSpPr>
         <p:spPr>
           <a:xfrm>
-            <a:off x="5044441" y="2079626"/>
-            <a:ext cx="7104380" cy="3702873"/>
+            <a:off x="5273040" y="2475866"/>
+            <a:ext cx="6534573" cy="2389950"/>
           </a:xfrm>
           <a:prstGeom prst="rect">
             <a:avLst/>
@@ -23317,7 +22380,7 @@
                 <a:latin typeface="迷你简艺黑" panose="03000509000000000000" pitchFamily="65" charset="-122"/>
                 <a:ea typeface="迷你简艺黑" panose="03000509000000000000" pitchFamily="65" charset="-122"/>
               </a:rPr>
-              <a:t>、应该推迟实现那些很可能还要发生变更的需求，待确定之后再实现，并在设计时要考虑到应该使系统易于修改。</a:t>
+              <a:t>、在构造设计开始之前，确认需求的正确性和质量，应该为质量保证活动预留出一定的时间并提供资源，要确保客户参与需求审查活动。</a:t>
             </a:r>
           </a:p>
           <a:p>
@@ -23339,61 +22402,8 @@
                 <a:latin typeface="迷你简艺黑" panose="03000509000000000000" pitchFamily="65" charset="-122"/>
                 <a:ea typeface="迷你简艺黑" panose="03000509000000000000" pitchFamily="65" charset="-122"/>
               </a:rPr>
-              <a:t>、需求变更过程要包括对提议的变更进行影响分析，组建变更控制委员会作出决策，使用工具支持预定义的过程。</a:t>
-            </a:r>
-          </a:p>
-          <a:p>
-            <a:r>
-              <a:rPr lang="en-US" altLang="zh-CN" sz="2133" dirty="0">
-                <a:solidFill>
-                  <a:schemeClr val="bg1"/>
-                </a:solidFill>
-                <a:latin typeface="迷你简艺黑" panose="03000509000000000000" pitchFamily="65" charset="-122"/>
-                <a:ea typeface="迷你简艺黑" panose="03000509000000000000" pitchFamily="65" charset="-122"/>
-              </a:rPr>
-              <a:t>3</a:t>
-            </a:r>
-            <a:r>
-              <a:rPr lang="zh-CN" altLang="en-US" sz="2133" dirty="0">
-                <a:solidFill>
-                  <a:schemeClr val="bg1"/>
-                </a:solidFill>
-                <a:latin typeface="迷你简艺黑" panose="03000509000000000000" pitchFamily="65" charset="-122"/>
-                <a:ea typeface="迷你简艺黑" panose="03000509000000000000" pitchFamily="65" charset="-122"/>
-              </a:rPr>
-              <a:t>、需求跟踪矩阵有助于在设计、构造或者测试期间避免遗漏任何需求</a:t>
-            </a:r>
-          </a:p>
-          <a:p>
-            <a:r>
-              <a:rPr lang="en-US" altLang="zh-CN" sz="2133" dirty="0">
-                <a:solidFill>
-                  <a:schemeClr val="bg1"/>
-                </a:solidFill>
-                <a:latin typeface="迷你简艺黑" panose="03000509000000000000" pitchFamily="65" charset="-122"/>
-                <a:ea typeface="迷你简艺黑" panose="03000509000000000000" pitchFamily="65" charset="-122"/>
-              </a:rPr>
-              <a:t>4</a:t>
-            </a:r>
-            <a:r>
-              <a:rPr lang="zh-CN" altLang="en-US" sz="2133" dirty="0">
-                <a:solidFill>
-                  <a:schemeClr val="bg1"/>
-                </a:solidFill>
-                <a:latin typeface="迷你简艺黑" panose="03000509000000000000" pitchFamily="65" charset="-122"/>
-                <a:ea typeface="迷你简艺黑" panose="03000509000000000000" pitchFamily="65" charset="-122"/>
-              </a:rPr>
-              <a:t>、应该制定分阶段或者增量的交付产品的实现计划。在初始版本中先实现核心功能，在以后的迭代中再逐步增加系统功能</a:t>
-            </a:r>
-          </a:p>
-          <a:p>
-            <a:endParaRPr lang="zh-CN" altLang="en-US" sz="2133" dirty="0">
-              <a:solidFill>
-                <a:schemeClr val="bg1"/>
-              </a:solidFill>
-              <a:latin typeface="迷你简艺黑" panose="03000509000000000000" pitchFamily="65" charset="-122"/>
-              <a:ea typeface="迷你简艺黑" panose="03000509000000000000" pitchFamily="65" charset="-122"/>
-            </a:endParaRPr>
+              <a:t>、要对参与需求文档审查的所有团队成员进行培训，请组织内部有经验的审查人员或者外界的咨询顾问来评述早先的审查。</a:t>
+            </a:r>
           </a:p>
         </p:txBody>
       </p:sp>
@@ -23403,7 +22413,7 @@
     </p:custDataLst>
     <p:extLst>
       <p:ext uri="{BB962C8B-B14F-4D97-AF65-F5344CB8AC3E}">
-        <p14:creationId xmlns:p14="http://schemas.microsoft.com/office/powerpoint/2010/main" val="1704944662"/>
+        <p14:creationId xmlns:p14="http://schemas.microsoft.com/office/powerpoint/2010/main" val="1548929005"/>
       </p:ext>
     </p:extLst>
   </p:cSld>
@@ -24255,8 +23265,8 @@
   <p:transition spd="slow">
     <p:fade thruBlk="1"/>
   </p:transition>
-  <mc:AlternateContent xmlns:mc="http://schemas.openxmlformats.org/markup-compatibility/2006">
-    <mc:Choice xmlns:p14="http://schemas.microsoft.com/office/powerpoint/2010/main" Requires="p14">
+  <mc:AlternateContent xmlns:mc="http://schemas.openxmlformats.org/markup-compatibility/2006" xmlns:p14="http://schemas.microsoft.com/office/powerpoint/2010/main">
+    <mc:Choice Requires="p14">
       <p:timing>
         <p:tnLst>
           <p:par>
@@ -24486,7 +23496,7 @@
         </p:bldLst>
       </p:timing>
     </mc:Choice>
-    <mc:Fallback>
+    <mc:Fallback xmlns="">
       <p:timing>
         <p:tnLst>
           <p:par>
@@ -24721,6 +23731,1041 @@
 </file>
 
 <file path=ppt/slides/slide30.xml><?xml version="1.0" encoding="utf-8"?>
+<p:sld xmlns:a="http://schemas.openxmlformats.org/drawingml/2006/main" xmlns:r="http://schemas.openxmlformats.org/officeDocument/2006/relationships" xmlns:p="http://schemas.openxmlformats.org/presentationml/2006/main">
+  <p:cSld>
+    <p:spTree>
+      <p:nvGrpSpPr>
+        <p:cNvPr id="1" name=""/>
+        <p:cNvGrpSpPr/>
+        <p:nvPr/>
+      </p:nvGrpSpPr>
+      <p:grpSpPr>
+        <a:xfrm>
+          <a:off x="0" y="0"/>
+          <a:ext cx="0" cy="0"/>
+          <a:chOff x="0" y="0"/>
+          <a:chExt cx="0" cy="0"/>
+        </a:xfrm>
+      </p:grpSpPr>
+      <p:sp>
+        <p:nvSpPr>
+          <p:cNvPr id="55" name="Rectangle 39"/>
+          <p:cNvSpPr>
+            <a:spLocks noChangeArrowheads="1"/>
+          </p:cNvSpPr>
+          <p:nvPr/>
+        </p:nvSpPr>
+        <p:spPr bwMode="auto">
+          <a:xfrm>
+            <a:off x="793328" y="487892"/>
+            <a:ext cx="4251113" cy="410433"/>
+          </a:xfrm>
+          <a:prstGeom prst="rect">
+            <a:avLst/>
+          </a:prstGeom>
+          <a:noFill/>
+          <a:ln>
+            <a:noFill/>
+          </a:ln>
+          <a:extLst>
+            <a:ext uri="{909E8E84-426E-40DD-AFC4-6F175D3DCCD1}">
+              <a14:hiddenFill xmlns:a14="http://schemas.microsoft.com/office/drawing/2010/main">
+                <a:solidFill>
+                  <a:srgbClr val="FFFFFF"/>
+                </a:solidFill>
+              </a14:hiddenFill>
+            </a:ext>
+            <a:ext uri="{91240B29-F687-4F45-9708-019B960494DF}">
+              <a14:hiddenLine xmlns:a14="http://schemas.microsoft.com/office/drawing/2010/main" w="9525">
+                <a:solidFill>
+                  <a:srgbClr val="000000"/>
+                </a:solidFill>
+                <a:miter lim="800000"/>
+                <a:headEnd/>
+                <a:tailEnd/>
+              </a14:hiddenLine>
+            </a:ext>
+          </a:extLst>
+        </p:spPr>
+        <p:txBody>
+          <a:bodyPr wrap="square" lIns="0" tIns="0" rIns="0" bIns="0">
+            <a:spAutoFit/>
+          </a:bodyPr>
+          <a:lstStyle/>
+          <a:p>
+            <a:pPr>
+              <a:buFont typeface="Arial" panose="020B0604020202020204" pitchFamily="34" charset="0"/>
+              <a:buNone/>
+            </a:pPr>
+            <a:r>
+              <a:rPr sz="2667" b="1" dirty="0">
+                <a:blipFill dpi="0" rotWithShape="1">
+                  <a:blip r:embed="rId4">
+                    <a:extLst>
+                      <a:ext uri="{28A0092B-C50C-407E-A947-70E740481C1C}">
+                        <a14:useLocalDpi xmlns:a14="http://schemas.microsoft.com/office/drawing/2010/main" val="0"/>
+                      </a:ext>
+                    </a:extLst>
+                  </a:blip>
+                  <a:srcRect/>
+                  <a:stretch>
+                    <a:fillRect/>
+                  </a:stretch>
+                </a:blipFill>
+                <a:latin typeface="微软雅黑" panose="020B0503020204020204" pitchFamily="34" charset="-122"/>
+                <a:ea typeface="微软雅黑" panose="020B0503020204020204" pitchFamily="34" charset="-122"/>
+              </a:rPr>
+              <a:t>需求管理方面的风险</a:t>
+            </a:r>
+            <a:r>
+              <a:rPr lang="zh-CN" altLang="en-US" sz="2667" b="1" dirty="0">
+                <a:blipFill dpi="0" rotWithShape="1">
+                  <a:blip r:embed="rId4">
+                    <a:extLst>
+                      <a:ext uri="{28A0092B-C50C-407E-A947-70E740481C1C}">
+                        <a14:useLocalDpi xmlns:a14="http://schemas.microsoft.com/office/drawing/2010/main" val="0"/>
+                      </a:ext>
+                    </a:extLst>
+                  </a:blip>
+                  <a:srcRect/>
+                  <a:stretch>
+                    <a:fillRect/>
+                  </a:stretch>
+                </a:blipFill>
+                <a:latin typeface="微软雅黑" panose="020B0503020204020204" pitchFamily="34" charset="-122"/>
+                <a:ea typeface="微软雅黑" panose="020B0503020204020204" pitchFamily="34" charset="-122"/>
+              </a:rPr>
+              <a:t>与措施</a:t>
+            </a:r>
+          </a:p>
+        </p:txBody>
+      </p:sp>
+      <p:cxnSp>
+        <p:nvCxnSpPr>
+          <p:cNvPr id="8" name="Straight Connector 7"/>
+          <p:cNvCxnSpPr/>
+          <p:nvPr/>
+        </p:nvCxnSpPr>
+        <p:spPr>
+          <a:xfrm>
+            <a:off x="4964" y="5654163"/>
+            <a:ext cx="12144000" cy="2421"/>
+          </a:xfrm>
+          <a:prstGeom prst="line">
+            <a:avLst/>
+          </a:prstGeom>
+          <a:ln w="12700" cap="flat">
+            <a:solidFill>
+              <a:schemeClr val="bg1"/>
+            </a:solidFill>
+            <a:prstDash val="sysDash"/>
+            <a:round/>
+          </a:ln>
+        </p:spPr>
+        <p:style>
+          <a:lnRef idx="1">
+            <a:schemeClr val="accent1"/>
+          </a:lnRef>
+          <a:fillRef idx="0">
+            <a:schemeClr val="accent1"/>
+          </a:fillRef>
+          <a:effectRef idx="0">
+            <a:schemeClr val="accent1"/>
+          </a:effectRef>
+          <a:fontRef idx="minor">
+            <a:schemeClr val="tx1"/>
+          </a:fontRef>
+        </p:style>
+      </p:cxnSp>
+      <p:sp>
+        <p:nvSpPr>
+          <p:cNvPr id="9" name="Oval 12"/>
+          <p:cNvSpPr/>
+          <p:nvPr/>
+        </p:nvSpPr>
+        <p:spPr>
+          <a:xfrm>
+            <a:off x="583407" y="5495443"/>
+            <a:ext cx="317440" cy="317440"/>
+          </a:xfrm>
+          <a:prstGeom prst="ellipse">
+            <a:avLst/>
+          </a:prstGeom>
+          <a:solidFill>
+            <a:schemeClr val="accent1"/>
+          </a:solidFill>
+          <a:ln>
+            <a:noFill/>
+          </a:ln>
+        </p:spPr>
+        <p:style>
+          <a:lnRef idx="2">
+            <a:schemeClr val="accent1">
+              <a:shade val="50000"/>
+            </a:schemeClr>
+          </a:lnRef>
+          <a:fillRef idx="1">
+            <a:schemeClr val="accent1"/>
+          </a:fillRef>
+          <a:effectRef idx="0">
+            <a:schemeClr val="accent1"/>
+          </a:effectRef>
+          <a:fontRef idx="minor">
+            <a:schemeClr val="lt1"/>
+          </a:fontRef>
+        </p:style>
+        <p:txBody>
+          <a:bodyPr rtlCol="0" anchor="ctr"/>
+          <a:lstStyle/>
+          <a:p>
+            <a:pPr algn="ctr"/>
+            <a:endParaRPr lang="en-US" sz="1867">
+              <a:solidFill>
+                <a:schemeClr val="bg1"/>
+              </a:solidFill>
+            </a:endParaRPr>
+          </a:p>
+        </p:txBody>
+      </p:sp>
+      <p:sp>
+        <p:nvSpPr>
+          <p:cNvPr id="12" name="Rectangle 44"/>
+          <p:cNvSpPr/>
+          <p:nvPr/>
+        </p:nvSpPr>
+        <p:spPr>
+          <a:xfrm>
+            <a:off x="793327" y="2719705"/>
+            <a:ext cx="3518747" cy="2389950"/>
+          </a:xfrm>
+          <a:prstGeom prst="rect">
+            <a:avLst/>
+          </a:prstGeom>
+        </p:spPr>
+        <p:txBody>
+          <a:bodyPr wrap="square">
+            <a:spAutoFit/>
+          </a:bodyPr>
+          <a:lstStyle/>
+          <a:p>
+            <a:pPr indent="480048"/>
+            <a:r>
+              <a:rPr sz="2133" dirty="0">
+                <a:solidFill>
+                  <a:schemeClr val="bg1"/>
+                </a:solidFill>
+                <a:latin typeface="迷你简艺黑" panose="03000509000000000000" pitchFamily="65" charset="-122"/>
+                <a:ea typeface="迷你简艺黑" panose="03000509000000000000" pitchFamily="65" charset="-122"/>
+              </a:rPr>
+              <a:t>1、变更需求引发的风险</a:t>
+            </a:r>
+          </a:p>
+          <a:p>
+            <a:pPr indent="480048"/>
+            <a:r>
+              <a:rPr sz="2133" dirty="0">
+                <a:solidFill>
+                  <a:schemeClr val="bg1"/>
+                </a:solidFill>
+                <a:latin typeface="迷你简艺黑" panose="03000509000000000000" pitchFamily="65" charset="-122"/>
+                <a:ea typeface="迷你简艺黑" panose="03000509000000000000" pitchFamily="65" charset="-122"/>
+              </a:rPr>
+              <a:t>2、需求变更过程引发的风险</a:t>
+            </a:r>
+          </a:p>
+          <a:p>
+            <a:pPr indent="480048"/>
+            <a:r>
+              <a:rPr sz="2133" dirty="0">
+                <a:solidFill>
+                  <a:schemeClr val="bg1"/>
+                </a:solidFill>
+                <a:latin typeface="迷你简艺黑" panose="03000509000000000000" pitchFamily="65" charset="-122"/>
+                <a:ea typeface="迷你简艺黑" panose="03000509000000000000" pitchFamily="65" charset="-122"/>
+              </a:rPr>
+              <a:t>3、为实现的需求引发的风险</a:t>
+            </a:r>
+          </a:p>
+          <a:p>
+            <a:pPr indent="480048"/>
+            <a:r>
+              <a:rPr sz="2133" dirty="0">
+                <a:solidFill>
+                  <a:schemeClr val="bg1"/>
+                </a:solidFill>
+                <a:latin typeface="迷你简艺黑" panose="03000509000000000000" pitchFamily="65" charset="-122"/>
+                <a:ea typeface="迷你简艺黑" panose="03000509000000000000" pitchFamily="65" charset="-122"/>
+              </a:rPr>
+              <a:t>4、扩大目标范围引发的风险</a:t>
+            </a:r>
+          </a:p>
+        </p:txBody>
+      </p:sp>
+      <p:cxnSp>
+        <p:nvCxnSpPr>
+          <p:cNvPr id="13" name="Straight Connector 26"/>
+          <p:cNvCxnSpPr/>
+          <p:nvPr/>
+        </p:nvCxnSpPr>
+        <p:spPr>
+          <a:xfrm rot="16200000" flipH="1">
+            <a:off x="-622869" y="4178158"/>
+            <a:ext cx="2688492" cy="13431"/>
+          </a:xfrm>
+          <a:prstGeom prst="line">
+            <a:avLst/>
+          </a:prstGeom>
+          <a:ln>
+            <a:solidFill>
+              <a:schemeClr val="accent1"/>
+            </a:solidFill>
+          </a:ln>
+        </p:spPr>
+        <p:style>
+          <a:lnRef idx="1">
+            <a:schemeClr val="accent1"/>
+          </a:lnRef>
+          <a:fillRef idx="0">
+            <a:schemeClr val="accent1"/>
+          </a:fillRef>
+          <a:effectRef idx="0">
+            <a:schemeClr val="accent1"/>
+          </a:effectRef>
+          <a:fontRef idx="minor">
+            <a:schemeClr val="tx1"/>
+          </a:fontRef>
+        </p:style>
+      </p:cxnSp>
+      <p:sp>
+        <p:nvSpPr>
+          <p:cNvPr id="17" name="Oval 16"/>
+          <p:cNvSpPr/>
+          <p:nvPr/>
+        </p:nvSpPr>
+        <p:spPr>
+          <a:xfrm>
+            <a:off x="4564597" y="5529916"/>
+            <a:ext cx="317440" cy="317440"/>
+          </a:xfrm>
+          <a:prstGeom prst="ellipse">
+            <a:avLst/>
+          </a:prstGeom>
+          <a:solidFill>
+            <a:schemeClr val="accent5"/>
+          </a:solidFill>
+          <a:ln>
+            <a:noFill/>
+          </a:ln>
+        </p:spPr>
+        <p:style>
+          <a:lnRef idx="2">
+            <a:schemeClr val="accent1">
+              <a:shade val="50000"/>
+            </a:schemeClr>
+          </a:lnRef>
+          <a:fillRef idx="1">
+            <a:schemeClr val="accent1"/>
+          </a:fillRef>
+          <a:effectRef idx="0">
+            <a:schemeClr val="accent1"/>
+          </a:effectRef>
+          <a:fontRef idx="minor">
+            <a:schemeClr val="lt1"/>
+          </a:fontRef>
+        </p:style>
+        <p:txBody>
+          <a:bodyPr rtlCol="0" anchor="ctr"/>
+          <a:lstStyle/>
+          <a:p>
+            <a:pPr algn="ctr"/>
+            <a:endParaRPr lang="en-US" sz="1867">
+              <a:solidFill>
+                <a:schemeClr val="bg1"/>
+              </a:solidFill>
+            </a:endParaRPr>
+          </a:p>
+        </p:txBody>
+      </p:sp>
+      <p:cxnSp>
+        <p:nvCxnSpPr>
+          <p:cNvPr id="18" name="Straight Connector 38"/>
+          <p:cNvCxnSpPr/>
+          <p:nvPr/>
+        </p:nvCxnSpPr>
+        <p:spPr>
+          <a:xfrm rot="16200000" flipH="1">
+            <a:off x="3385787" y="4178094"/>
+            <a:ext cx="2688492" cy="13431"/>
+          </a:xfrm>
+          <a:prstGeom prst="line">
+            <a:avLst/>
+          </a:prstGeom>
+          <a:ln>
+            <a:solidFill>
+              <a:schemeClr val="accent5"/>
+            </a:solidFill>
+          </a:ln>
+        </p:spPr>
+        <p:style>
+          <a:lnRef idx="1">
+            <a:schemeClr val="accent1"/>
+          </a:lnRef>
+          <a:fillRef idx="0">
+            <a:schemeClr val="accent1"/>
+          </a:fillRef>
+          <a:effectRef idx="0">
+            <a:schemeClr val="accent1"/>
+          </a:effectRef>
+          <a:fontRef idx="minor">
+            <a:schemeClr val="tx1"/>
+          </a:fontRef>
+        </p:style>
+      </p:cxnSp>
+      <p:sp>
+        <p:nvSpPr>
+          <p:cNvPr id="21" name="Rectangle 50"/>
+          <p:cNvSpPr/>
+          <p:nvPr/>
+        </p:nvSpPr>
+        <p:spPr>
+          <a:xfrm>
+            <a:off x="5044441" y="2079626"/>
+            <a:ext cx="7104380" cy="3702873"/>
+          </a:xfrm>
+          <a:prstGeom prst="rect">
+            <a:avLst/>
+          </a:prstGeom>
+        </p:spPr>
+        <p:txBody>
+          <a:bodyPr wrap="square">
+            <a:spAutoFit/>
+          </a:bodyPr>
+          <a:lstStyle/>
+          <a:p>
+            <a:r>
+              <a:rPr lang="zh-CN" altLang="en-US" sz="2133" dirty="0">
+                <a:solidFill>
+                  <a:schemeClr val="bg1"/>
+                </a:solidFill>
+                <a:latin typeface="迷你简艺黑" panose="03000509000000000000" pitchFamily="65" charset="-122"/>
+                <a:ea typeface="迷你简艺黑" panose="03000509000000000000" pitchFamily="65" charset="-122"/>
+              </a:rPr>
+              <a:t>措施：</a:t>
+            </a:r>
+          </a:p>
+          <a:p>
+            <a:r>
+              <a:rPr lang="en-US" altLang="zh-CN" sz="2133" dirty="0">
+                <a:solidFill>
+                  <a:schemeClr val="bg1"/>
+                </a:solidFill>
+                <a:latin typeface="迷你简艺黑" panose="03000509000000000000" pitchFamily="65" charset="-122"/>
+                <a:ea typeface="迷你简艺黑" panose="03000509000000000000" pitchFamily="65" charset="-122"/>
+              </a:rPr>
+              <a:t>1</a:t>
+            </a:r>
+            <a:r>
+              <a:rPr lang="zh-CN" altLang="en-US" sz="2133" dirty="0">
+                <a:solidFill>
+                  <a:schemeClr val="bg1"/>
+                </a:solidFill>
+                <a:latin typeface="迷你简艺黑" panose="03000509000000000000" pitchFamily="65" charset="-122"/>
+                <a:ea typeface="迷你简艺黑" panose="03000509000000000000" pitchFamily="65" charset="-122"/>
+              </a:rPr>
+              <a:t>、应该推迟实现那些很可能还要发生变更的需求，待确定之后再实现，并在设计时要考虑到应该使系统易于修改。</a:t>
+            </a:r>
+          </a:p>
+          <a:p>
+            <a:r>
+              <a:rPr lang="en-US" altLang="zh-CN" sz="2133" dirty="0">
+                <a:solidFill>
+                  <a:schemeClr val="bg1"/>
+                </a:solidFill>
+                <a:latin typeface="迷你简艺黑" panose="03000509000000000000" pitchFamily="65" charset="-122"/>
+                <a:ea typeface="迷你简艺黑" panose="03000509000000000000" pitchFamily="65" charset="-122"/>
+              </a:rPr>
+              <a:t>2</a:t>
+            </a:r>
+            <a:r>
+              <a:rPr lang="zh-CN" altLang="en-US" sz="2133" dirty="0">
+                <a:solidFill>
+                  <a:schemeClr val="bg1"/>
+                </a:solidFill>
+                <a:latin typeface="迷你简艺黑" panose="03000509000000000000" pitchFamily="65" charset="-122"/>
+                <a:ea typeface="迷你简艺黑" panose="03000509000000000000" pitchFamily="65" charset="-122"/>
+              </a:rPr>
+              <a:t>、需求变更过程要包括对提议的变更进行影响分析，组建变更控制委员会作出决策，使用工具支持预定义的过程。</a:t>
+            </a:r>
+          </a:p>
+          <a:p>
+            <a:r>
+              <a:rPr lang="en-US" altLang="zh-CN" sz="2133" dirty="0">
+                <a:solidFill>
+                  <a:schemeClr val="bg1"/>
+                </a:solidFill>
+                <a:latin typeface="迷你简艺黑" panose="03000509000000000000" pitchFamily="65" charset="-122"/>
+                <a:ea typeface="迷你简艺黑" panose="03000509000000000000" pitchFamily="65" charset="-122"/>
+              </a:rPr>
+              <a:t>3</a:t>
+            </a:r>
+            <a:r>
+              <a:rPr lang="zh-CN" altLang="en-US" sz="2133" dirty="0">
+                <a:solidFill>
+                  <a:schemeClr val="bg1"/>
+                </a:solidFill>
+                <a:latin typeface="迷你简艺黑" panose="03000509000000000000" pitchFamily="65" charset="-122"/>
+                <a:ea typeface="迷你简艺黑" panose="03000509000000000000" pitchFamily="65" charset="-122"/>
+              </a:rPr>
+              <a:t>、需求跟踪矩阵有助于在设计、构造或者测试期间避免遗漏任何需求</a:t>
+            </a:r>
+          </a:p>
+          <a:p>
+            <a:r>
+              <a:rPr lang="en-US" altLang="zh-CN" sz="2133" dirty="0">
+                <a:solidFill>
+                  <a:schemeClr val="bg1"/>
+                </a:solidFill>
+                <a:latin typeface="迷你简艺黑" panose="03000509000000000000" pitchFamily="65" charset="-122"/>
+                <a:ea typeface="迷你简艺黑" panose="03000509000000000000" pitchFamily="65" charset="-122"/>
+              </a:rPr>
+              <a:t>4</a:t>
+            </a:r>
+            <a:r>
+              <a:rPr lang="zh-CN" altLang="en-US" sz="2133" dirty="0">
+                <a:solidFill>
+                  <a:schemeClr val="bg1"/>
+                </a:solidFill>
+                <a:latin typeface="迷你简艺黑" panose="03000509000000000000" pitchFamily="65" charset="-122"/>
+                <a:ea typeface="迷你简艺黑" panose="03000509000000000000" pitchFamily="65" charset="-122"/>
+              </a:rPr>
+              <a:t>、应该制定分阶段或者增量的交付产品的实现计划。在初始版本中先实现核心功能，在以后的迭代中再逐步增加系统功能</a:t>
+            </a:r>
+          </a:p>
+          <a:p>
+            <a:endParaRPr lang="zh-CN" altLang="en-US" sz="2133" dirty="0">
+              <a:solidFill>
+                <a:schemeClr val="bg1"/>
+              </a:solidFill>
+              <a:latin typeface="迷你简艺黑" panose="03000509000000000000" pitchFamily="65" charset="-122"/>
+              <a:ea typeface="迷你简艺黑" panose="03000509000000000000" pitchFamily="65" charset="-122"/>
+            </a:endParaRPr>
+          </a:p>
+        </p:txBody>
+      </p:sp>
+    </p:spTree>
+    <p:custDataLst>
+      <p:tags r:id="rId1"/>
+    </p:custDataLst>
+    <p:extLst>
+      <p:ext uri="{BB962C8B-B14F-4D97-AF65-F5344CB8AC3E}">
+        <p14:creationId xmlns:p14="http://schemas.microsoft.com/office/powerpoint/2010/main" val="1704944662"/>
+      </p:ext>
+    </p:extLst>
+  </p:cSld>
+  <p:clrMapOvr>
+    <a:masterClrMapping/>
+  </p:clrMapOvr>
+  <p:transition spd="slow">
+    <p:fade thruBlk="1"/>
+  </p:transition>
+  <p:timing>
+    <p:tnLst>
+      <p:par>
+        <p:cTn id="1" dur="indefinite" restart="never" nodeType="tmRoot">
+          <p:childTnLst>
+            <p:seq concurrent="1" nextAc="seek">
+              <p:cTn id="2" dur="indefinite" nodeType="mainSeq">
+                <p:childTnLst>
+                  <p:par>
+                    <p:cTn id="3" fill="hold">
+                      <p:stCondLst>
+                        <p:cond delay="indefinite"/>
+                        <p:cond evt="onBegin" delay="0">
+                          <p:tn val="2"/>
+                        </p:cond>
+                      </p:stCondLst>
+                      <p:childTnLst>
+                        <p:par>
+                          <p:cTn id="4" fill="hold">
+                            <p:stCondLst>
+                              <p:cond delay="0"/>
+                            </p:stCondLst>
+                            <p:childTnLst>
+                              <p:par>
+                                <p:cTn id="5" presetID="22" presetClass="entr" presetSubtype="8" fill="hold" grpId="0" nodeType="withEffect">
+                                  <p:stCondLst>
+                                    <p:cond delay="500"/>
+                                  </p:stCondLst>
+                                  <p:childTnLst>
+                                    <p:set>
+                                      <p:cBhvr>
+                                        <p:cTn id="6" dur="1" fill="hold">
+                                          <p:stCondLst>
+                                            <p:cond delay="0"/>
+                                          </p:stCondLst>
+                                        </p:cTn>
+                                        <p:tgtEl>
+                                          <p:spTgt spid="55"/>
+                                        </p:tgtEl>
+                                        <p:attrNameLst>
+                                          <p:attrName>style.visibility</p:attrName>
+                                        </p:attrNameLst>
+                                      </p:cBhvr>
+                                      <p:to>
+                                        <p:strVal val="visible"/>
+                                      </p:to>
+                                    </p:set>
+                                    <p:animEffect transition="in" filter="wipe(left)">
+                                      <p:cBhvr>
+                                        <p:cTn id="7" dur="500"/>
+                                        <p:tgtEl>
+                                          <p:spTgt spid="55"/>
+                                        </p:tgtEl>
+                                      </p:cBhvr>
+                                    </p:animEffect>
+                                  </p:childTnLst>
+                                </p:cTn>
+                              </p:par>
+                            </p:childTnLst>
+                          </p:cTn>
+                        </p:par>
+                        <p:par>
+                          <p:cTn id="8" fill="hold">
+                            <p:stCondLst>
+                              <p:cond delay="1000"/>
+                            </p:stCondLst>
+                            <p:childTnLst>
+                              <p:par>
+                                <p:cTn id="9" presetID="22" presetClass="entr" presetSubtype="8" fill="hold" nodeType="afterEffect">
+                                  <p:stCondLst>
+                                    <p:cond delay="0"/>
+                                  </p:stCondLst>
+                                  <p:childTnLst>
+                                    <p:set>
+                                      <p:cBhvr>
+                                        <p:cTn id="10" dur="1" fill="hold">
+                                          <p:stCondLst>
+                                            <p:cond delay="0"/>
+                                          </p:stCondLst>
+                                        </p:cTn>
+                                        <p:tgtEl>
+                                          <p:spTgt spid="8"/>
+                                        </p:tgtEl>
+                                        <p:attrNameLst>
+                                          <p:attrName>style.visibility</p:attrName>
+                                        </p:attrNameLst>
+                                      </p:cBhvr>
+                                      <p:to>
+                                        <p:strVal val="visible"/>
+                                      </p:to>
+                                    </p:set>
+                                    <p:animEffect transition="in" filter="wipe(left)">
+                                      <p:cBhvr>
+                                        <p:cTn id="11" dur="750"/>
+                                        <p:tgtEl>
+                                          <p:spTgt spid="8"/>
+                                        </p:tgtEl>
+                                      </p:cBhvr>
+                                    </p:animEffect>
+                                  </p:childTnLst>
+                                </p:cTn>
+                              </p:par>
+                            </p:childTnLst>
+                          </p:cTn>
+                        </p:par>
+                        <p:par>
+                          <p:cTn id="12" fill="hold">
+                            <p:stCondLst>
+                              <p:cond delay="2000"/>
+                            </p:stCondLst>
+                            <p:childTnLst>
+                              <p:par>
+                                <p:cTn id="13" presetID="10" presetClass="entr" presetSubtype="0" fill="hold" grpId="0" nodeType="afterEffect">
+                                  <p:stCondLst>
+                                    <p:cond delay="0"/>
+                                  </p:stCondLst>
+                                  <p:childTnLst>
+                                    <p:set>
+                                      <p:cBhvr>
+                                        <p:cTn id="14" dur="1" fill="hold">
+                                          <p:stCondLst>
+                                            <p:cond delay="0"/>
+                                          </p:stCondLst>
+                                        </p:cTn>
+                                        <p:tgtEl>
+                                          <p:spTgt spid="9"/>
+                                        </p:tgtEl>
+                                        <p:attrNameLst>
+                                          <p:attrName>style.visibility</p:attrName>
+                                        </p:attrNameLst>
+                                      </p:cBhvr>
+                                      <p:to>
+                                        <p:strVal val="visible"/>
+                                      </p:to>
+                                    </p:set>
+                                    <p:animEffect transition="in" filter="fade">
+                                      <p:cBhvr>
+                                        <p:cTn id="15" dur="500"/>
+                                        <p:tgtEl>
+                                          <p:spTgt spid="9"/>
+                                        </p:tgtEl>
+                                      </p:cBhvr>
+                                    </p:animEffect>
+                                  </p:childTnLst>
+                                </p:cTn>
+                              </p:par>
+                              <p:par>
+                                <p:cTn id="16" presetID="10" presetClass="entr" presetSubtype="0" fill="hold" grpId="0" nodeType="withEffect">
+                                  <p:stCondLst>
+                                    <p:cond delay="500"/>
+                                  </p:stCondLst>
+                                  <p:childTnLst>
+                                    <p:set>
+                                      <p:cBhvr>
+                                        <p:cTn id="17" dur="1" fill="hold">
+                                          <p:stCondLst>
+                                            <p:cond delay="0"/>
+                                          </p:stCondLst>
+                                        </p:cTn>
+                                        <p:tgtEl>
+                                          <p:spTgt spid="17"/>
+                                        </p:tgtEl>
+                                        <p:attrNameLst>
+                                          <p:attrName>style.visibility</p:attrName>
+                                        </p:attrNameLst>
+                                      </p:cBhvr>
+                                      <p:to>
+                                        <p:strVal val="visible"/>
+                                      </p:to>
+                                    </p:set>
+                                    <p:animEffect transition="in" filter="fade">
+                                      <p:cBhvr>
+                                        <p:cTn id="18" dur="500"/>
+                                        <p:tgtEl>
+                                          <p:spTgt spid="17"/>
+                                        </p:tgtEl>
+                                      </p:cBhvr>
+                                    </p:animEffect>
+                                  </p:childTnLst>
+                                </p:cTn>
+                              </p:par>
+                            </p:childTnLst>
+                          </p:cTn>
+                        </p:par>
+                      </p:childTnLst>
+                    </p:cTn>
+                  </p:par>
+                  <p:par>
+                    <p:cTn id="19" fill="hold">
+                      <p:stCondLst>
+                        <p:cond delay="indefinite"/>
+                      </p:stCondLst>
+                      <p:childTnLst>
+                        <p:par>
+                          <p:cTn id="20" fill="hold">
+                            <p:stCondLst>
+                              <p:cond delay="0"/>
+                            </p:stCondLst>
+                            <p:childTnLst>
+                              <p:par>
+                                <p:cTn id="21" presetID="22" presetClass="entr" presetSubtype="4" fill="hold" nodeType="clickEffect">
+                                  <p:stCondLst>
+                                    <p:cond delay="0"/>
+                                  </p:stCondLst>
+                                  <p:childTnLst>
+                                    <p:set>
+                                      <p:cBhvr>
+                                        <p:cTn id="22" dur="1" fill="hold">
+                                          <p:stCondLst>
+                                            <p:cond delay="0"/>
+                                          </p:stCondLst>
+                                        </p:cTn>
+                                        <p:tgtEl>
+                                          <p:spTgt spid="13"/>
+                                        </p:tgtEl>
+                                        <p:attrNameLst>
+                                          <p:attrName>style.visibility</p:attrName>
+                                        </p:attrNameLst>
+                                      </p:cBhvr>
+                                      <p:to>
+                                        <p:strVal val="visible"/>
+                                      </p:to>
+                                    </p:set>
+                                    <p:animEffect transition="in" filter="wipe(down)">
+                                      <p:cBhvr>
+                                        <p:cTn id="23" dur="500"/>
+                                        <p:tgtEl>
+                                          <p:spTgt spid="13"/>
+                                        </p:tgtEl>
+                                      </p:cBhvr>
+                                    </p:animEffect>
+                                  </p:childTnLst>
+                                </p:cTn>
+                              </p:par>
+                              <p:par>
+                                <p:cTn id="24" presetID="22" presetClass="entr" presetSubtype="4" fill="hold" nodeType="withEffect">
+                                  <p:stCondLst>
+                                    <p:cond delay="0"/>
+                                  </p:stCondLst>
+                                  <p:childTnLst>
+                                    <p:set>
+                                      <p:cBhvr>
+                                        <p:cTn id="25" dur="1" fill="hold">
+                                          <p:stCondLst>
+                                            <p:cond delay="0"/>
+                                          </p:stCondLst>
+                                        </p:cTn>
+                                        <p:tgtEl>
+                                          <p:spTgt spid="18"/>
+                                        </p:tgtEl>
+                                        <p:attrNameLst>
+                                          <p:attrName>style.visibility</p:attrName>
+                                        </p:attrNameLst>
+                                      </p:cBhvr>
+                                      <p:to>
+                                        <p:strVal val="visible"/>
+                                      </p:to>
+                                    </p:set>
+                                    <p:animEffect transition="in" filter="wipe(down)">
+                                      <p:cBhvr>
+                                        <p:cTn id="26" dur="500"/>
+                                        <p:tgtEl>
+                                          <p:spTgt spid="18"/>
+                                        </p:tgtEl>
+                                      </p:cBhvr>
+                                    </p:animEffect>
+                                  </p:childTnLst>
+                                </p:cTn>
+                              </p:par>
+                            </p:childTnLst>
+                          </p:cTn>
+                        </p:par>
+                      </p:childTnLst>
+                    </p:cTn>
+                  </p:par>
+                  <p:par>
+                    <p:cTn id="27" fill="hold">
+                      <p:stCondLst>
+                        <p:cond delay="indefinite"/>
+                      </p:stCondLst>
+                      <p:childTnLst>
+                        <p:par>
+                          <p:cTn id="28" fill="hold">
+                            <p:stCondLst>
+                              <p:cond delay="0"/>
+                            </p:stCondLst>
+                            <p:childTnLst>
+                              <p:par>
+                                <p:cTn id="29" presetID="2" presetClass="entr" presetSubtype="4" fill="hold" grpId="0" nodeType="clickEffect">
+                                  <p:stCondLst>
+                                    <p:cond delay="0"/>
+                                  </p:stCondLst>
+                                  <p:childTnLst>
+                                    <p:set>
+                                      <p:cBhvr>
+                                        <p:cTn id="30" dur="1" fill="hold">
+                                          <p:stCondLst>
+                                            <p:cond delay="0"/>
+                                          </p:stCondLst>
+                                        </p:cTn>
+                                        <p:tgtEl>
+                                          <p:spTgt spid="12"/>
+                                        </p:tgtEl>
+                                        <p:attrNameLst>
+                                          <p:attrName>style.visibility</p:attrName>
+                                        </p:attrNameLst>
+                                      </p:cBhvr>
+                                      <p:to>
+                                        <p:strVal val="visible"/>
+                                      </p:to>
+                                    </p:set>
+                                    <p:anim calcmode="lin" valueType="num">
+                                      <p:cBhvr additive="base">
+                                        <p:cTn id="31" dur="500" fill="hold"/>
+                                        <p:tgtEl>
+                                          <p:spTgt spid="12"/>
+                                        </p:tgtEl>
+                                        <p:attrNameLst>
+                                          <p:attrName>ppt_x</p:attrName>
+                                        </p:attrNameLst>
+                                      </p:cBhvr>
+                                      <p:tavLst>
+                                        <p:tav tm="0">
+                                          <p:val>
+                                            <p:strVal val="#ppt_x"/>
+                                          </p:val>
+                                        </p:tav>
+                                        <p:tav tm="100000">
+                                          <p:val>
+                                            <p:strVal val="#ppt_x"/>
+                                          </p:val>
+                                        </p:tav>
+                                      </p:tavLst>
+                                    </p:anim>
+                                    <p:anim calcmode="lin" valueType="num">
+                                      <p:cBhvr additive="base">
+                                        <p:cTn id="32" dur="500" fill="hold"/>
+                                        <p:tgtEl>
+                                          <p:spTgt spid="12"/>
+                                        </p:tgtEl>
+                                        <p:attrNameLst>
+                                          <p:attrName>ppt_y</p:attrName>
+                                        </p:attrNameLst>
+                                      </p:cBhvr>
+                                      <p:tavLst>
+                                        <p:tav tm="0">
+                                          <p:val>
+                                            <p:strVal val="1+#ppt_h/2"/>
+                                          </p:val>
+                                        </p:tav>
+                                        <p:tav tm="100000">
+                                          <p:val>
+                                            <p:strVal val="#ppt_y"/>
+                                          </p:val>
+                                        </p:tav>
+                                      </p:tavLst>
+                                    </p:anim>
+                                  </p:childTnLst>
+                                </p:cTn>
+                              </p:par>
+                            </p:childTnLst>
+                          </p:cTn>
+                        </p:par>
+                      </p:childTnLst>
+                    </p:cTn>
+                  </p:par>
+                  <p:par>
+                    <p:cTn id="33" fill="hold">
+                      <p:stCondLst>
+                        <p:cond delay="indefinite"/>
+                      </p:stCondLst>
+                      <p:childTnLst>
+                        <p:par>
+                          <p:cTn id="34" fill="hold">
+                            <p:stCondLst>
+                              <p:cond delay="0"/>
+                            </p:stCondLst>
+                            <p:childTnLst>
+                              <p:par>
+                                <p:cTn id="35" presetID="42" presetClass="entr" presetSubtype="0" fill="hold" grpId="0" nodeType="clickEffect">
+                                  <p:stCondLst>
+                                    <p:cond delay="0"/>
+                                  </p:stCondLst>
+                                  <p:childTnLst>
+                                    <p:set>
+                                      <p:cBhvr>
+                                        <p:cTn id="36" dur="1" fill="hold">
+                                          <p:stCondLst>
+                                            <p:cond delay="0"/>
+                                          </p:stCondLst>
+                                        </p:cTn>
+                                        <p:tgtEl>
+                                          <p:spTgt spid="21"/>
+                                        </p:tgtEl>
+                                        <p:attrNameLst>
+                                          <p:attrName>style.visibility</p:attrName>
+                                        </p:attrNameLst>
+                                      </p:cBhvr>
+                                      <p:to>
+                                        <p:strVal val="visible"/>
+                                      </p:to>
+                                    </p:set>
+                                    <p:animEffect transition="in" filter="fade">
+                                      <p:cBhvr>
+                                        <p:cTn id="37" dur="1000"/>
+                                        <p:tgtEl>
+                                          <p:spTgt spid="21"/>
+                                        </p:tgtEl>
+                                      </p:cBhvr>
+                                    </p:animEffect>
+                                    <p:anim calcmode="lin" valueType="num">
+                                      <p:cBhvr>
+                                        <p:cTn id="38" dur="1000" fill="hold"/>
+                                        <p:tgtEl>
+                                          <p:spTgt spid="21"/>
+                                        </p:tgtEl>
+                                        <p:attrNameLst>
+                                          <p:attrName>ppt_x</p:attrName>
+                                        </p:attrNameLst>
+                                      </p:cBhvr>
+                                      <p:tavLst>
+                                        <p:tav tm="0">
+                                          <p:val>
+                                            <p:strVal val="#ppt_x"/>
+                                          </p:val>
+                                        </p:tav>
+                                        <p:tav tm="100000">
+                                          <p:val>
+                                            <p:strVal val="#ppt_x"/>
+                                          </p:val>
+                                        </p:tav>
+                                      </p:tavLst>
+                                    </p:anim>
+                                    <p:anim calcmode="lin" valueType="num">
+                                      <p:cBhvr>
+                                        <p:cTn id="39" dur="1000" fill="hold"/>
+                                        <p:tgtEl>
+                                          <p:spTgt spid="21"/>
+                                        </p:tgtEl>
+                                        <p:attrNameLst>
+                                          <p:attrName>ppt_y</p:attrName>
+                                        </p:attrNameLst>
+                                      </p:cBhvr>
+                                      <p:tavLst>
+                                        <p:tav tm="0">
+                                          <p:val>
+                                            <p:strVal val="#ppt_y+.1"/>
+                                          </p:val>
+                                        </p:tav>
+                                        <p:tav tm="100000">
+                                          <p:val>
+                                            <p:strVal val="#ppt_y"/>
+                                          </p:val>
+                                        </p:tav>
+                                      </p:tavLst>
+                                    </p:anim>
+                                  </p:childTnLst>
+                                </p:cTn>
+                              </p:par>
+                            </p:childTnLst>
+                          </p:cTn>
+                        </p:par>
+                      </p:childTnLst>
+                    </p:cTn>
+                  </p:par>
+                </p:childTnLst>
+              </p:cTn>
+              <p:prevCondLst>
+                <p:cond evt="onPrev" delay="0">
+                  <p:tgtEl>
+                    <p:sldTgt/>
+                  </p:tgtEl>
+                </p:cond>
+              </p:prevCondLst>
+              <p:nextCondLst>
+                <p:cond evt="onNext" delay="0">
+                  <p:tgtEl>
+                    <p:sldTgt/>
+                  </p:tgtEl>
+                </p:cond>
+              </p:nextCondLst>
+            </p:seq>
+          </p:childTnLst>
+        </p:cTn>
+      </p:par>
+    </p:tnLst>
+    <p:bldLst>
+      <p:bldP spid="55" grpId="0"/>
+      <p:bldP spid="9" grpId="0" bldLvl="0" animBg="1"/>
+      <p:bldP spid="12" grpId="0"/>
+      <p:bldP spid="17" grpId="0" bldLvl="0" animBg="1"/>
+      <p:bldP spid="21" grpId="0"/>
+    </p:bldLst>
+  </p:timing>
+</p:sld>
+</file>
+
+<file path=ppt/slides/slide31.xml><?xml version="1.0" encoding="utf-8"?>
 <p:sld xmlns:a="http://schemas.openxmlformats.org/drawingml/2006/main" xmlns:r="http://schemas.openxmlformats.org/officeDocument/2006/relationships" xmlns:p="http://schemas.openxmlformats.org/presentationml/2006/main">
   <p:cSld>
     <p:spTree>
@@ -25482,7 +25527,7 @@
 </p:sld>
 </file>
 
-<file path=ppt/slides/slide31.xml><?xml version="1.0" encoding="utf-8"?>
+<file path=ppt/slides/slide32.xml><?xml version="1.0" encoding="utf-8"?>
 <p:sld xmlns:a="http://schemas.openxmlformats.org/drawingml/2006/main" xmlns:r="http://schemas.openxmlformats.org/officeDocument/2006/relationships" xmlns:p="http://schemas.openxmlformats.org/presentationml/2006/main">
   <p:cSld>
     <p:spTree>
@@ -25591,14 +25636,6 @@
               </a:rPr>
               <a:t>汇总</a:t>
             </a:r>
-            <a:endParaRPr lang="zh-CN" altLang="en-US" sz="2400" b="1" spc="213" dirty="0">
-              <a:solidFill>
-                <a:schemeClr val="bg1"/>
-              </a:solidFill>
-              <a:latin typeface="迷你简艺黑" panose="03000509000000000000" pitchFamily="65" charset="-122"/>
-              <a:ea typeface="迷你简艺黑" panose="03000509000000000000" pitchFamily="65" charset="-122"/>
-              <a:sym typeface="+mn-ea"/>
-            </a:endParaRPr>
           </a:p>
           <a:p>
             <a:pPr algn="l"/>
@@ -25779,7 +25816,7 @@
 </p:sld>
 </file>
 
-<file path=ppt/slides/slide32.xml><?xml version="1.0" encoding="utf-8"?>
+<file path=ppt/slides/slide33.xml><?xml version="1.0" encoding="utf-8"?>
 <p:sld xmlns:a="http://schemas.openxmlformats.org/drawingml/2006/main" xmlns:r="http://schemas.openxmlformats.org/officeDocument/2006/relationships" xmlns:p="http://schemas.openxmlformats.org/presentationml/2006/main">
   <p:cSld>
     <p:spTree>
@@ -26105,8 +26142,8 @@
   <p:transition spd="slow">
     <p:fade thruBlk="1"/>
   </p:transition>
-  <mc:AlternateContent xmlns:mc="http://schemas.openxmlformats.org/markup-compatibility/2006">
-    <mc:Choice xmlns:p14="http://schemas.microsoft.com/office/powerpoint/2010/main" Requires="p14">
+  <mc:AlternateContent xmlns:mc="http://schemas.openxmlformats.org/markup-compatibility/2006" xmlns:p14="http://schemas.microsoft.com/office/powerpoint/2010/main">
+    <mc:Choice Requires="p14">
       <p:timing>
         <p:tnLst>
           <p:par>
@@ -26235,7 +26272,7 @@
         </p:bldLst>
       </p:timing>
     </mc:Choice>
-    <mc:Fallback>
+    <mc:Fallback xmlns="">
       <p:timing>
         <p:tnLst>
           <p:par>
@@ -26574,8 +26611,8 @@
   <p:transition spd="slow">
     <p:fade thruBlk="1"/>
   </p:transition>
-  <mc:AlternateContent xmlns:mc="http://schemas.openxmlformats.org/markup-compatibility/2006">
-    <mc:Choice xmlns:p14="http://schemas.microsoft.com/office/powerpoint/2010/main" Requires="p14">
+  <mc:AlternateContent xmlns:mc="http://schemas.openxmlformats.org/markup-compatibility/2006" xmlns:p14="http://schemas.microsoft.com/office/powerpoint/2010/main">
+    <mc:Choice Requires="p14">
       <p:timing>
         <p:tnLst>
           <p:par>
@@ -26704,7 +26741,7 @@
         </p:bldLst>
       </p:timing>
     </mc:Choice>
-    <mc:Fallback>
+    <mc:Fallback xmlns="">
       <p:timing>
         <p:tnLst>
           <p:par>
@@ -27020,8 +27057,8 @@
   <p:transition spd="slow">
     <p:fade thruBlk="1"/>
   </p:transition>
-  <mc:AlternateContent xmlns:mc="http://schemas.openxmlformats.org/markup-compatibility/2006">
-    <mc:Choice xmlns:p14="http://schemas.microsoft.com/office/powerpoint/2010/main" Requires="p14">
+  <mc:AlternateContent xmlns:mc="http://schemas.openxmlformats.org/markup-compatibility/2006" xmlns:p14="http://schemas.microsoft.com/office/powerpoint/2010/main">
+    <mc:Choice Requires="p14">
       <p:timing>
         <p:tnLst>
           <p:par>
@@ -27150,7 +27187,7 @@
         </p:bldLst>
       </p:timing>
     </mc:Choice>
-    <mc:Fallback>
+    <mc:Fallback xmlns="">
       <p:timing>
         <p:tnLst>
           <p:par>

--- a/需求工程项目计划ppt.pptx
+++ b/需求工程项目计划ppt.pptx
@@ -5,7 +5,7 @@
     <p:sldMasterId id="2147483648" r:id="rId1"/>
   </p:sldMasterIdLst>
   <p:notesMasterIdLst>
-    <p:notesMasterId r:id="rId35"/>
+    <p:notesMasterId r:id="rId36"/>
   </p:notesMasterIdLst>
   <p:sldIdLst>
     <p:sldId id="257" r:id="rId2"/>
@@ -38,9 +38,10 @@
     <p:sldId id="286" r:id="rId29"/>
     <p:sldId id="287" r:id="rId30"/>
     <p:sldId id="288" r:id="rId31"/>
-    <p:sldId id="289" r:id="rId32"/>
-    <p:sldId id="290" r:id="rId33"/>
-    <p:sldId id="291" r:id="rId34"/>
+    <p:sldId id="293" r:id="rId32"/>
+    <p:sldId id="289" r:id="rId33"/>
+    <p:sldId id="290" r:id="rId34"/>
+    <p:sldId id="291" r:id="rId35"/>
   </p:sldIdLst>
   <p:sldSz cx="12192000" cy="6858000"/>
   <p:notesSz cx="6858000" cy="9144000"/>
@@ -2326,6 +2327,90 @@
             <a:fld id="{4238A185-F9DB-4B92-A1A8-CCD8A76DEA25}" type="slidenum">
               <a:rPr lang="zh-CN" altLang="en-US" smtClean="0"/>
               <a:t>31</a:t>
+            </a:fld>
+            <a:endParaRPr lang="zh-CN" altLang="en-US"/>
+          </a:p>
+        </p:txBody>
+      </p:sp>
+    </p:spTree>
+    <p:extLst>
+      <p:ext uri="{BB962C8B-B14F-4D97-AF65-F5344CB8AC3E}">
+        <p14:creationId xmlns:p14="http://schemas.microsoft.com/office/powerpoint/2010/main" val="3145079460"/>
+      </p:ext>
+    </p:extLst>
+  </p:cSld>
+  <p:clrMapOvr>
+    <a:masterClrMapping/>
+  </p:clrMapOvr>
+</p:notes>
+</file>
+
+<file path=ppt/notesSlides/notesSlide27.xml><?xml version="1.0" encoding="utf-8"?>
+<p:notes xmlns:a="http://schemas.openxmlformats.org/drawingml/2006/main" xmlns:r="http://schemas.openxmlformats.org/officeDocument/2006/relationships" xmlns:p="http://schemas.openxmlformats.org/presentationml/2006/main">
+  <p:cSld>
+    <p:spTree>
+      <p:nvGrpSpPr>
+        <p:cNvPr id="1" name=""/>
+        <p:cNvGrpSpPr/>
+        <p:nvPr/>
+      </p:nvGrpSpPr>
+      <p:grpSpPr>
+        <a:xfrm>
+          <a:off x="0" y="0"/>
+          <a:ext cx="0" cy="0"/>
+          <a:chOff x="0" y="0"/>
+          <a:chExt cx="0" cy="0"/>
+        </a:xfrm>
+      </p:grpSpPr>
+      <p:sp>
+        <p:nvSpPr>
+          <p:cNvPr id="2" name="幻灯片图像占位符 1"/>
+          <p:cNvSpPr>
+            <a:spLocks noGrp="1" noRot="1" noChangeAspect="1"/>
+          </p:cNvSpPr>
+          <p:nvPr>
+            <p:ph type="sldImg"/>
+          </p:nvPr>
+        </p:nvSpPr>
+        <p:spPr/>
+      </p:sp>
+      <p:sp>
+        <p:nvSpPr>
+          <p:cNvPr id="3" name="备注占位符 2"/>
+          <p:cNvSpPr>
+            <a:spLocks noGrp="1"/>
+          </p:cNvSpPr>
+          <p:nvPr>
+            <p:ph type="body" idx="1"/>
+          </p:nvPr>
+        </p:nvSpPr>
+        <p:spPr/>
+        <p:txBody>
+          <a:bodyPr/>
+          <a:lstStyle/>
+          <a:p>
+            <a:endParaRPr lang="zh-CN" altLang="en-US"/>
+          </a:p>
+        </p:txBody>
+      </p:sp>
+      <p:sp>
+        <p:nvSpPr>
+          <p:cNvPr id="4" name="灯片编号占位符 3"/>
+          <p:cNvSpPr>
+            <a:spLocks noGrp="1"/>
+          </p:cNvSpPr>
+          <p:nvPr>
+            <p:ph type="sldNum" sz="quarter" idx="10"/>
+          </p:nvPr>
+        </p:nvSpPr>
+        <p:spPr/>
+        <p:txBody>
+          <a:bodyPr/>
+          <a:lstStyle/>
+          <a:p>
+            <a:fld id="{4238A185-F9DB-4B92-A1A8-CCD8A76DEA25}" type="slidenum">
+              <a:rPr lang="zh-CN" altLang="en-US" smtClean="0"/>
+              <a:t>32</a:t>
             </a:fld>
             <a:endParaRPr lang="zh-CN" altLang="en-US"/>
           </a:p>
@@ -24784,6 +24869,968 @@
       </p:grpSpPr>
       <p:sp>
         <p:nvSpPr>
+          <p:cNvPr id="55" name="Rectangle 39"/>
+          <p:cNvSpPr>
+            <a:spLocks noChangeArrowheads="1"/>
+          </p:cNvSpPr>
+          <p:nvPr/>
+        </p:nvSpPr>
+        <p:spPr bwMode="auto">
+          <a:xfrm>
+            <a:off x="793328" y="487892"/>
+            <a:ext cx="4251113" cy="410433"/>
+          </a:xfrm>
+          <a:prstGeom prst="rect">
+            <a:avLst/>
+          </a:prstGeom>
+          <a:noFill/>
+          <a:ln>
+            <a:noFill/>
+          </a:ln>
+          <a:extLst>
+            <a:ext uri="{909E8E84-426E-40DD-AFC4-6F175D3DCCD1}">
+              <a14:hiddenFill xmlns:a14="http://schemas.microsoft.com/office/drawing/2010/main">
+                <a:solidFill>
+                  <a:srgbClr val="FFFFFF"/>
+                </a:solidFill>
+              </a14:hiddenFill>
+            </a:ext>
+            <a:ext uri="{91240B29-F687-4F45-9708-019B960494DF}">
+              <a14:hiddenLine xmlns:a14="http://schemas.microsoft.com/office/drawing/2010/main" w="9525">
+                <a:solidFill>
+                  <a:srgbClr val="000000"/>
+                </a:solidFill>
+                <a:miter lim="800000"/>
+                <a:headEnd/>
+                <a:tailEnd/>
+              </a14:hiddenLine>
+            </a:ext>
+          </a:extLst>
+        </p:spPr>
+        <p:txBody>
+          <a:bodyPr wrap="square" lIns="0" tIns="0" rIns="0" bIns="0">
+            <a:spAutoFit/>
+          </a:bodyPr>
+          <a:lstStyle/>
+          <a:p>
+            <a:pPr>
+              <a:buFont typeface="Arial" panose="020B0604020202020204" pitchFamily="34" charset="0"/>
+              <a:buNone/>
+            </a:pPr>
+            <a:r>
+              <a:rPr sz="2667" b="1" dirty="0">
+                <a:blipFill dpi="0" rotWithShape="1">
+                  <a:blip r:embed="rId4">
+                    <a:extLst>
+                      <a:ext uri="{28A0092B-C50C-407E-A947-70E740481C1C}">
+                        <a14:useLocalDpi xmlns:a14="http://schemas.microsoft.com/office/drawing/2010/main" val="0"/>
+                      </a:ext>
+                    </a:extLst>
+                  </a:blip>
+                  <a:srcRect/>
+                  <a:stretch>
+                    <a:fillRect/>
+                  </a:stretch>
+                </a:blipFill>
+                <a:latin typeface="微软雅黑" panose="020B0503020204020204" pitchFamily="34" charset="-122"/>
+                <a:ea typeface="微软雅黑" panose="020B0503020204020204" pitchFamily="34" charset="-122"/>
+              </a:rPr>
+              <a:t>人员方面的风险</a:t>
+            </a:r>
+            <a:r>
+              <a:rPr lang="zh-CN" altLang="en-US" sz="2667" b="1" dirty="0">
+                <a:blipFill dpi="0" rotWithShape="1">
+                  <a:blip r:embed="rId4">
+                    <a:extLst>
+                      <a:ext uri="{28A0092B-C50C-407E-A947-70E740481C1C}">
+                        <a14:useLocalDpi xmlns:a14="http://schemas.microsoft.com/office/drawing/2010/main" val="0"/>
+                      </a:ext>
+                    </a:extLst>
+                  </a:blip>
+                  <a:srcRect/>
+                  <a:stretch>
+                    <a:fillRect/>
+                  </a:stretch>
+                </a:blipFill>
+                <a:latin typeface="微软雅黑" panose="020B0503020204020204" pitchFamily="34" charset="-122"/>
+                <a:ea typeface="微软雅黑" panose="020B0503020204020204" pitchFamily="34" charset="-122"/>
+              </a:rPr>
+              <a:t>与措施</a:t>
+            </a:r>
+          </a:p>
+        </p:txBody>
+      </p:sp>
+      <p:cxnSp>
+        <p:nvCxnSpPr>
+          <p:cNvPr id="8" name="Straight Connector 7"/>
+          <p:cNvCxnSpPr/>
+          <p:nvPr/>
+        </p:nvCxnSpPr>
+        <p:spPr>
+          <a:xfrm>
+            <a:off x="4964" y="5654163"/>
+            <a:ext cx="12144000" cy="2421"/>
+          </a:xfrm>
+          <a:prstGeom prst="line">
+            <a:avLst/>
+          </a:prstGeom>
+          <a:ln w="12700" cap="flat">
+            <a:solidFill>
+              <a:schemeClr val="bg1"/>
+            </a:solidFill>
+            <a:prstDash val="sysDash"/>
+            <a:round/>
+          </a:ln>
+        </p:spPr>
+        <p:style>
+          <a:lnRef idx="1">
+            <a:schemeClr val="accent1"/>
+          </a:lnRef>
+          <a:fillRef idx="0">
+            <a:schemeClr val="accent1"/>
+          </a:fillRef>
+          <a:effectRef idx="0">
+            <a:schemeClr val="accent1"/>
+          </a:effectRef>
+          <a:fontRef idx="minor">
+            <a:schemeClr val="tx1"/>
+          </a:fontRef>
+        </p:style>
+      </p:cxnSp>
+      <p:sp>
+        <p:nvSpPr>
+          <p:cNvPr id="9" name="Oval 12"/>
+          <p:cNvSpPr/>
+          <p:nvPr/>
+        </p:nvSpPr>
+        <p:spPr>
+          <a:xfrm>
+            <a:off x="583407" y="5495443"/>
+            <a:ext cx="317440" cy="317440"/>
+          </a:xfrm>
+          <a:prstGeom prst="ellipse">
+            <a:avLst/>
+          </a:prstGeom>
+          <a:solidFill>
+            <a:schemeClr val="accent1"/>
+          </a:solidFill>
+          <a:ln>
+            <a:noFill/>
+          </a:ln>
+        </p:spPr>
+        <p:style>
+          <a:lnRef idx="2">
+            <a:schemeClr val="accent1">
+              <a:shade val="50000"/>
+            </a:schemeClr>
+          </a:lnRef>
+          <a:fillRef idx="1">
+            <a:schemeClr val="accent1"/>
+          </a:fillRef>
+          <a:effectRef idx="0">
+            <a:schemeClr val="accent1"/>
+          </a:effectRef>
+          <a:fontRef idx="minor">
+            <a:schemeClr val="lt1"/>
+          </a:fontRef>
+        </p:style>
+        <p:txBody>
+          <a:bodyPr rtlCol="0" anchor="ctr"/>
+          <a:lstStyle/>
+          <a:p>
+            <a:pPr algn="ctr"/>
+            <a:endParaRPr lang="en-US" sz="1867">
+              <a:solidFill>
+                <a:schemeClr val="bg1"/>
+              </a:solidFill>
+            </a:endParaRPr>
+          </a:p>
+        </p:txBody>
+      </p:sp>
+      <p:sp>
+        <p:nvSpPr>
+          <p:cNvPr id="12" name="Rectangle 44"/>
+          <p:cNvSpPr/>
+          <p:nvPr/>
+        </p:nvSpPr>
+        <p:spPr>
+          <a:xfrm>
+            <a:off x="868001" y="3230997"/>
+            <a:ext cx="5286420" cy="748795"/>
+          </a:xfrm>
+          <a:prstGeom prst="rect">
+            <a:avLst/>
+          </a:prstGeom>
+        </p:spPr>
+        <p:txBody>
+          <a:bodyPr wrap="square">
+            <a:spAutoFit/>
+          </a:bodyPr>
+          <a:lstStyle/>
+          <a:p>
+            <a:pPr indent="480048"/>
+            <a:r>
+              <a:rPr sz="2133" dirty="0">
+                <a:solidFill>
+                  <a:schemeClr val="bg1"/>
+                </a:solidFill>
+                <a:latin typeface="迷你简艺黑" panose="03000509000000000000" pitchFamily="65" charset="-122"/>
+                <a:ea typeface="迷你简艺黑" panose="03000509000000000000" pitchFamily="65" charset="-122"/>
+              </a:rPr>
+              <a:t>1、组员告假无法完成分配任务</a:t>
+            </a:r>
+          </a:p>
+          <a:p>
+            <a:pPr indent="480048"/>
+            <a:r>
+              <a:rPr sz="2133" dirty="0">
+                <a:solidFill>
+                  <a:schemeClr val="bg1"/>
+                </a:solidFill>
+                <a:latin typeface="迷你简艺黑" panose="03000509000000000000" pitchFamily="65" charset="-122"/>
+                <a:ea typeface="迷你简艺黑" panose="03000509000000000000" pitchFamily="65" charset="-122"/>
+              </a:rPr>
+              <a:t>2、组员未能及时完成分配任务</a:t>
+            </a:r>
+          </a:p>
+        </p:txBody>
+      </p:sp>
+      <p:cxnSp>
+        <p:nvCxnSpPr>
+          <p:cNvPr id="13" name="Straight Connector 26"/>
+          <p:cNvCxnSpPr/>
+          <p:nvPr/>
+        </p:nvCxnSpPr>
+        <p:spPr>
+          <a:xfrm rot="16200000" flipH="1">
+            <a:off x="-622869" y="4178158"/>
+            <a:ext cx="2688492" cy="13431"/>
+          </a:xfrm>
+          <a:prstGeom prst="line">
+            <a:avLst/>
+          </a:prstGeom>
+          <a:ln>
+            <a:solidFill>
+              <a:schemeClr val="accent1"/>
+            </a:solidFill>
+          </a:ln>
+        </p:spPr>
+        <p:style>
+          <a:lnRef idx="1">
+            <a:schemeClr val="accent1"/>
+          </a:lnRef>
+          <a:fillRef idx="0">
+            <a:schemeClr val="accent1"/>
+          </a:fillRef>
+          <a:effectRef idx="0">
+            <a:schemeClr val="accent1"/>
+          </a:effectRef>
+          <a:fontRef idx="minor">
+            <a:schemeClr val="tx1"/>
+          </a:fontRef>
+        </p:style>
+      </p:cxnSp>
+      <p:sp>
+        <p:nvSpPr>
+          <p:cNvPr id="17" name="Oval 16"/>
+          <p:cNvSpPr/>
+          <p:nvPr/>
+        </p:nvSpPr>
+        <p:spPr>
+          <a:xfrm>
+            <a:off x="5962444" y="5476576"/>
+            <a:ext cx="317440" cy="317440"/>
+          </a:xfrm>
+          <a:prstGeom prst="ellipse">
+            <a:avLst/>
+          </a:prstGeom>
+          <a:solidFill>
+            <a:schemeClr val="accent5"/>
+          </a:solidFill>
+          <a:ln>
+            <a:noFill/>
+          </a:ln>
+        </p:spPr>
+        <p:style>
+          <a:lnRef idx="2">
+            <a:schemeClr val="accent1">
+              <a:shade val="50000"/>
+            </a:schemeClr>
+          </a:lnRef>
+          <a:fillRef idx="1">
+            <a:schemeClr val="accent1"/>
+          </a:fillRef>
+          <a:effectRef idx="0">
+            <a:schemeClr val="accent1"/>
+          </a:effectRef>
+          <a:fontRef idx="minor">
+            <a:schemeClr val="lt1"/>
+          </a:fontRef>
+        </p:style>
+        <p:txBody>
+          <a:bodyPr rtlCol="0" anchor="ctr"/>
+          <a:lstStyle/>
+          <a:p>
+            <a:pPr algn="ctr"/>
+            <a:endParaRPr lang="en-US" sz="1867">
+              <a:solidFill>
+                <a:schemeClr val="bg1"/>
+              </a:solidFill>
+            </a:endParaRPr>
+          </a:p>
+        </p:txBody>
+      </p:sp>
+      <p:cxnSp>
+        <p:nvCxnSpPr>
+          <p:cNvPr id="18" name="Straight Connector 38"/>
+          <p:cNvCxnSpPr/>
+          <p:nvPr/>
+        </p:nvCxnSpPr>
+        <p:spPr>
+          <a:xfrm rot="16200000" flipH="1">
+            <a:off x="4783634" y="4124754"/>
+            <a:ext cx="2688492" cy="13431"/>
+          </a:xfrm>
+          <a:prstGeom prst="line">
+            <a:avLst/>
+          </a:prstGeom>
+          <a:ln>
+            <a:solidFill>
+              <a:schemeClr val="accent5"/>
+            </a:solidFill>
+          </a:ln>
+        </p:spPr>
+        <p:style>
+          <a:lnRef idx="1">
+            <a:schemeClr val="accent1"/>
+          </a:lnRef>
+          <a:fillRef idx="0">
+            <a:schemeClr val="accent1"/>
+          </a:fillRef>
+          <a:effectRef idx="0">
+            <a:schemeClr val="accent1"/>
+          </a:effectRef>
+          <a:fontRef idx="minor">
+            <a:schemeClr val="tx1"/>
+          </a:fontRef>
+        </p:style>
+      </p:cxnSp>
+      <p:sp>
+        <p:nvSpPr>
+          <p:cNvPr id="21" name="Rectangle 50"/>
+          <p:cNvSpPr/>
+          <p:nvPr/>
+        </p:nvSpPr>
+        <p:spPr>
+          <a:xfrm>
+            <a:off x="6423661" y="3104092"/>
+            <a:ext cx="5214620" cy="1733488"/>
+          </a:xfrm>
+          <a:prstGeom prst="rect">
+            <a:avLst/>
+          </a:prstGeom>
+        </p:spPr>
+        <p:txBody>
+          <a:bodyPr wrap="square">
+            <a:spAutoFit/>
+          </a:bodyPr>
+          <a:lstStyle/>
+          <a:p>
+            <a:r>
+              <a:rPr lang="en-US" altLang="zh-CN" sz="2133" dirty="0">
+                <a:solidFill>
+                  <a:schemeClr val="bg1"/>
+                </a:solidFill>
+                <a:latin typeface="迷你简艺黑" panose="03000509000000000000" pitchFamily="65" charset="-122"/>
+                <a:ea typeface="迷你简艺黑" panose="03000509000000000000" pitchFamily="65" charset="-122"/>
+              </a:rPr>
+              <a:t>1</a:t>
+            </a:r>
+            <a:r>
+              <a:rPr lang="zh-CN" altLang="en-US" sz="2133" dirty="0">
+                <a:solidFill>
+                  <a:schemeClr val="bg1"/>
+                </a:solidFill>
+                <a:latin typeface="迷你简艺黑" panose="03000509000000000000" pitchFamily="65" charset="-122"/>
+                <a:ea typeface="迷你简艺黑" panose="03000509000000000000" pitchFamily="65" charset="-122"/>
+              </a:rPr>
+              <a:t>、任务平均分配到其他小组成员。</a:t>
+            </a:r>
+          </a:p>
+          <a:p>
+            <a:r>
+              <a:rPr lang="en-US" altLang="zh-CN" sz="2133" dirty="0">
+                <a:solidFill>
+                  <a:schemeClr val="bg1"/>
+                </a:solidFill>
+                <a:latin typeface="迷你简艺黑" panose="03000509000000000000" pitchFamily="65" charset="-122"/>
+                <a:ea typeface="迷你简艺黑" panose="03000509000000000000" pitchFamily="65" charset="-122"/>
+              </a:rPr>
+              <a:t>2</a:t>
+            </a:r>
+            <a:r>
+              <a:rPr lang="zh-CN" altLang="en-US" sz="2133" dirty="0">
+                <a:solidFill>
+                  <a:schemeClr val="bg1"/>
+                </a:solidFill>
+                <a:latin typeface="迷你简艺黑" panose="03000509000000000000" pitchFamily="65" charset="-122"/>
+                <a:ea typeface="迷你简艺黑" panose="03000509000000000000" pitchFamily="65" charset="-122"/>
+              </a:rPr>
+              <a:t>、未完成的任务其他小组成员帮助其完成，并由项目经理采取措施处罚。</a:t>
+            </a:r>
+          </a:p>
+          <a:p>
+            <a:endParaRPr lang="zh-CN" altLang="en-US" sz="2133" dirty="0">
+              <a:solidFill>
+                <a:schemeClr val="bg1"/>
+              </a:solidFill>
+              <a:latin typeface="迷你简艺黑" panose="03000509000000000000" pitchFamily="65" charset="-122"/>
+              <a:ea typeface="迷你简艺黑" panose="03000509000000000000" pitchFamily="65" charset="-122"/>
+            </a:endParaRPr>
+          </a:p>
+          <a:p>
+            <a:endParaRPr lang="zh-CN" altLang="en-US" sz="2133" dirty="0">
+              <a:solidFill>
+                <a:schemeClr val="bg1"/>
+              </a:solidFill>
+              <a:latin typeface="迷你简艺黑" panose="03000509000000000000" pitchFamily="65" charset="-122"/>
+              <a:ea typeface="迷你简艺黑" panose="03000509000000000000" pitchFamily="65" charset="-122"/>
+            </a:endParaRPr>
+          </a:p>
+        </p:txBody>
+      </p:sp>
+    </p:spTree>
+    <p:custDataLst>
+      <p:tags r:id="rId1"/>
+    </p:custDataLst>
+    <p:extLst>
+      <p:ext uri="{BB962C8B-B14F-4D97-AF65-F5344CB8AC3E}">
+        <p14:creationId xmlns:p14="http://schemas.microsoft.com/office/powerpoint/2010/main" val="1909307269"/>
+      </p:ext>
+    </p:extLst>
+  </p:cSld>
+  <p:clrMapOvr>
+    <a:masterClrMapping/>
+  </p:clrMapOvr>
+  <p:transition spd="slow">
+    <p:fade thruBlk="1"/>
+  </p:transition>
+  <p:timing>
+    <p:tnLst>
+      <p:par>
+        <p:cTn id="1" dur="indefinite" restart="never" nodeType="tmRoot">
+          <p:childTnLst>
+            <p:seq concurrent="1" nextAc="seek">
+              <p:cTn id="2" dur="indefinite" nodeType="mainSeq">
+                <p:childTnLst>
+                  <p:par>
+                    <p:cTn id="3" fill="hold">
+                      <p:stCondLst>
+                        <p:cond delay="indefinite"/>
+                        <p:cond evt="onBegin" delay="0">
+                          <p:tn val="2"/>
+                        </p:cond>
+                      </p:stCondLst>
+                      <p:childTnLst>
+                        <p:par>
+                          <p:cTn id="4" fill="hold">
+                            <p:stCondLst>
+                              <p:cond delay="0"/>
+                            </p:stCondLst>
+                            <p:childTnLst>
+                              <p:par>
+                                <p:cTn id="5" presetID="22" presetClass="entr" presetSubtype="8" fill="hold" grpId="0" nodeType="withEffect">
+                                  <p:stCondLst>
+                                    <p:cond delay="500"/>
+                                  </p:stCondLst>
+                                  <p:childTnLst>
+                                    <p:set>
+                                      <p:cBhvr>
+                                        <p:cTn id="6" dur="1" fill="hold">
+                                          <p:stCondLst>
+                                            <p:cond delay="0"/>
+                                          </p:stCondLst>
+                                        </p:cTn>
+                                        <p:tgtEl>
+                                          <p:spTgt spid="55"/>
+                                        </p:tgtEl>
+                                        <p:attrNameLst>
+                                          <p:attrName>style.visibility</p:attrName>
+                                        </p:attrNameLst>
+                                      </p:cBhvr>
+                                      <p:to>
+                                        <p:strVal val="visible"/>
+                                      </p:to>
+                                    </p:set>
+                                    <p:animEffect transition="in" filter="wipe(left)">
+                                      <p:cBhvr>
+                                        <p:cTn id="7" dur="500"/>
+                                        <p:tgtEl>
+                                          <p:spTgt spid="55"/>
+                                        </p:tgtEl>
+                                      </p:cBhvr>
+                                    </p:animEffect>
+                                  </p:childTnLst>
+                                </p:cTn>
+                              </p:par>
+                            </p:childTnLst>
+                          </p:cTn>
+                        </p:par>
+                        <p:par>
+                          <p:cTn id="8" fill="hold">
+                            <p:stCondLst>
+                              <p:cond delay="1000"/>
+                            </p:stCondLst>
+                            <p:childTnLst>
+                              <p:par>
+                                <p:cTn id="9" presetID="22" presetClass="entr" presetSubtype="8" fill="hold" nodeType="afterEffect">
+                                  <p:stCondLst>
+                                    <p:cond delay="0"/>
+                                  </p:stCondLst>
+                                  <p:childTnLst>
+                                    <p:set>
+                                      <p:cBhvr>
+                                        <p:cTn id="10" dur="1" fill="hold">
+                                          <p:stCondLst>
+                                            <p:cond delay="0"/>
+                                          </p:stCondLst>
+                                        </p:cTn>
+                                        <p:tgtEl>
+                                          <p:spTgt spid="8"/>
+                                        </p:tgtEl>
+                                        <p:attrNameLst>
+                                          <p:attrName>style.visibility</p:attrName>
+                                        </p:attrNameLst>
+                                      </p:cBhvr>
+                                      <p:to>
+                                        <p:strVal val="visible"/>
+                                      </p:to>
+                                    </p:set>
+                                    <p:animEffect transition="in" filter="wipe(left)">
+                                      <p:cBhvr>
+                                        <p:cTn id="11" dur="750"/>
+                                        <p:tgtEl>
+                                          <p:spTgt spid="8"/>
+                                        </p:tgtEl>
+                                      </p:cBhvr>
+                                    </p:animEffect>
+                                  </p:childTnLst>
+                                </p:cTn>
+                              </p:par>
+                            </p:childTnLst>
+                          </p:cTn>
+                        </p:par>
+                        <p:par>
+                          <p:cTn id="12" fill="hold">
+                            <p:stCondLst>
+                              <p:cond delay="2000"/>
+                            </p:stCondLst>
+                            <p:childTnLst>
+                              <p:par>
+                                <p:cTn id="13" presetID="10" presetClass="entr" presetSubtype="0" fill="hold" grpId="0" nodeType="afterEffect">
+                                  <p:stCondLst>
+                                    <p:cond delay="0"/>
+                                  </p:stCondLst>
+                                  <p:childTnLst>
+                                    <p:set>
+                                      <p:cBhvr>
+                                        <p:cTn id="14" dur="1" fill="hold">
+                                          <p:stCondLst>
+                                            <p:cond delay="0"/>
+                                          </p:stCondLst>
+                                        </p:cTn>
+                                        <p:tgtEl>
+                                          <p:spTgt spid="9"/>
+                                        </p:tgtEl>
+                                        <p:attrNameLst>
+                                          <p:attrName>style.visibility</p:attrName>
+                                        </p:attrNameLst>
+                                      </p:cBhvr>
+                                      <p:to>
+                                        <p:strVal val="visible"/>
+                                      </p:to>
+                                    </p:set>
+                                    <p:animEffect transition="in" filter="fade">
+                                      <p:cBhvr>
+                                        <p:cTn id="15" dur="500"/>
+                                        <p:tgtEl>
+                                          <p:spTgt spid="9"/>
+                                        </p:tgtEl>
+                                      </p:cBhvr>
+                                    </p:animEffect>
+                                  </p:childTnLst>
+                                </p:cTn>
+                              </p:par>
+                              <p:par>
+                                <p:cTn id="16" presetID="10" presetClass="entr" presetSubtype="0" fill="hold" grpId="0" nodeType="withEffect">
+                                  <p:stCondLst>
+                                    <p:cond delay="500"/>
+                                  </p:stCondLst>
+                                  <p:childTnLst>
+                                    <p:set>
+                                      <p:cBhvr>
+                                        <p:cTn id="17" dur="1" fill="hold">
+                                          <p:stCondLst>
+                                            <p:cond delay="0"/>
+                                          </p:stCondLst>
+                                        </p:cTn>
+                                        <p:tgtEl>
+                                          <p:spTgt spid="17"/>
+                                        </p:tgtEl>
+                                        <p:attrNameLst>
+                                          <p:attrName>style.visibility</p:attrName>
+                                        </p:attrNameLst>
+                                      </p:cBhvr>
+                                      <p:to>
+                                        <p:strVal val="visible"/>
+                                      </p:to>
+                                    </p:set>
+                                    <p:animEffect transition="in" filter="fade">
+                                      <p:cBhvr>
+                                        <p:cTn id="18" dur="500"/>
+                                        <p:tgtEl>
+                                          <p:spTgt spid="17"/>
+                                        </p:tgtEl>
+                                      </p:cBhvr>
+                                    </p:animEffect>
+                                  </p:childTnLst>
+                                </p:cTn>
+                              </p:par>
+                            </p:childTnLst>
+                          </p:cTn>
+                        </p:par>
+                      </p:childTnLst>
+                    </p:cTn>
+                  </p:par>
+                  <p:par>
+                    <p:cTn id="19" fill="hold">
+                      <p:stCondLst>
+                        <p:cond delay="indefinite"/>
+                      </p:stCondLst>
+                      <p:childTnLst>
+                        <p:par>
+                          <p:cTn id="20" fill="hold">
+                            <p:stCondLst>
+                              <p:cond delay="0"/>
+                            </p:stCondLst>
+                            <p:childTnLst>
+                              <p:par>
+                                <p:cTn id="21" presetID="22" presetClass="entr" presetSubtype="4" fill="hold" nodeType="clickEffect">
+                                  <p:stCondLst>
+                                    <p:cond delay="0"/>
+                                  </p:stCondLst>
+                                  <p:childTnLst>
+                                    <p:set>
+                                      <p:cBhvr>
+                                        <p:cTn id="22" dur="1" fill="hold">
+                                          <p:stCondLst>
+                                            <p:cond delay="0"/>
+                                          </p:stCondLst>
+                                        </p:cTn>
+                                        <p:tgtEl>
+                                          <p:spTgt spid="13"/>
+                                        </p:tgtEl>
+                                        <p:attrNameLst>
+                                          <p:attrName>style.visibility</p:attrName>
+                                        </p:attrNameLst>
+                                      </p:cBhvr>
+                                      <p:to>
+                                        <p:strVal val="visible"/>
+                                      </p:to>
+                                    </p:set>
+                                    <p:animEffect transition="in" filter="wipe(down)">
+                                      <p:cBhvr>
+                                        <p:cTn id="23" dur="500"/>
+                                        <p:tgtEl>
+                                          <p:spTgt spid="13"/>
+                                        </p:tgtEl>
+                                      </p:cBhvr>
+                                    </p:animEffect>
+                                  </p:childTnLst>
+                                </p:cTn>
+                              </p:par>
+                              <p:par>
+                                <p:cTn id="24" presetID="22" presetClass="entr" presetSubtype="4" fill="hold" nodeType="withEffect">
+                                  <p:stCondLst>
+                                    <p:cond delay="0"/>
+                                  </p:stCondLst>
+                                  <p:childTnLst>
+                                    <p:set>
+                                      <p:cBhvr>
+                                        <p:cTn id="25" dur="1" fill="hold">
+                                          <p:stCondLst>
+                                            <p:cond delay="0"/>
+                                          </p:stCondLst>
+                                        </p:cTn>
+                                        <p:tgtEl>
+                                          <p:spTgt spid="18"/>
+                                        </p:tgtEl>
+                                        <p:attrNameLst>
+                                          <p:attrName>style.visibility</p:attrName>
+                                        </p:attrNameLst>
+                                      </p:cBhvr>
+                                      <p:to>
+                                        <p:strVal val="visible"/>
+                                      </p:to>
+                                    </p:set>
+                                    <p:animEffect transition="in" filter="wipe(down)">
+                                      <p:cBhvr>
+                                        <p:cTn id="26" dur="500"/>
+                                        <p:tgtEl>
+                                          <p:spTgt spid="18"/>
+                                        </p:tgtEl>
+                                      </p:cBhvr>
+                                    </p:animEffect>
+                                  </p:childTnLst>
+                                </p:cTn>
+                              </p:par>
+                            </p:childTnLst>
+                          </p:cTn>
+                        </p:par>
+                      </p:childTnLst>
+                    </p:cTn>
+                  </p:par>
+                  <p:par>
+                    <p:cTn id="27" fill="hold">
+                      <p:stCondLst>
+                        <p:cond delay="indefinite"/>
+                      </p:stCondLst>
+                      <p:childTnLst>
+                        <p:par>
+                          <p:cTn id="28" fill="hold">
+                            <p:stCondLst>
+                              <p:cond delay="0"/>
+                            </p:stCondLst>
+                            <p:childTnLst>
+                              <p:par>
+                                <p:cTn id="29" presetID="2" presetClass="entr" presetSubtype="4" fill="hold" grpId="0" nodeType="clickEffect">
+                                  <p:stCondLst>
+                                    <p:cond delay="0"/>
+                                  </p:stCondLst>
+                                  <p:childTnLst>
+                                    <p:set>
+                                      <p:cBhvr>
+                                        <p:cTn id="30" dur="1" fill="hold">
+                                          <p:stCondLst>
+                                            <p:cond delay="0"/>
+                                          </p:stCondLst>
+                                        </p:cTn>
+                                        <p:tgtEl>
+                                          <p:spTgt spid="12"/>
+                                        </p:tgtEl>
+                                        <p:attrNameLst>
+                                          <p:attrName>style.visibility</p:attrName>
+                                        </p:attrNameLst>
+                                      </p:cBhvr>
+                                      <p:to>
+                                        <p:strVal val="visible"/>
+                                      </p:to>
+                                    </p:set>
+                                    <p:anim calcmode="lin" valueType="num">
+                                      <p:cBhvr additive="base">
+                                        <p:cTn id="31" dur="500" fill="hold"/>
+                                        <p:tgtEl>
+                                          <p:spTgt spid="12"/>
+                                        </p:tgtEl>
+                                        <p:attrNameLst>
+                                          <p:attrName>ppt_x</p:attrName>
+                                        </p:attrNameLst>
+                                      </p:cBhvr>
+                                      <p:tavLst>
+                                        <p:tav tm="0">
+                                          <p:val>
+                                            <p:strVal val="#ppt_x"/>
+                                          </p:val>
+                                        </p:tav>
+                                        <p:tav tm="100000">
+                                          <p:val>
+                                            <p:strVal val="#ppt_x"/>
+                                          </p:val>
+                                        </p:tav>
+                                      </p:tavLst>
+                                    </p:anim>
+                                    <p:anim calcmode="lin" valueType="num">
+                                      <p:cBhvr additive="base">
+                                        <p:cTn id="32" dur="500" fill="hold"/>
+                                        <p:tgtEl>
+                                          <p:spTgt spid="12"/>
+                                        </p:tgtEl>
+                                        <p:attrNameLst>
+                                          <p:attrName>ppt_y</p:attrName>
+                                        </p:attrNameLst>
+                                      </p:cBhvr>
+                                      <p:tavLst>
+                                        <p:tav tm="0">
+                                          <p:val>
+                                            <p:strVal val="1+#ppt_h/2"/>
+                                          </p:val>
+                                        </p:tav>
+                                        <p:tav tm="100000">
+                                          <p:val>
+                                            <p:strVal val="#ppt_y"/>
+                                          </p:val>
+                                        </p:tav>
+                                      </p:tavLst>
+                                    </p:anim>
+                                  </p:childTnLst>
+                                </p:cTn>
+                              </p:par>
+                            </p:childTnLst>
+                          </p:cTn>
+                        </p:par>
+                      </p:childTnLst>
+                    </p:cTn>
+                  </p:par>
+                  <p:par>
+                    <p:cTn id="33" fill="hold">
+                      <p:stCondLst>
+                        <p:cond delay="indefinite"/>
+                      </p:stCondLst>
+                      <p:childTnLst>
+                        <p:par>
+                          <p:cTn id="34" fill="hold">
+                            <p:stCondLst>
+                              <p:cond delay="0"/>
+                            </p:stCondLst>
+                            <p:childTnLst>
+                              <p:par>
+                                <p:cTn id="35" presetID="42" presetClass="entr" presetSubtype="0" fill="hold" grpId="0" nodeType="clickEffect">
+                                  <p:stCondLst>
+                                    <p:cond delay="0"/>
+                                  </p:stCondLst>
+                                  <p:childTnLst>
+                                    <p:set>
+                                      <p:cBhvr>
+                                        <p:cTn id="36" dur="1" fill="hold">
+                                          <p:stCondLst>
+                                            <p:cond delay="0"/>
+                                          </p:stCondLst>
+                                        </p:cTn>
+                                        <p:tgtEl>
+                                          <p:spTgt spid="21"/>
+                                        </p:tgtEl>
+                                        <p:attrNameLst>
+                                          <p:attrName>style.visibility</p:attrName>
+                                        </p:attrNameLst>
+                                      </p:cBhvr>
+                                      <p:to>
+                                        <p:strVal val="visible"/>
+                                      </p:to>
+                                    </p:set>
+                                    <p:animEffect transition="in" filter="fade">
+                                      <p:cBhvr>
+                                        <p:cTn id="37" dur="1000"/>
+                                        <p:tgtEl>
+                                          <p:spTgt spid="21"/>
+                                        </p:tgtEl>
+                                      </p:cBhvr>
+                                    </p:animEffect>
+                                    <p:anim calcmode="lin" valueType="num">
+                                      <p:cBhvr>
+                                        <p:cTn id="38" dur="1000" fill="hold"/>
+                                        <p:tgtEl>
+                                          <p:spTgt spid="21"/>
+                                        </p:tgtEl>
+                                        <p:attrNameLst>
+                                          <p:attrName>ppt_x</p:attrName>
+                                        </p:attrNameLst>
+                                      </p:cBhvr>
+                                      <p:tavLst>
+                                        <p:tav tm="0">
+                                          <p:val>
+                                            <p:strVal val="#ppt_x"/>
+                                          </p:val>
+                                        </p:tav>
+                                        <p:tav tm="100000">
+                                          <p:val>
+                                            <p:strVal val="#ppt_x"/>
+                                          </p:val>
+                                        </p:tav>
+                                      </p:tavLst>
+                                    </p:anim>
+                                    <p:anim calcmode="lin" valueType="num">
+                                      <p:cBhvr>
+                                        <p:cTn id="39" dur="1000" fill="hold"/>
+                                        <p:tgtEl>
+                                          <p:spTgt spid="21"/>
+                                        </p:tgtEl>
+                                        <p:attrNameLst>
+                                          <p:attrName>ppt_y</p:attrName>
+                                        </p:attrNameLst>
+                                      </p:cBhvr>
+                                      <p:tavLst>
+                                        <p:tav tm="0">
+                                          <p:val>
+                                            <p:strVal val="#ppt_y+.1"/>
+                                          </p:val>
+                                        </p:tav>
+                                        <p:tav tm="100000">
+                                          <p:val>
+                                            <p:strVal val="#ppt_y"/>
+                                          </p:val>
+                                        </p:tav>
+                                      </p:tavLst>
+                                    </p:anim>
+                                  </p:childTnLst>
+                                </p:cTn>
+                              </p:par>
+                            </p:childTnLst>
+                          </p:cTn>
+                        </p:par>
+                      </p:childTnLst>
+                    </p:cTn>
+                  </p:par>
+                </p:childTnLst>
+              </p:cTn>
+              <p:prevCondLst>
+                <p:cond evt="onPrev" delay="0">
+                  <p:tgtEl>
+                    <p:sldTgt/>
+                  </p:tgtEl>
+                </p:cond>
+              </p:prevCondLst>
+              <p:nextCondLst>
+                <p:cond evt="onNext" delay="0">
+                  <p:tgtEl>
+                    <p:sldTgt/>
+                  </p:tgtEl>
+                </p:cond>
+              </p:nextCondLst>
+            </p:seq>
+          </p:childTnLst>
+        </p:cTn>
+      </p:par>
+    </p:tnLst>
+    <p:bldLst>
+      <p:bldP spid="55" grpId="0"/>
+      <p:bldP spid="9" grpId="0" animBg="1"/>
+      <p:bldP spid="12" grpId="0"/>
+      <p:bldP spid="17" grpId="0" bldLvl="0" animBg="1"/>
+      <p:bldP spid="21" grpId="0"/>
+    </p:bldLst>
+  </p:timing>
+</p:sld>
+</file>
+
+<file path=ppt/slides/slide32.xml><?xml version="1.0" encoding="utf-8"?>
+<p:sld xmlns:a="http://schemas.openxmlformats.org/drawingml/2006/main" xmlns:r="http://schemas.openxmlformats.org/officeDocument/2006/relationships" xmlns:p="http://schemas.openxmlformats.org/presentationml/2006/main">
+  <p:cSld>
+    <p:spTree>
+      <p:nvGrpSpPr>
+        <p:cNvPr id="1" name=""/>
+        <p:cNvGrpSpPr/>
+        <p:nvPr/>
+      </p:nvGrpSpPr>
+      <p:grpSpPr>
+        <a:xfrm>
+          <a:off x="0" y="0"/>
+          <a:ext cx="0" cy="0"/>
+          <a:chOff x="0" y="0"/>
+          <a:chExt cx="0" cy="0"/>
+        </a:xfrm>
+      </p:grpSpPr>
+      <p:sp>
+        <p:nvSpPr>
           <p:cNvPr id="35" name="Rectangle 39"/>
           <p:cNvSpPr>
             <a:spLocks noChangeArrowheads="1"/>
@@ -25527,7 +26574,7 @@
 </p:sld>
 </file>
 
-<file path=ppt/slides/slide32.xml><?xml version="1.0" encoding="utf-8"?>
+<file path=ppt/slides/slide33.xml><?xml version="1.0" encoding="utf-8"?>
 <p:sld xmlns:a="http://schemas.openxmlformats.org/drawingml/2006/main" xmlns:r="http://schemas.openxmlformats.org/officeDocument/2006/relationships" xmlns:p="http://schemas.openxmlformats.org/presentationml/2006/main">
   <p:cSld>
     <p:spTree>
@@ -25588,8 +26635,8 @@
         </p:nvSpPr>
         <p:spPr>
           <a:xfrm>
-            <a:off x="4684519" y="2990854"/>
-            <a:ext cx="4120116" cy="1938992"/>
+            <a:off x="4432941" y="2492091"/>
+            <a:ext cx="4120116" cy="3785652"/>
           </a:xfrm>
           <a:prstGeom prst="rect">
             <a:avLst/>
@@ -25780,8 +26827,108 @@
                 <a:ea typeface="迷你简艺黑" panose="03000509000000000000" pitchFamily="65" charset="-122"/>
                 <a:sym typeface="+mn-ea"/>
               </a:rPr>
-              <a:t>邱英凡：概述</a:t>
-            </a:r>
+              <a:t>邱英凡：</a:t>
+            </a:r>
+            <a:r>
+              <a:rPr lang="zh-CN" altLang="en-US" sz="2400" b="1" spc="213" dirty="0" smtClean="0">
+                <a:solidFill>
+                  <a:schemeClr val="bg1"/>
+                </a:solidFill>
+                <a:latin typeface="迷你简艺黑" panose="03000509000000000000" pitchFamily="65" charset="-122"/>
+                <a:ea typeface="迷你简艺黑" panose="03000509000000000000" pitchFamily="65" charset="-122"/>
+                <a:sym typeface="+mn-ea"/>
+              </a:rPr>
+              <a:t>概述</a:t>
+            </a:r>
+            <a:endParaRPr lang="en-US" altLang="zh-CN" sz="2400" b="1" spc="213" dirty="0" smtClean="0">
+              <a:solidFill>
+                <a:schemeClr val="bg1"/>
+              </a:solidFill>
+              <a:latin typeface="迷你简艺黑" panose="03000509000000000000" pitchFamily="65" charset="-122"/>
+              <a:ea typeface="迷你简艺黑" panose="03000509000000000000" pitchFamily="65" charset="-122"/>
+              <a:sym typeface="+mn-ea"/>
+            </a:endParaRPr>
+          </a:p>
+          <a:p>
+            <a:pPr algn="l"/>
+            <a:endParaRPr lang="en-US" altLang="zh-CN" sz="2400" b="1" spc="213" dirty="0">
+              <a:solidFill>
+                <a:schemeClr val="bg1"/>
+              </a:solidFill>
+              <a:latin typeface="迷你简艺黑" panose="03000509000000000000" pitchFamily="65" charset="-122"/>
+              <a:ea typeface="迷你简艺黑" panose="03000509000000000000" pitchFamily="65" charset="-122"/>
+              <a:sym typeface="+mn-ea"/>
+            </a:endParaRPr>
+          </a:p>
+          <a:p>
+            <a:pPr algn="l"/>
+            <a:r>
+              <a:rPr lang="zh-CN" altLang="en-US" sz="2400" b="1" spc="213" dirty="0" smtClean="0">
+                <a:solidFill>
+                  <a:schemeClr val="bg1"/>
+                </a:solidFill>
+                <a:latin typeface="迷你简艺黑" panose="03000509000000000000" pitchFamily="65" charset="-122"/>
+                <a:ea typeface="迷你简艺黑" panose="03000509000000000000" pitchFamily="65" charset="-122"/>
+                <a:sym typeface="+mn-ea"/>
+              </a:rPr>
+              <a:t>参考资料：</a:t>
+            </a:r>
+            <a:endParaRPr lang="en-US" altLang="zh-CN" sz="2400" b="1" spc="213" dirty="0" smtClean="0">
+              <a:solidFill>
+                <a:schemeClr val="bg1"/>
+              </a:solidFill>
+              <a:latin typeface="迷你简艺黑" panose="03000509000000000000" pitchFamily="65" charset="-122"/>
+              <a:ea typeface="迷你简艺黑" panose="03000509000000000000" pitchFamily="65" charset="-122"/>
+              <a:sym typeface="+mn-ea"/>
+            </a:endParaRPr>
+          </a:p>
+          <a:p>
+            <a:r>
+              <a:rPr lang="en-US" altLang="zh-CN" sz="2400" b="1" spc="213" dirty="0" smtClean="0">
+                <a:solidFill>
+                  <a:schemeClr val="bg1"/>
+                </a:solidFill>
+                <a:latin typeface="迷你简艺黑" panose="03000509000000000000" pitchFamily="65" charset="-122"/>
+                <a:ea typeface="迷你简艺黑" panose="03000509000000000000" pitchFamily="65" charset="-122"/>
+                <a:sym typeface="+mn-ea"/>
+              </a:rPr>
+              <a:t>GB/T8567-2006</a:t>
+            </a:r>
+          </a:p>
+          <a:p>
+            <a:r>
+              <a:rPr lang="zh-CN" altLang="en-US" sz="2400" b="1" spc="213" dirty="0" smtClean="0">
+                <a:solidFill>
+                  <a:schemeClr val="bg1"/>
+                </a:solidFill>
+                <a:latin typeface="迷你简艺黑" panose="03000509000000000000" pitchFamily="65" charset="-122"/>
+                <a:ea typeface="迷你简艺黑" panose="03000509000000000000" pitchFamily="65" charset="-122"/>
+                <a:sym typeface="+mn-ea"/>
+              </a:rPr>
+              <a:t>课程</a:t>
+            </a:r>
+            <a:r>
+              <a:rPr lang="en-US" altLang="zh-CN" sz="2400" b="1" spc="213" dirty="0" err="1" smtClean="0">
+                <a:solidFill>
+                  <a:schemeClr val="bg1"/>
+                </a:solidFill>
+                <a:latin typeface="迷你简艺黑" panose="03000509000000000000" pitchFamily="65" charset="-122"/>
+                <a:ea typeface="迷你简艺黑" panose="03000509000000000000" pitchFamily="65" charset="-122"/>
+                <a:sym typeface="+mn-ea"/>
+              </a:rPr>
+              <a:t>ppt</a:t>
+            </a:r>
+            <a:endParaRPr lang="en-US" altLang="zh-CN" sz="2400" b="1" spc="213" dirty="0">
+              <a:solidFill>
+                <a:schemeClr val="bg1"/>
+              </a:solidFill>
+              <a:latin typeface="迷你简艺黑" panose="03000509000000000000" pitchFamily="65" charset="-122"/>
+              <a:ea typeface="迷你简艺黑" panose="03000509000000000000" pitchFamily="65" charset="-122"/>
+              <a:sym typeface="+mn-ea"/>
+            </a:endParaRPr>
+          </a:p>
+          <a:p>
+            <a:pPr algn="l"/>
             <a:endParaRPr lang="zh-CN" altLang="en-US" sz="2400" b="1" spc="213" dirty="0">
               <a:solidFill>
                 <a:schemeClr val="bg1"/>
@@ -25816,7 +26963,7 @@
 </p:sld>
 </file>
 
-<file path=ppt/slides/slide33.xml><?xml version="1.0" encoding="utf-8"?>
+<file path=ppt/slides/slide34.xml><?xml version="1.0" encoding="utf-8"?>
 <p:sld xmlns:a="http://schemas.openxmlformats.org/drawingml/2006/main" xmlns:r="http://schemas.openxmlformats.org/officeDocument/2006/relationships" xmlns:p="http://schemas.openxmlformats.org/presentationml/2006/main">
   <p:cSld>
     <p:spTree>
@@ -33110,6 +34257,12 @@
 </p:tagLst>
 </file>
 
+<file path=ppt/tags/tag7.xml><?xml version="1.0" encoding="utf-8"?>
+<p:tagLst xmlns:a="http://schemas.openxmlformats.org/drawingml/2006/main" xmlns:r="http://schemas.openxmlformats.org/officeDocument/2006/relationships" xmlns:p="http://schemas.openxmlformats.org/presentationml/2006/main">
+  <p:tag name="TIMING" val="|5.1|0.8|0.7"/>
+</p:tagLst>
+</file>
+
 <file path=ppt/theme/theme1.xml><?xml version="1.0" encoding="utf-8"?>
 <a:theme xmlns:a="http://schemas.openxmlformats.org/drawingml/2006/main" name="1_Office 主题​​">
   <a:themeElements>

--- a/需求工程项目计划ppt.pptx
+++ b/需求工程项目计划ppt.pptx
@@ -6754,7 +6754,7 @@
               <a:t>仲</a:t>
             </a:r>
             <a:r>
-              <a:rPr lang="zh-CN" altLang="en-US" sz="2665" b="1" spc="213" dirty="0">
+              <a:rPr lang="zh-CN" altLang="en-US" sz="2665" b="1" spc="213">
                 <a:blipFill dpi="0" rotWithShape="1">
                   <a:blip r:embed="rId7">
                     <a:extLst>
@@ -6772,8 +6772,47 @@
                 <a:ea typeface="方正正大黑简体" panose="02000000000000000000"/>
                 <a:cs typeface="+mn-cs"/>
               </a:rPr>
-              <a:t>叶 邱英凡</a:t>
-            </a:r>
+              <a:t>叶 </a:t>
+            </a:r>
+            <a:r>
+              <a:rPr lang="zh-CN" altLang="en-US" sz="2665" b="1" spc="213" smtClean="0">
+                <a:blipFill dpi="0" rotWithShape="1">
+                  <a:blip r:embed="rId7">
+                    <a:extLst>
+                      <a:ext uri="{28A0092B-C50C-407E-A947-70E740481C1C}">
+                        <a14:useLocalDpi xmlns:a14="http://schemas.microsoft.com/office/drawing/2010/main" val="0"/>
+                      </a:ext>
+                    </a:extLst>
+                  </a:blip>
+                  <a:srcRect/>
+                  <a:stretch>
+                    <a:fillRect/>
+                  </a:stretch>
+                </a:blipFill>
+                <a:latin typeface="方正正大黑简体" panose="02000000000000000000" pitchFamily="2" charset="-122"/>
+                <a:ea typeface="方正正大黑简体" panose="02000000000000000000"/>
+                <a:cs typeface="+mn-cs"/>
+              </a:rPr>
+              <a:t>邱英凡 </a:t>
+            </a:r>
+            <a:endParaRPr lang="zh-CN" altLang="en-US" sz="2665" b="1" spc="213" dirty="0">
+              <a:blipFill dpi="0" rotWithShape="1">
+                <a:blip r:embed="rId7">
+                  <a:extLst>
+                    <a:ext uri="{28A0092B-C50C-407E-A947-70E740481C1C}">
+                      <a14:useLocalDpi xmlns:a14="http://schemas.microsoft.com/office/drawing/2010/main" val="0"/>
+                    </a:ext>
+                  </a:extLst>
+                </a:blip>
+                <a:srcRect/>
+                <a:stretch>
+                  <a:fillRect/>
+                </a:stretch>
+              </a:blipFill>
+              <a:latin typeface="方正正大黑简体" panose="02000000000000000000" pitchFamily="2" charset="-122"/>
+              <a:ea typeface="方正正大黑简体" panose="02000000000000000000"/>
+              <a:cs typeface="+mn-cs"/>
+            </a:endParaRPr>
           </a:p>
         </p:txBody>
       </p:sp>
@@ -6819,7 +6858,70 @@
                 <a:latin typeface="方正正大黑简体" panose="02000000000000000000" pitchFamily="2" charset="-122"/>
                 <a:ea typeface="方正正大黑简体" panose="02000000000000000000"/>
               </a:rPr>
-              <a:t>软件工程系列课程辅助教学网站</a:t>
+              <a:t>软件工程系列</a:t>
+            </a:r>
+            <a:r>
+              <a:rPr lang="zh-CN" altLang="en-US" sz="2665" b="1" spc="213" dirty="0" smtClean="0">
+                <a:blipFill dpi="0" rotWithShape="1">
+                  <a:blip r:embed="rId7">
+                    <a:alphaModFix amt="97000"/>
+                    <a:extLst>
+                      <a:ext uri="{28A0092B-C50C-407E-A947-70E740481C1C}">
+                        <a14:useLocalDpi xmlns:a14="http://schemas.microsoft.com/office/drawing/2010/main" val="0"/>
+                      </a:ext>
+                    </a:extLst>
+                  </a:blip>
+                  <a:srcRect/>
+                  <a:stretch>
+                    <a:fillRect/>
+                  </a:stretch>
+                </a:blipFill>
+                <a:latin typeface="方正正大黑简体" panose="02000000000000000000" pitchFamily="2" charset="-122"/>
+                <a:ea typeface="方正正大黑简体" panose="02000000000000000000"/>
+              </a:rPr>
+              <a:t>课程</a:t>
+            </a:r>
+            <a:r>
+              <a:rPr lang="zh-CN" altLang="en-US" sz="2665" b="1" spc="213" dirty="0" smtClean="0">
+                <a:blipFill dpi="0" rotWithShape="1">
+                  <a:blip r:embed="rId7">
+                    <a:alphaModFix amt="97000"/>
+                    <a:extLst>
+                      <a:ext uri="{28A0092B-C50C-407E-A947-70E740481C1C}">
+                        <a14:useLocalDpi xmlns:a14="http://schemas.microsoft.com/office/drawing/2010/main" val="0"/>
+                      </a:ext>
+                    </a:extLst>
+                  </a:blip>
+                  <a:srcRect/>
+                  <a:stretch>
+                    <a:fillRect/>
+                  </a:stretch>
+                </a:blipFill>
+                <a:latin typeface="方正正大黑简体" panose="02000000000000000000" pitchFamily="2" charset="-122"/>
+                <a:ea typeface="方正正大黑简体" panose="02000000000000000000"/>
+              </a:rPr>
+              <a:t>教学</a:t>
+            </a:r>
+            <a:r>
+              <a:rPr lang="zh-CN" altLang="en-US" sz="2665" b="1" spc="213" dirty="0">
+                <a:blipFill dpi="0" rotWithShape="1">
+                  <a:blip r:embed="rId7">
+                    <a:alphaModFix amt="97000"/>
+                    <a:extLst>
+                      <a:ext uri="{28A0092B-C50C-407E-A947-70E740481C1C}">
+                        <a14:useLocalDpi xmlns:a14="http://schemas.microsoft.com/office/drawing/2010/main" val="0"/>
+                      </a:ext>
+                    </a:extLst>
+                  </a:blip>
+                  <a:srcRect/>
+                  <a:stretch>
+                    <a:fillRect/>
+                  </a:stretch>
+                </a:blipFill>
+                <a:latin typeface="方正正大黑简体" panose="02000000000000000000" pitchFamily="2" charset="-122"/>
+                <a:ea typeface="方正正大黑简体" panose="02000000000000000000"/>
+              </a:rPr>
+              <a:t>辅助网站</a:t>
             </a:r>
             <a:endParaRPr lang="en-US" altLang="zh-CN" sz="2665" b="1" spc="213" dirty="0">
               <a:blipFill dpi="0" rotWithShape="1">
@@ -7003,8 +7105,8 @@
   <p:transition spd="slow">
     <p:fade thruBlk="1"/>
   </p:transition>
-  <mc:AlternateContent xmlns:mc="http://schemas.openxmlformats.org/markup-compatibility/2006" xmlns:p14="http://schemas.microsoft.com/office/powerpoint/2010/main">
-    <mc:Choice Requires="p14">
+  <mc:AlternateContent xmlns:mc="http://schemas.openxmlformats.org/markup-compatibility/2006">
+    <mc:Choice xmlns:p14="http://schemas.microsoft.com/office/powerpoint/2010/main" Requires="p14">
       <p:timing>
         <p:tnLst>
           <p:par>
@@ -7284,7 +7386,7 @@
         </p:bldLst>
       </p:timing>
     </mc:Choice>
-    <mc:Fallback xmlns="">
+    <mc:Fallback>
       <p:timing>
         <p:tnLst>
           <p:par>
@@ -26827,18 +26929,7 @@
                 <a:ea typeface="迷你简艺黑" panose="03000509000000000000" pitchFamily="65" charset="-122"/>
                 <a:sym typeface="+mn-ea"/>
               </a:rPr>
-              <a:t>邱英凡：</a:t>
-            </a:r>
-            <a:r>
-              <a:rPr lang="zh-CN" altLang="en-US" sz="2400" b="1" spc="213" dirty="0" smtClean="0">
-                <a:solidFill>
-                  <a:schemeClr val="bg1"/>
-                </a:solidFill>
-                <a:latin typeface="迷你简艺黑" panose="03000509000000000000" pitchFamily="65" charset="-122"/>
-                <a:ea typeface="迷你简艺黑" panose="03000509000000000000" pitchFamily="65" charset="-122"/>
-                <a:sym typeface="+mn-ea"/>
-              </a:rPr>
-              <a:t>概述</a:t>
+              <a:t>邱英凡：概述</a:t>
             </a:r>
             <a:endParaRPr lang="en-US" altLang="zh-CN" sz="2400" b="1" spc="213" dirty="0" smtClean="0">
               <a:solidFill>

--- a/需求工程项目计划ppt.pptx
+++ b/需求工程项目计划ppt.pptx
@@ -234,7 +234,7 @@
           <a:p>
             <a:fld id="{D420784D-2F3F-4052-91BC-4A328CBE226B}" type="datetimeFigureOut">
               <a:rPr lang="zh-CN" altLang="en-US" smtClean="0"/>
-              <a:t>2017/11/3 Friday</a:t>
+              <a:t>2017/11/4 Saturday</a:t>
             </a:fld>
             <a:endParaRPr lang="zh-CN" altLang="en-US"/>
           </a:p>
@@ -3471,7 +3471,7 @@
           <a:p>
             <a:fld id="{36254065-6D17-4A3A-91E4-21B75217D363}" type="datetimeFigureOut">
               <a:rPr lang="zh-CN" altLang="en-US" smtClean="0"/>
-              <a:t>2017/11/3 Friday</a:t>
+              <a:t>2017/11/4 Saturday</a:t>
             </a:fld>
             <a:endParaRPr lang="zh-CN" altLang="en-US"/>
           </a:p>
@@ -3684,7 +3684,7 @@
           <a:p>
             <a:fld id="{36254065-6D17-4A3A-91E4-21B75217D363}" type="datetimeFigureOut">
               <a:rPr lang="zh-CN" altLang="en-US" smtClean="0"/>
-              <a:t>2017/11/3 Friday</a:t>
+              <a:t>2017/11/4 Saturday</a:t>
             </a:fld>
             <a:endParaRPr lang="zh-CN" altLang="en-US"/>
           </a:p>
@@ -3890,7 +3890,7 @@
           <a:p>
             <a:fld id="{36254065-6D17-4A3A-91E4-21B75217D363}" type="datetimeFigureOut">
               <a:rPr lang="zh-CN" altLang="en-US" smtClean="0"/>
-              <a:t>2017/11/3 Friday</a:t>
+              <a:t>2017/11/4 Saturday</a:t>
             </a:fld>
             <a:endParaRPr lang="zh-CN" altLang="en-US"/>
           </a:p>
@@ -4096,7 +4096,7 @@
           <a:p>
             <a:fld id="{36254065-6D17-4A3A-91E4-21B75217D363}" type="datetimeFigureOut">
               <a:rPr lang="zh-CN" altLang="en-US" smtClean="0"/>
-              <a:t>2017/11/3 Friday</a:t>
+              <a:t>2017/11/4 Saturday</a:t>
             </a:fld>
             <a:endParaRPr lang="zh-CN" altLang="en-US"/>
           </a:p>
@@ -4376,7 +4376,7 @@
           <a:p>
             <a:fld id="{36254065-6D17-4A3A-91E4-21B75217D363}" type="datetimeFigureOut">
               <a:rPr lang="zh-CN" altLang="en-US" smtClean="0"/>
-              <a:t>2017/11/3 Friday</a:t>
+              <a:t>2017/11/4 Saturday</a:t>
             </a:fld>
             <a:endParaRPr lang="zh-CN" altLang="en-US"/>
           </a:p>
@@ -4704,7 +4704,7 @@
           <a:p>
             <a:fld id="{36254065-6D17-4A3A-91E4-21B75217D363}" type="datetimeFigureOut">
               <a:rPr lang="zh-CN" altLang="en-US" smtClean="0"/>
-              <a:t>2017/11/3 Friday</a:t>
+              <a:t>2017/11/4 Saturday</a:t>
             </a:fld>
             <a:endParaRPr lang="zh-CN" altLang="en-US"/>
           </a:p>
@@ -5172,7 +5172,7 @@
           <a:p>
             <a:fld id="{36254065-6D17-4A3A-91E4-21B75217D363}" type="datetimeFigureOut">
               <a:rPr lang="zh-CN" altLang="en-US" smtClean="0"/>
-              <a:t>2017/11/3 Friday</a:t>
+              <a:t>2017/11/4 Saturday</a:t>
             </a:fld>
             <a:endParaRPr lang="zh-CN" altLang="en-US"/>
           </a:p>
@@ -5326,7 +5326,7 @@
           <a:p>
             <a:fld id="{36254065-6D17-4A3A-91E4-21B75217D363}" type="datetimeFigureOut">
               <a:rPr lang="zh-CN" altLang="en-US" smtClean="0"/>
-              <a:t>2017/11/3 Friday</a:t>
+              <a:t>2017/11/4 Saturday</a:t>
             </a:fld>
             <a:endParaRPr lang="zh-CN" altLang="en-US"/>
           </a:p>
@@ -5443,7 +5443,7 @@
           <a:p>
             <a:fld id="{36254065-6D17-4A3A-91E4-21B75217D363}" type="datetimeFigureOut">
               <a:rPr lang="zh-CN" altLang="en-US" smtClean="0"/>
-              <a:t>2017/11/3 Friday</a:t>
+              <a:t>2017/11/4 Saturday</a:t>
             </a:fld>
             <a:endParaRPr lang="zh-CN" altLang="en-US"/>
           </a:p>
@@ -5749,7 +5749,7 @@
           <a:p>
             <a:fld id="{36254065-6D17-4A3A-91E4-21B75217D363}" type="datetimeFigureOut">
               <a:rPr lang="zh-CN" altLang="en-US" smtClean="0"/>
-              <a:t>2017/11/3 Friday</a:t>
+              <a:t>2017/11/4 Saturday</a:t>
             </a:fld>
             <a:endParaRPr lang="zh-CN" altLang="en-US"/>
           </a:p>
@@ -6032,7 +6032,7 @@
           <a:p>
             <a:fld id="{36254065-6D17-4A3A-91E4-21B75217D363}" type="datetimeFigureOut">
               <a:rPr lang="zh-CN" altLang="en-US" smtClean="0"/>
-              <a:t>2017/11/3 Friday</a:t>
+              <a:t>2017/11/4 Saturday</a:t>
             </a:fld>
             <a:endParaRPr lang="zh-CN" altLang="en-US"/>
           </a:p>
@@ -10329,8 +10329,8 @@
   <p:transition spd="slow">
     <p:fade thruBlk="1"/>
   </p:transition>
-  <mc:AlternateContent xmlns:mc="http://schemas.openxmlformats.org/markup-compatibility/2006">
-    <mc:Choice xmlns:p14="http://schemas.microsoft.com/office/powerpoint/2010/main" Requires="p14">
+  <mc:AlternateContent xmlns:mc="http://schemas.openxmlformats.org/markup-compatibility/2006" xmlns:p14="http://schemas.microsoft.com/office/powerpoint/2010/main">
+    <mc:Choice Requires="p14">
       <p:timing>
         <p:tnLst>
           <p:par>
@@ -10459,7 +10459,7 @@
         </p:bldLst>
       </p:timing>
     </mc:Choice>
-    <mc:Fallback>
+    <mc:Fallback xmlns="">
       <p:timing>
         <p:tnLst>
           <p:par>
@@ -32019,7 +32019,7 @@
         <p:spPr>
           <a:xfrm>
             <a:off x="3501607" y="2187290"/>
-            <a:ext cx="6844659" cy="4154984"/>
+            <a:ext cx="6844659" cy="3785652"/>
           </a:xfrm>
           <a:prstGeom prst="rect">
             <a:avLst/>
@@ -32056,7 +32056,7 @@
               <a:t>PPT</a:t>
             </a:r>
             <a:r>
-              <a:rPr lang="zh-CN" altLang="en-US" sz="2400" b="1" spc="213" dirty="0">
+              <a:rPr lang="zh-CN" altLang="en-US" sz="2400" b="1" spc="213" dirty="0" smtClean="0">
                 <a:solidFill>
                   <a:schemeClr val="bg1"/>
                 </a:solidFill>
@@ -32064,13 +32064,10 @@
                 <a:ea typeface="迷你简艺黑" panose="03000509000000000000" pitchFamily="65" charset="-122"/>
                 <a:sym typeface="+mn-ea"/>
               </a:rPr>
-              <a:t>汇总</a:t>
-            </a:r>
-          </a:p>
-          <a:p>
-            <a:pPr algn="l"/>
-            <a:r>
-              <a:rPr lang="zh-CN" altLang="en-US" sz="2400" b="1" spc="213" dirty="0">
+              <a:t>汇总 </a:t>
+            </a:r>
+            <a:r>
+              <a:rPr lang="en-US" altLang="zh-CN" sz="2400" b="1" spc="213" dirty="0" smtClean="0">
                 <a:solidFill>
                   <a:schemeClr val="bg1"/>
                 </a:solidFill>
@@ -32078,8 +32075,11 @@
                 <a:ea typeface="迷你简艺黑" panose="03000509000000000000" pitchFamily="65" charset="-122"/>
                 <a:sym typeface="+mn-ea"/>
               </a:rPr>
-              <a:t>史晨鑫</a:t>
-            </a:r>
+              <a:t>8.2</a:t>
+            </a:r>
+          </a:p>
+          <a:p>
+            <a:pPr algn="l"/>
             <a:r>
               <a:rPr lang="zh-CN" altLang="en-US" sz="2400" b="1" spc="213" dirty="0" smtClean="0">
                 <a:solidFill>
@@ -32089,19 +32089,8 @@
                 <a:ea typeface="迷你简艺黑" panose="03000509000000000000" pitchFamily="65" charset="-122"/>
                 <a:sym typeface="+mn-ea"/>
               </a:rPr>
-              <a:t>：需求管理</a:t>
-            </a:r>
-            <a:endParaRPr lang="en-US" altLang="zh-CN" sz="2400" b="1" spc="213" dirty="0" smtClean="0">
-              <a:solidFill>
-                <a:schemeClr val="bg1"/>
-              </a:solidFill>
-              <a:latin typeface="迷你简艺黑" panose="03000509000000000000" pitchFamily="65" charset="-122"/>
-              <a:ea typeface="迷你简艺黑" panose="03000509000000000000" pitchFamily="65" charset="-122"/>
-              <a:sym typeface="+mn-ea"/>
-            </a:endParaRPr>
-          </a:p>
-          <a:p>
-            <a:pPr algn="l"/>
+              <a:t>史晨鑫</a:t>
+            </a:r>
             <a:r>
               <a:rPr lang="zh-CN" altLang="en-US" sz="2400" b="1" spc="213" dirty="0" smtClean="0">
                 <a:solidFill>
@@ -32111,10 +32100,10 @@
                 <a:ea typeface="迷你简艺黑" panose="03000509000000000000" pitchFamily="65" charset="-122"/>
                 <a:sym typeface="+mn-ea"/>
               </a:rPr>
-              <a:t>汪</a:t>
-            </a:r>
-            <a:r>
-              <a:rPr lang="zh-CN" altLang="en-US" sz="2400" b="1" spc="213" dirty="0">
+              <a:t>：需求</a:t>
+            </a:r>
+            <a:r>
+              <a:rPr lang="zh-CN" altLang="en-US" sz="2400" b="1" spc="213" dirty="0" smtClean="0">
                 <a:solidFill>
                   <a:schemeClr val="bg1"/>
                 </a:solidFill>
@@ -32122,10 +32111,10 @@
                 <a:ea typeface="迷你简艺黑" panose="03000509000000000000" pitchFamily="65" charset="-122"/>
                 <a:sym typeface="+mn-ea"/>
               </a:rPr>
-              <a:t>涛</a:t>
-            </a:r>
-            <a:r>
-              <a:rPr lang="zh-CN" altLang="en-US" sz="2400" b="1" spc="213" dirty="0" smtClean="0">
+              <a:t>管理 </a:t>
+            </a:r>
+            <a:r>
+              <a:rPr lang="en-US" altLang="zh-CN" sz="2400" b="1" spc="213" dirty="0" smtClean="0">
                 <a:solidFill>
                   <a:schemeClr val="bg1"/>
                 </a:solidFill>
@@ -32133,16 +32122,8 @@
                 <a:ea typeface="迷你简艺黑" panose="03000509000000000000" pitchFamily="65" charset="-122"/>
                 <a:sym typeface="+mn-ea"/>
               </a:rPr>
-              <a:t>：风险</a:t>
-            </a:r>
-            <a:endParaRPr lang="en-US" altLang="zh-CN" sz="2400" b="1" spc="213" dirty="0" smtClean="0">
-              <a:solidFill>
-                <a:schemeClr val="bg1"/>
-              </a:solidFill>
-              <a:latin typeface="迷你简艺黑" panose="03000509000000000000" pitchFamily="65" charset="-122"/>
-              <a:ea typeface="迷你简艺黑" panose="03000509000000000000" pitchFamily="65" charset="-122"/>
-              <a:sym typeface="+mn-ea"/>
-            </a:endParaRPr>
+              <a:t>7.8</a:t>
+            </a:r>
           </a:p>
           <a:p>
             <a:pPr algn="l"/>
@@ -32155,7 +32136,7 @@
                 <a:ea typeface="迷你简艺黑" panose="03000509000000000000" pitchFamily="65" charset="-122"/>
                 <a:sym typeface="+mn-ea"/>
               </a:rPr>
-              <a:t>仲</a:t>
+              <a:t>汪</a:t>
             </a:r>
             <a:r>
               <a:rPr lang="zh-CN" altLang="en-US" sz="2400" b="1" spc="213" dirty="0">
@@ -32166,7 +32147,7 @@
                 <a:ea typeface="迷你简艺黑" panose="03000509000000000000" pitchFamily="65" charset="-122"/>
                 <a:sym typeface="+mn-ea"/>
               </a:rPr>
-              <a:t>叶</a:t>
+              <a:t>涛</a:t>
             </a:r>
             <a:r>
               <a:rPr lang="zh-CN" altLang="en-US" sz="2400" b="1" spc="213" dirty="0" smtClean="0">
@@ -32180,7 +32161,7 @@
               <a:t>：</a:t>
             </a:r>
             <a:r>
-              <a:rPr lang="zh-CN" altLang="en-US" sz="2400" b="1" spc="213" dirty="0">
+              <a:rPr lang="zh-CN" altLang="en-US" sz="2400" b="1" spc="213" dirty="0" smtClean="0">
                 <a:solidFill>
                   <a:schemeClr val="bg1"/>
                 </a:solidFill>
@@ -32188,21 +32169,10 @@
                 <a:ea typeface="迷你简艺黑" panose="03000509000000000000" pitchFamily="65" charset="-122"/>
                 <a:sym typeface="+mn-ea"/>
               </a:rPr>
-              <a:t>需求管理</a:t>
-            </a:r>
-            <a:endParaRPr lang="en-US" altLang="zh-CN" sz="2400" b="1" spc="213" dirty="0">
-              <a:solidFill>
-                <a:schemeClr val="bg1"/>
-              </a:solidFill>
-              <a:latin typeface="迷你简艺黑" panose="03000509000000000000" pitchFamily="65" charset="-122"/>
-              <a:ea typeface="迷你简艺黑" panose="03000509000000000000" pitchFamily="65" charset="-122"/>
-              <a:sym typeface="+mn-ea"/>
-            </a:endParaRPr>
-          </a:p>
-          <a:p>
-            <a:pPr algn="l"/>
-            <a:r>
-              <a:rPr lang="zh-CN" altLang="en-US" sz="2400" b="1" spc="213" dirty="0" smtClean="0">
+              <a:t>风险</a:t>
+            </a:r>
+            <a:r>
+              <a:rPr lang="en-US" altLang="zh-CN" sz="2400" b="1" spc="213" dirty="0" smtClean="0">
                 <a:solidFill>
                   <a:schemeClr val="bg1"/>
                 </a:solidFill>
@@ -32210,27 +32180,8 @@
                 <a:ea typeface="迷你简艺黑" panose="03000509000000000000" pitchFamily="65" charset="-122"/>
                 <a:sym typeface="+mn-ea"/>
               </a:rPr>
-              <a:t>邱英凡：概述</a:t>
-            </a:r>
-            <a:endParaRPr lang="en-US" altLang="zh-CN" sz="2400" b="1" spc="213" dirty="0" smtClean="0">
-              <a:solidFill>
-                <a:schemeClr val="bg1"/>
-              </a:solidFill>
-              <a:latin typeface="迷你简艺黑" panose="03000509000000000000" pitchFamily="65" charset="-122"/>
-              <a:ea typeface="迷你简艺黑" panose="03000509000000000000" pitchFamily="65" charset="-122"/>
-              <a:sym typeface="+mn-ea"/>
-            </a:endParaRPr>
-          </a:p>
-          <a:p>
-            <a:pPr algn="l"/>
-            <a:endParaRPr lang="en-US" altLang="zh-CN" sz="2400" b="1" spc="213" dirty="0">
-              <a:solidFill>
-                <a:schemeClr val="bg1"/>
-              </a:solidFill>
-              <a:latin typeface="迷你简艺黑" panose="03000509000000000000" pitchFamily="65" charset="-122"/>
-              <a:ea typeface="迷你简艺黑" panose="03000509000000000000" pitchFamily="65" charset="-122"/>
-              <a:sym typeface="+mn-ea"/>
-            </a:endParaRPr>
+              <a:t>8.0</a:t>
+            </a:r>
           </a:p>
           <a:p>
             <a:pPr algn="l"/>
@@ -32243,7 +32194,134 @@
                 <a:ea typeface="迷你简艺黑" panose="03000509000000000000" pitchFamily="65" charset="-122"/>
                 <a:sym typeface="+mn-ea"/>
               </a:rPr>
-              <a:t>参考资料：</a:t>
+              <a:t>仲</a:t>
+            </a:r>
+            <a:r>
+              <a:rPr lang="zh-CN" altLang="en-US" sz="2400" b="1" spc="213" dirty="0">
+                <a:solidFill>
+                  <a:schemeClr val="bg1"/>
+                </a:solidFill>
+                <a:latin typeface="迷你简艺黑" panose="03000509000000000000" pitchFamily="65" charset="-122"/>
+                <a:ea typeface="迷你简艺黑" panose="03000509000000000000" pitchFamily="65" charset="-122"/>
+                <a:sym typeface="+mn-ea"/>
+              </a:rPr>
+              <a:t>叶</a:t>
+            </a:r>
+            <a:r>
+              <a:rPr lang="zh-CN" altLang="en-US" sz="2400" b="1" spc="213" dirty="0" smtClean="0">
+                <a:solidFill>
+                  <a:schemeClr val="bg1"/>
+                </a:solidFill>
+                <a:latin typeface="迷你简艺黑" panose="03000509000000000000" pitchFamily="65" charset="-122"/>
+                <a:ea typeface="迷你简艺黑" panose="03000509000000000000" pitchFamily="65" charset="-122"/>
+                <a:sym typeface="+mn-ea"/>
+              </a:rPr>
+              <a:t>：</a:t>
+            </a:r>
+            <a:r>
+              <a:rPr lang="zh-CN" altLang="en-US" sz="2400" b="1" spc="213" dirty="0">
+                <a:solidFill>
+                  <a:schemeClr val="bg1"/>
+                </a:solidFill>
+                <a:latin typeface="迷你简艺黑" panose="03000509000000000000" pitchFamily="65" charset="-122"/>
+                <a:ea typeface="迷你简艺黑" panose="03000509000000000000" pitchFamily="65" charset="-122"/>
+                <a:sym typeface="+mn-ea"/>
+              </a:rPr>
+              <a:t>需求</a:t>
+            </a:r>
+            <a:r>
+              <a:rPr lang="zh-CN" altLang="en-US" sz="2400" b="1" spc="213" dirty="0" smtClean="0">
+                <a:solidFill>
+                  <a:schemeClr val="bg1"/>
+                </a:solidFill>
+                <a:latin typeface="迷你简艺黑" panose="03000509000000000000" pitchFamily="65" charset="-122"/>
+                <a:ea typeface="迷你简艺黑" panose="03000509000000000000" pitchFamily="65" charset="-122"/>
+                <a:sym typeface="+mn-ea"/>
+              </a:rPr>
+              <a:t>管理</a:t>
+            </a:r>
+            <a:r>
+              <a:rPr lang="en-US" altLang="zh-CN" sz="2400" b="1" spc="213" dirty="0" smtClean="0">
+                <a:solidFill>
+                  <a:schemeClr val="bg1"/>
+                </a:solidFill>
+                <a:latin typeface="迷你简艺黑" panose="03000509000000000000" pitchFamily="65" charset="-122"/>
+                <a:ea typeface="迷你简艺黑" panose="03000509000000000000" pitchFamily="65" charset="-122"/>
+                <a:sym typeface="+mn-ea"/>
+              </a:rPr>
+              <a:t>7.9</a:t>
+            </a:r>
+          </a:p>
+          <a:p>
+            <a:pPr algn="l"/>
+            <a:r>
+              <a:rPr lang="zh-CN" altLang="en-US" sz="2400" b="1" spc="213" dirty="0" smtClean="0">
+                <a:solidFill>
+                  <a:schemeClr val="bg1"/>
+                </a:solidFill>
+                <a:latin typeface="迷你简艺黑" panose="03000509000000000000" pitchFamily="65" charset="-122"/>
+                <a:ea typeface="迷你简艺黑" panose="03000509000000000000" pitchFamily="65" charset="-122"/>
+                <a:sym typeface="+mn-ea"/>
+              </a:rPr>
+              <a:t>邱英凡</a:t>
+            </a:r>
+            <a:r>
+              <a:rPr lang="zh-CN" altLang="en-US" sz="2400" b="1" spc="213" dirty="0" smtClean="0">
+                <a:solidFill>
+                  <a:schemeClr val="bg1"/>
+                </a:solidFill>
+                <a:latin typeface="迷你简艺黑" panose="03000509000000000000" pitchFamily="65" charset="-122"/>
+                <a:ea typeface="迷你简艺黑" panose="03000509000000000000" pitchFamily="65" charset="-122"/>
+                <a:sym typeface="+mn-ea"/>
+              </a:rPr>
+              <a:t>：</a:t>
+            </a:r>
+            <a:r>
+              <a:rPr lang="zh-CN" altLang="en-US" sz="2400" b="1" spc="213" dirty="0" smtClean="0">
+                <a:solidFill>
+                  <a:schemeClr val="bg1"/>
+                </a:solidFill>
+                <a:latin typeface="迷你简艺黑" panose="03000509000000000000" pitchFamily="65" charset="-122"/>
+                <a:ea typeface="迷你简艺黑" panose="03000509000000000000" pitchFamily="65" charset="-122"/>
+                <a:sym typeface="+mn-ea"/>
+              </a:rPr>
+              <a:t>概述</a:t>
+            </a:r>
+            <a:r>
+              <a:rPr lang="en-US" altLang="zh-CN" sz="2400" b="1" spc="213" dirty="0" smtClean="0">
+                <a:solidFill>
+                  <a:schemeClr val="bg1"/>
+                </a:solidFill>
+                <a:latin typeface="迷你简艺黑" panose="03000509000000000000" pitchFamily="65" charset="-122"/>
+                <a:ea typeface="迷你简艺黑" panose="03000509000000000000" pitchFamily="65" charset="-122"/>
+                <a:sym typeface="+mn-ea"/>
+              </a:rPr>
+              <a:t>7.7</a:t>
+            </a:r>
+          </a:p>
+          <a:p>
+            <a:pPr algn="l"/>
+            <a:r>
+              <a:rPr lang="zh-CN" altLang="en-US" sz="2400" b="1" spc="213" dirty="0" smtClean="0">
+                <a:solidFill>
+                  <a:schemeClr val="bg1"/>
+                </a:solidFill>
+                <a:latin typeface="迷你简艺黑" panose="03000509000000000000" pitchFamily="65" charset="-122"/>
+                <a:ea typeface="迷你简艺黑" panose="03000509000000000000" pitchFamily="65" charset="-122"/>
+                <a:sym typeface="+mn-ea"/>
+              </a:rPr>
+              <a:t>参考资料</a:t>
+            </a:r>
+            <a:r>
+              <a:rPr lang="zh-CN" altLang="en-US" sz="2400" b="1" spc="213" dirty="0" smtClean="0">
+                <a:solidFill>
+                  <a:schemeClr val="bg1"/>
+                </a:solidFill>
+                <a:latin typeface="迷你简艺黑" panose="03000509000000000000" pitchFamily="65" charset="-122"/>
+                <a:ea typeface="迷你简艺黑" panose="03000509000000000000" pitchFamily="65" charset="-122"/>
+                <a:sym typeface="+mn-ea"/>
+              </a:rPr>
+              <a:t>：</a:t>
             </a:r>
             <a:endParaRPr lang="en-US" altLang="zh-CN" sz="2400" b="1" spc="213" dirty="0" smtClean="0">
               <a:solidFill>
@@ -32744,8 +32822,8 @@
   <p:transition spd="slow">
     <p:fade thruBlk="1"/>
   </p:transition>
-  <mc:AlternateContent xmlns:mc="http://schemas.openxmlformats.org/markup-compatibility/2006">
-    <mc:Choice xmlns:p14="http://schemas.microsoft.com/office/powerpoint/2010/main" Requires="p14">
+  <mc:AlternateContent xmlns:mc="http://schemas.openxmlformats.org/markup-compatibility/2006" xmlns:p14="http://schemas.microsoft.com/office/powerpoint/2010/main">
+    <mc:Choice Requires="p14">
       <p:timing>
         <p:tnLst>
           <p:par>
@@ -32874,7 +32952,7 @@
         </p:bldLst>
       </p:timing>
     </mc:Choice>
-    <mc:Fallback>
+    <mc:Fallback xmlns="">
       <p:timing>
         <p:tnLst>
           <p:par>
@@ -34090,8 +34168,8 @@
   <p:transition spd="slow">
     <p:fade thruBlk="1"/>
   </p:transition>
-  <mc:AlternateContent xmlns:mc="http://schemas.openxmlformats.org/markup-compatibility/2006">
-    <mc:Choice xmlns:p14="http://schemas.microsoft.com/office/powerpoint/2010/main" Requires="p14">
+  <mc:AlternateContent xmlns:mc="http://schemas.openxmlformats.org/markup-compatibility/2006" xmlns:p14="http://schemas.microsoft.com/office/powerpoint/2010/main">
+    <mc:Choice Requires="p14">
       <p:timing>
         <p:tnLst>
           <p:par>
@@ -34220,7 +34298,7 @@
         </p:bldLst>
       </p:timing>
     </mc:Choice>
-    <mc:Fallback>
+    <mc:Fallback xmlns="">
       <p:timing>
         <p:tnLst>
           <p:par>
@@ -34903,8 +34981,8 @@
   <p:transition spd="slow">
     <p:fade thruBlk="1"/>
   </p:transition>
-  <mc:AlternateContent xmlns:mc="http://schemas.openxmlformats.org/markup-compatibility/2006">
-    <mc:Choice xmlns:p14="http://schemas.microsoft.com/office/powerpoint/2010/main" Requires="p14">
+  <mc:AlternateContent xmlns:mc="http://schemas.openxmlformats.org/markup-compatibility/2006" xmlns:p14="http://schemas.microsoft.com/office/powerpoint/2010/main">
+    <mc:Choice Requires="p14">
       <p:timing>
         <p:tnLst>
           <p:par>
@@ -35033,7 +35111,7 @@
         </p:bldLst>
       </p:timing>
     </mc:Choice>
-    <mc:Fallback>
+    <mc:Fallback xmlns="">
       <p:timing>
         <p:tnLst>
           <p:par>

--- a/需求工程项目计划ppt.pptx
+++ b/需求工程项目计划ppt.pptx
@@ -9446,6 +9446,97 @@
                           </p:childTnLst>
                         </p:cTn>
                       </p:par>
+                      <p:par>
+                        <p:cTn id="9" fill="hold">
+                          <p:stCondLst>
+                            <p:cond delay="indefinite"/>
+                          </p:stCondLst>
+                          <p:childTnLst>
+                            <p:par>
+                              <p:cTn id="10" fill="hold">
+                                <p:stCondLst>
+                                  <p:cond delay="0"/>
+                                </p:stCondLst>
+                                <p:childTnLst>
+                                  <p:par>
+                                    <p:cTn id="11" presetID="2" presetClass="entr" presetSubtype="4" fill="hold" nodeType="clickEffect">
+                                      <p:stCondLst>
+                                        <p:cond delay="0"/>
+                                      </p:stCondLst>
+                                      <p:childTnLst>
+                                        <p:set>
+                                          <p:cBhvr>
+                                            <p:cTn id="12" dur="1" fill="hold">
+                                              <p:stCondLst>
+                                                <p:cond delay="0"/>
+                                              </p:stCondLst>
+                                            </p:cTn>
+                                            <p:tgtEl>
+                                              <p:spTgt spid="2"/>
+                                            </p:tgtEl>
+                                            <p:attrNameLst>
+                                              <p:attrName>style.visibility</p:attrName>
+                                            </p:attrNameLst>
+                                          </p:cBhvr>
+                                          <p:to>
+                                            <p:strVal val="visible"/>
+                                          </p:to>
+                                        </p:set>
+                                        <p:anim calcmode="lin" valueType="num">
+                                          <p:cBhvr additive="base">
+                                            <p:cTn id="13" dur="500" fill="hold"/>
+                                            <p:tgtEl>
+                                              <p:spTgt spid="2"/>
+                                            </p:tgtEl>
+                                            <p:attrNameLst>
+                                              <p:attrName>ppt_x</p:attrName>
+                                            </p:attrNameLst>
+                                          </p:cBhvr>
+                                          <p:tavLst>
+                                            <p:tav tm="0">
+                                              <p:val>
+                                                <p:strVal val="#ppt_x"/>
+                                              </p:val>
+                                            </p:tav>
+                                            <p:tav tm="100000">
+                                              <p:val>
+                                                <p:strVal val="#ppt_x"/>
+                                              </p:val>
+                                            </p:tav>
+                                          </p:tavLst>
+                                        </p:anim>
+                                        <p:anim calcmode="lin" valueType="num">
+                                          <p:cBhvr additive="base">
+                                            <p:cTn id="14" dur="500" fill="hold"/>
+                                            <p:tgtEl>
+                                              <p:spTgt spid="2"/>
+                                            </p:tgtEl>
+                                            <p:attrNameLst>
+                                              <p:attrName>ppt_y</p:attrName>
+                                            </p:attrNameLst>
+                                          </p:cBhvr>
+                                          <p:tavLst>
+                                            <p:tav tm="0">
+                                              <p:val>
+                                                <p:strVal val="1+#ppt_h/2"/>
+                                              </p:val>
+                                            </p:tav>
+                                            <p:tav tm="100000">
+                                              <p:val>
+                                                <p:strVal val="#ppt_y"/>
+                                              </p:val>
+                                            </p:tav>
+                                          </p:tavLst>
+                                        </p:anim>
+                                      </p:childTnLst>
+                                    </p:cTn>
+                                  </p:par>
+                                </p:childTnLst>
+                              </p:cTn>
+                            </p:par>
+                          </p:childTnLst>
+                        </p:cTn>
+                      </p:par>
                     </p:childTnLst>
                   </p:cTn>
                   <p:prevCondLst>
@@ -9557,6 +9648,97 @@
                                             <p:tav tm="0">
                                               <p:val>
                                                 <p:strVal val="#ppt_y"/>
+                                              </p:val>
+                                            </p:tav>
+                                            <p:tav tm="100000">
+                                              <p:val>
+                                                <p:strVal val="#ppt_y"/>
+                                              </p:val>
+                                            </p:tav>
+                                          </p:tavLst>
+                                        </p:anim>
+                                      </p:childTnLst>
+                                    </p:cTn>
+                                  </p:par>
+                                </p:childTnLst>
+                              </p:cTn>
+                            </p:par>
+                          </p:childTnLst>
+                        </p:cTn>
+                      </p:par>
+                      <p:par>
+                        <p:cTn id="9" fill="hold">
+                          <p:stCondLst>
+                            <p:cond delay="indefinite"/>
+                          </p:stCondLst>
+                          <p:childTnLst>
+                            <p:par>
+                              <p:cTn id="10" fill="hold">
+                                <p:stCondLst>
+                                  <p:cond delay="0"/>
+                                </p:stCondLst>
+                                <p:childTnLst>
+                                  <p:par>
+                                    <p:cTn id="11" presetID="2" presetClass="entr" presetSubtype="4" fill="hold" nodeType="clickEffect">
+                                      <p:stCondLst>
+                                        <p:cond delay="0"/>
+                                      </p:stCondLst>
+                                      <p:childTnLst>
+                                        <p:set>
+                                          <p:cBhvr>
+                                            <p:cTn id="12" dur="1" fill="hold">
+                                              <p:stCondLst>
+                                                <p:cond delay="0"/>
+                                              </p:stCondLst>
+                                            </p:cTn>
+                                            <p:tgtEl>
+                                              <p:spTgt spid="2"/>
+                                            </p:tgtEl>
+                                            <p:attrNameLst>
+                                              <p:attrName>style.visibility</p:attrName>
+                                            </p:attrNameLst>
+                                          </p:cBhvr>
+                                          <p:to>
+                                            <p:strVal val="visible"/>
+                                          </p:to>
+                                        </p:set>
+                                        <p:anim calcmode="lin" valueType="num">
+                                          <p:cBhvr additive="base">
+                                            <p:cTn id="13" dur="500" fill="hold"/>
+                                            <p:tgtEl>
+                                              <p:spTgt spid="2"/>
+                                            </p:tgtEl>
+                                            <p:attrNameLst>
+                                              <p:attrName>ppt_x</p:attrName>
+                                            </p:attrNameLst>
+                                          </p:cBhvr>
+                                          <p:tavLst>
+                                            <p:tav tm="0">
+                                              <p:val>
+                                                <p:strVal val="#ppt_x"/>
+                                              </p:val>
+                                            </p:tav>
+                                            <p:tav tm="100000">
+                                              <p:val>
+                                                <p:strVal val="#ppt_x"/>
+                                              </p:val>
+                                            </p:tav>
+                                          </p:tavLst>
+                                        </p:anim>
+                                        <p:anim calcmode="lin" valueType="num">
+                                          <p:cBhvr additive="base">
+                                            <p:cTn id="14" dur="500" fill="hold"/>
+                                            <p:tgtEl>
+                                              <p:spTgt spid="2"/>
+                                            </p:tgtEl>
+                                            <p:attrNameLst>
+                                              <p:attrName>ppt_y</p:attrName>
+                                            </p:attrNameLst>
+                                          </p:cBhvr>
+                                          <p:tavLst>
+                                            <p:tav tm="0">
+                                              <p:val>
+                                                <p:strVal val="1+#ppt_h/2"/>
                                               </p:val>
                                             </p:tav>
                                             <p:tav tm="100000">
@@ -10376,6 +10558,97 @@
                           </p:childTnLst>
                         </p:cTn>
                       </p:par>
+                      <p:par>
+                        <p:cTn id="9" fill="hold">
+                          <p:stCondLst>
+                            <p:cond delay="indefinite"/>
+                          </p:stCondLst>
+                          <p:childTnLst>
+                            <p:par>
+                              <p:cTn id="10" fill="hold">
+                                <p:stCondLst>
+                                  <p:cond delay="0"/>
+                                </p:stCondLst>
+                                <p:childTnLst>
+                                  <p:par>
+                                    <p:cTn id="11" presetID="2" presetClass="entr" presetSubtype="4" fill="hold" nodeType="clickEffect">
+                                      <p:stCondLst>
+                                        <p:cond delay="0"/>
+                                      </p:stCondLst>
+                                      <p:childTnLst>
+                                        <p:set>
+                                          <p:cBhvr>
+                                            <p:cTn id="12" dur="1" fill="hold">
+                                              <p:stCondLst>
+                                                <p:cond delay="0"/>
+                                              </p:stCondLst>
+                                            </p:cTn>
+                                            <p:tgtEl>
+                                              <p:spTgt spid="4"/>
+                                            </p:tgtEl>
+                                            <p:attrNameLst>
+                                              <p:attrName>style.visibility</p:attrName>
+                                            </p:attrNameLst>
+                                          </p:cBhvr>
+                                          <p:to>
+                                            <p:strVal val="visible"/>
+                                          </p:to>
+                                        </p:set>
+                                        <p:anim calcmode="lin" valueType="num">
+                                          <p:cBhvr additive="base">
+                                            <p:cTn id="13" dur="500" fill="hold"/>
+                                            <p:tgtEl>
+                                              <p:spTgt spid="4"/>
+                                            </p:tgtEl>
+                                            <p:attrNameLst>
+                                              <p:attrName>ppt_x</p:attrName>
+                                            </p:attrNameLst>
+                                          </p:cBhvr>
+                                          <p:tavLst>
+                                            <p:tav tm="0">
+                                              <p:val>
+                                                <p:strVal val="#ppt_x"/>
+                                              </p:val>
+                                            </p:tav>
+                                            <p:tav tm="100000">
+                                              <p:val>
+                                                <p:strVal val="#ppt_x"/>
+                                              </p:val>
+                                            </p:tav>
+                                          </p:tavLst>
+                                        </p:anim>
+                                        <p:anim calcmode="lin" valueType="num">
+                                          <p:cBhvr additive="base">
+                                            <p:cTn id="14" dur="500" fill="hold"/>
+                                            <p:tgtEl>
+                                              <p:spTgt spid="4"/>
+                                            </p:tgtEl>
+                                            <p:attrNameLst>
+                                              <p:attrName>ppt_y</p:attrName>
+                                            </p:attrNameLst>
+                                          </p:cBhvr>
+                                          <p:tavLst>
+                                            <p:tav tm="0">
+                                              <p:val>
+                                                <p:strVal val="1+#ppt_h/2"/>
+                                              </p:val>
+                                            </p:tav>
+                                            <p:tav tm="100000">
+                                              <p:val>
+                                                <p:strVal val="#ppt_y"/>
+                                              </p:val>
+                                            </p:tav>
+                                          </p:tavLst>
+                                        </p:anim>
+                                      </p:childTnLst>
+                                    </p:cTn>
+                                  </p:par>
+                                </p:childTnLst>
+                              </p:cTn>
+                            </p:par>
+                          </p:childTnLst>
+                        </p:cTn>
+                      </p:par>
                     </p:childTnLst>
                   </p:cTn>
                   <p:prevCondLst>
@@ -10487,6 +10760,97 @@
                                             <p:tav tm="0">
                                               <p:val>
                                                 <p:strVal val="#ppt_y"/>
+                                              </p:val>
+                                            </p:tav>
+                                            <p:tav tm="100000">
+                                              <p:val>
+                                                <p:strVal val="#ppt_y"/>
+                                              </p:val>
+                                            </p:tav>
+                                          </p:tavLst>
+                                        </p:anim>
+                                      </p:childTnLst>
+                                    </p:cTn>
+                                  </p:par>
+                                </p:childTnLst>
+                              </p:cTn>
+                            </p:par>
+                          </p:childTnLst>
+                        </p:cTn>
+                      </p:par>
+                      <p:par>
+                        <p:cTn id="9" fill="hold">
+                          <p:stCondLst>
+                            <p:cond delay="indefinite"/>
+                          </p:stCondLst>
+                          <p:childTnLst>
+                            <p:par>
+                              <p:cTn id="10" fill="hold">
+                                <p:stCondLst>
+                                  <p:cond delay="0"/>
+                                </p:stCondLst>
+                                <p:childTnLst>
+                                  <p:par>
+                                    <p:cTn id="11" presetID="2" presetClass="entr" presetSubtype="4" fill="hold" nodeType="clickEffect">
+                                      <p:stCondLst>
+                                        <p:cond delay="0"/>
+                                      </p:stCondLst>
+                                      <p:childTnLst>
+                                        <p:set>
+                                          <p:cBhvr>
+                                            <p:cTn id="12" dur="1" fill="hold">
+                                              <p:stCondLst>
+                                                <p:cond delay="0"/>
+                                              </p:stCondLst>
+                                            </p:cTn>
+                                            <p:tgtEl>
+                                              <p:spTgt spid="4"/>
+                                            </p:tgtEl>
+                                            <p:attrNameLst>
+                                              <p:attrName>style.visibility</p:attrName>
+                                            </p:attrNameLst>
+                                          </p:cBhvr>
+                                          <p:to>
+                                            <p:strVal val="visible"/>
+                                          </p:to>
+                                        </p:set>
+                                        <p:anim calcmode="lin" valueType="num">
+                                          <p:cBhvr additive="base">
+                                            <p:cTn id="13" dur="500" fill="hold"/>
+                                            <p:tgtEl>
+                                              <p:spTgt spid="4"/>
+                                            </p:tgtEl>
+                                            <p:attrNameLst>
+                                              <p:attrName>ppt_x</p:attrName>
+                                            </p:attrNameLst>
+                                          </p:cBhvr>
+                                          <p:tavLst>
+                                            <p:tav tm="0">
+                                              <p:val>
+                                                <p:strVal val="#ppt_x"/>
+                                              </p:val>
+                                            </p:tav>
+                                            <p:tav tm="100000">
+                                              <p:val>
+                                                <p:strVal val="#ppt_x"/>
+                                              </p:val>
+                                            </p:tav>
+                                          </p:tavLst>
+                                        </p:anim>
+                                        <p:anim calcmode="lin" valueType="num">
+                                          <p:cBhvr additive="base">
+                                            <p:cTn id="14" dur="500" fill="hold"/>
+                                            <p:tgtEl>
+                                              <p:spTgt spid="4"/>
+                                            </p:tgtEl>
+                                            <p:attrNameLst>
+                                              <p:attrName>ppt_y</p:attrName>
+                                            </p:attrNameLst>
+                                          </p:cBhvr>
+                                          <p:tavLst>
+                                            <p:tav tm="0">
+                                              <p:val>
+                                                <p:strVal val="1+#ppt_h/2"/>
                                               </p:val>
                                             </p:tav>
                                             <p:tav tm="100000">
@@ -11570,7 +11934,7 @@
         </p:blipFill>
         <p:spPr>
           <a:xfrm>
-            <a:off x="3101972" y="1635236"/>
+            <a:off x="3101972" y="1619996"/>
             <a:ext cx="5705143" cy="5030341"/>
           </a:xfrm>
           <a:prstGeom prst="rect">
@@ -11714,6 +12078,97 @@
                                         <p:cTn id="13" dur="500" fill="hold"/>
                                         <p:tgtEl>
                                           <p:spTgt spid="2"/>
+                                        </p:tgtEl>
+                                        <p:attrNameLst>
+                                          <p:attrName>ppt_y</p:attrName>
+                                        </p:attrNameLst>
+                                      </p:cBhvr>
+                                      <p:tavLst>
+                                        <p:tav tm="0">
+                                          <p:val>
+                                            <p:strVal val="1+#ppt_h/2"/>
+                                          </p:val>
+                                        </p:tav>
+                                        <p:tav tm="100000">
+                                          <p:val>
+                                            <p:strVal val="#ppt_y"/>
+                                          </p:val>
+                                        </p:tav>
+                                      </p:tavLst>
+                                    </p:anim>
+                                  </p:childTnLst>
+                                </p:cTn>
+                              </p:par>
+                            </p:childTnLst>
+                          </p:cTn>
+                        </p:par>
+                      </p:childTnLst>
+                    </p:cTn>
+                  </p:par>
+                  <p:par>
+                    <p:cTn id="14" fill="hold">
+                      <p:stCondLst>
+                        <p:cond delay="indefinite"/>
+                      </p:stCondLst>
+                      <p:childTnLst>
+                        <p:par>
+                          <p:cTn id="15" fill="hold">
+                            <p:stCondLst>
+                              <p:cond delay="0"/>
+                            </p:stCondLst>
+                            <p:childTnLst>
+                              <p:par>
+                                <p:cTn id="16" presetID="2" presetClass="entr" presetSubtype="4" fill="hold" nodeType="clickEffect">
+                                  <p:stCondLst>
+                                    <p:cond delay="0"/>
+                                  </p:stCondLst>
+                                  <p:childTnLst>
+                                    <p:set>
+                                      <p:cBhvr>
+                                        <p:cTn id="17" dur="1" fill="hold">
+                                          <p:stCondLst>
+                                            <p:cond delay="0"/>
+                                          </p:stCondLst>
+                                        </p:cTn>
+                                        <p:tgtEl>
+                                          <p:spTgt spid="4"/>
+                                        </p:tgtEl>
+                                        <p:attrNameLst>
+                                          <p:attrName>style.visibility</p:attrName>
+                                        </p:attrNameLst>
+                                      </p:cBhvr>
+                                      <p:to>
+                                        <p:strVal val="visible"/>
+                                      </p:to>
+                                    </p:set>
+                                    <p:anim calcmode="lin" valueType="num">
+                                      <p:cBhvr additive="base">
+                                        <p:cTn id="18" dur="500" fill="hold"/>
+                                        <p:tgtEl>
+                                          <p:spTgt spid="4"/>
+                                        </p:tgtEl>
+                                        <p:attrNameLst>
+                                          <p:attrName>ppt_x</p:attrName>
+                                        </p:attrNameLst>
+                                      </p:cBhvr>
+                                      <p:tavLst>
+                                        <p:tav tm="0">
+                                          <p:val>
+                                            <p:strVal val="#ppt_x"/>
+                                          </p:val>
+                                        </p:tav>
+                                        <p:tav tm="100000">
+                                          <p:val>
+                                            <p:strVal val="#ppt_x"/>
+                                          </p:val>
+                                        </p:tav>
+                                      </p:tavLst>
+                                    </p:anim>
+                                    <p:anim calcmode="lin" valueType="num">
+                                      <p:cBhvr additive="base">
+                                        <p:cTn id="19" dur="500" fill="hold"/>
+                                        <p:tgtEl>
+                                          <p:spTgt spid="4"/>
                                         </p:tgtEl>
                                         <p:attrNameLst>
                                           <p:attrName>ppt_y</p:attrName>
@@ -14089,7 +14544,7 @@
         </p:blipFill>
         <p:spPr>
           <a:xfrm>
-            <a:off x="6392404" y="424073"/>
+            <a:off x="6407644" y="424073"/>
             <a:ext cx="4306075" cy="6139067"/>
           </a:xfrm>
           <a:prstGeom prst="rect">
@@ -15379,6 +15834,97 @@
                       </p:childTnLst>
                     </p:cTn>
                   </p:par>
+                  <p:par>
+                    <p:cTn id="8" fill="hold">
+                      <p:stCondLst>
+                        <p:cond delay="indefinite"/>
+                      </p:stCondLst>
+                      <p:childTnLst>
+                        <p:par>
+                          <p:cTn id="9" fill="hold">
+                            <p:stCondLst>
+                              <p:cond delay="0"/>
+                            </p:stCondLst>
+                            <p:childTnLst>
+                              <p:par>
+                                <p:cTn id="10" presetID="2" presetClass="entr" presetSubtype="4" fill="hold" grpId="0" nodeType="clickEffect">
+                                  <p:stCondLst>
+                                    <p:cond delay="0"/>
+                                  </p:stCondLst>
+                                  <p:childTnLst>
+                                    <p:set>
+                                      <p:cBhvr>
+                                        <p:cTn id="11" dur="1" fill="hold">
+                                          <p:stCondLst>
+                                            <p:cond delay="0"/>
+                                          </p:stCondLst>
+                                        </p:cTn>
+                                        <p:tgtEl>
+                                          <p:spTgt spid="6"/>
+                                        </p:tgtEl>
+                                        <p:attrNameLst>
+                                          <p:attrName>style.visibility</p:attrName>
+                                        </p:attrNameLst>
+                                      </p:cBhvr>
+                                      <p:to>
+                                        <p:strVal val="visible"/>
+                                      </p:to>
+                                    </p:set>
+                                    <p:anim calcmode="lin" valueType="num">
+                                      <p:cBhvr additive="base">
+                                        <p:cTn id="12" dur="500" fill="hold"/>
+                                        <p:tgtEl>
+                                          <p:spTgt spid="6"/>
+                                        </p:tgtEl>
+                                        <p:attrNameLst>
+                                          <p:attrName>ppt_x</p:attrName>
+                                        </p:attrNameLst>
+                                      </p:cBhvr>
+                                      <p:tavLst>
+                                        <p:tav tm="0">
+                                          <p:val>
+                                            <p:strVal val="#ppt_x"/>
+                                          </p:val>
+                                        </p:tav>
+                                        <p:tav tm="100000">
+                                          <p:val>
+                                            <p:strVal val="#ppt_x"/>
+                                          </p:val>
+                                        </p:tav>
+                                      </p:tavLst>
+                                    </p:anim>
+                                    <p:anim calcmode="lin" valueType="num">
+                                      <p:cBhvr additive="base">
+                                        <p:cTn id="13" dur="500" fill="hold"/>
+                                        <p:tgtEl>
+                                          <p:spTgt spid="6"/>
+                                        </p:tgtEl>
+                                        <p:attrNameLst>
+                                          <p:attrName>ppt_y</p:attrName>
+                                        </p:attrNameLst>
+                                      </p:cBhvr>
+                                      <p:tavLst>
+                                        <p:tav tm="0">
+                                          <p:val>
+                                            <p:strVal val="1+#ppt_h/2"/>
+                                          </p:val>
+                                        </p:tav>
+                                        <p:tav tm="100000">
+                                          <p:val>
+                                            <p:strVal val="#ppt_y"/>
+                                          </p:val>
+                                        </p:tav>
+                                      </p:tavLst>
+                                    </p:anim>
+                                  </p:childTnLst>
+                                </p:cTn>
+                              </p:par>
+                            </p:childTnLst>
+                          </p:cTn>
+                        </p:par>
+                      </p:childTnLst>
+                    </p:cTn>
+                  </p:par>
                 </p:childTnLst>
               </p:cTn>
               <p:prevCondLst>
@@ -15402,6 +15948,7 @@
     </p:tnLst>
     <p:bldLst>
       <p:bldP spid="55" grpId="0"/>
+      <p:bldP spid="6" grpId="0"/>
     </p:bldLst>
   </p:timing>
 </p:sld>
@@ -31336,8 +31883,8 @@
         </p:nvSpPr>
         <p:spPr>
           <a:xfrm>
-            <a:off x="6332872" y="1772843"/>
-            <a:ext cx="5214620" cy="3702873"/>
+            <a:off x="6502417" y="2934258"/>
+            <a:ext cx="5214620" cy="2393950"/>
           </a:xfrm>
           <a:prstGeom prst="rect">
             <a:avLst/>
@@ -31367,7 +31914,7 @@
                 <a:latin typeface="迷你简艺黑" panose="03000509000000000000" pitchFamily="65" charset="-122"/>
                 <a:ea typeface="迷你简艺黑" panose="03000509000000000000" pitchFamily="65" charset="-122"/>
               </a:rPr>
-              <a:t>、组员告假无法完成分配任务的风险：</a:t>
+              <a:t>、项目经理将其任务平均分配到其他小组成员。</a:t>
             </a:r>
             <a:endParaRPr lang="zh-CN" altLang="en-US" sz="2135" dirty="0">
               <a:solidFill>
@@ -31379,14 +31926,24 @@
           </a:p>
           <a:p>
             <a:r>
-              <a:rPr lang="zh-CN" altLang="en-US" sz="2135" dirty="0">
+              <a:rPr lang="en-US" altLang="zh-CN" sz="2135" dirty="0">
                 <a:solidFill>
                   <a:schemeClr val="bg1"/>
                 </a:solidFill>
                 <a:latin typeface="迷你简艺黑" panose="03000509000000000000" pitchFamily="65" charset="-122"/>
                 <a:ea typeface="迷你简艺黑" panose="03000509000000000000" pitchFamily="65" charset="-122"/>
               </a:rPr>
-              <a:t>项目经理将其任务平均分配到其他小组成员。</a:t>
+              <a:t>2</a:t>
+            </a:r>
+            <a:r>
+              <a:rPr lang="zh-CN" altLang="en-US" sz="2135" dirty="0">
+                <a:solidFill>
+                  <a:schemeClr val="bg1"/>
+                </a:solidFill>
+                <a:latin typeface="迷你简艺黑" panose="03000509000000000000" pitchFamily="65" charset="-122"/>
+                <a:ea typeface="迷你简艺黑" panose="03000509000000000000" pitchFamily="65" charset="-122"/>
+              </a:rPr>
+              <a:t>、未完成的任务小组其他成员帮助其完成，并由项目经理采取措施处罚。</a:t>
             </a:r>
             <a:endParaRPr lang="zh-CN" altLang="en-US" sz="2135" dirty="0">
               <a:solidFill>
@@ -31405,7 +31962,7 @@
                 <a:latin typeface="迷你简艺黑" panose="03000509000000000000" pitchFamily="65" charset="-122"/>
                 <a:ea typeface="迷你简艺黑" panose="03000509000000000000" pitchFamily="65" charset="-122"/>
               </a:rPr>
-              <a:t>2</a:t>
+              <a:t>3</a:t>
             </a:r>
             <a:r>
               <a:rPr lang="zh-CN" altLang="en-US" sz="2135" dirty="0">
@@ -31415,74 +31972,7 @@
                 <a:latin typeface="迷你简艺黑" panose="03000509000000000000" pitchFamily="65" charset="-122"/>
                 <a:ea typeface="迷你简艺黑" panose="03000509000000000000" pitchFamily="65" charset="-122"/>
               </a:rPr>
-              <a:t>、组员未能及时完成分配任务的风险：</a:t>
-            </a:r>
-            <a:endParaRPr lang="zh-CN" altLang="en-US" sz="2135" dirty="0">
-              <a:solidFill>
-                <a:schemeClr val="bg1"/>
-              </a:solidFill>
-              <a:latin typeface="迷你简艺黑" panose="03000509000000000000" pitchFamily="65" charset="-122"/>
-              <a:ea typeface="迷你简艺黑" panose="03000509000000000000" pitchFamily="65" charset="-122"/>
-            </a:endParaRPr>
-          </a:p>
-          <a:p>
-            <a:r>
-              <a:rPr lang="zh-CN" altLang="en-US" sz="2135" dirty="0">
-                <a:solidFill>
-                  <a:schemeClr val="bg1"/>
-                </a:solidFill>
-                <a:latin typeface="迷你简艺黑" panose="03000509000000000000" pitchFamily="65" charset="-122"/>
-                <a:ea typeface="迷你简艺黑" panose="03000509000000000000" pitchFamily="65" charset="-122"/>
-              </a:rPr>
-              <a:t>未完成的任务小组其他成员帮助其完成，并由项目经理采取措施处罚。</a:t>
-            </a:r>
-            <a:endParaRPr lang="zh-CN" altLang="en-US" sz="2135" dirty="0">
-              <a:solidFill>
-                <a:schemeClr val="bg1"/>
-              </a:solidFill>
-              <a:latin typeface="迷你简艺黑" panose="03000509000000000000" pitchFamily="65" charset="-122"/>
-              <a:ea typeface="迷你简艺黑" panose="03000509000000000000" pitchFamily="65" charset="-122"/>
-            </a:endParaRPr>
-          </a:p>
-          <a:p>
-            <a:r>
-              <a:rPr lang="en-US" altLang="zh-CN" sz="2135" dirty="0">
-                <a:solidFill>
-                  <a:schemeClr val="bg1"/>
-                </a:solidFill>
-                <a:latin typeface="迷你简艺黑" panose="03000509000000000000" pitchFamily="65" charset="-122"/>
-                <a:ea typeface="迷你简艺黑" panose="03000509000000000000" pitchFamily="65" charset="-122"/>
-              </a:rPr>
-              <a:t>3</a:t>
-            </a:r>
-            <a:r>
-              <a:rPr lang="zh-CN" altLang="en-US" sz="2135" dirty="0">
-                <a:solidFill>
-                  <a:schemeClr val="bg1"/>
-                </a:solidFill>
-                <a:latin typeface="迷你简艺黑" panose="03000509000000000000" pitchFamily="65" charset="-122"/>
-                <a:ea typeface="迷你简艺黑" panose="03000509000000000000" pitchFamily="65" charset="-122"/>
-              </a:rPr>
-              <a:t>、组员尚未完全具备完成任务的知识水平的风险：</a:t>
-            </a:r>
-            <a:endParaRPr lang="zh-CN" altLang="en-US" sz="2135" dirty="0">
-              <a:solidFill>
-                <a:schemeClr val="bg1"/>
-              </a:solidFill>
-              <a:latin typeface="迷你简艺黑" panose="03000509000000000000" pitchFamily="65" charset="-122"/>
-              <a:ea typeface="迷你简艺黑" panose="03000509000000000000" pitchFamily="65" charset="-122"/>
-            </a:endParaRPr>
-          </a:p>
-          <a:p>
-            <a:r>
-              <a:rPr lang="zh-CN" altLang="en-US" sz="2135" dirty="0">
-                <a:solidFill>
-                  <a:schemeClr val="bg1"/>
-                </a:solidFill>
-                <a:latin typeface="迷你简艺黑" panose="03000509000000000000" pitchFamily="65" charset="-122"/>
-                <a:ea typeface="迷你简艺黑" panose="03000509000000000000" pitchFamily="65" charset="-122"/>
-              </a:rPr>
-              <a:t>项目经理主动承担责任，并且分配具备知识技能的组员完成，当全部不具备该知识技能时，带领全组员学习。</a:t>
+              <a:t>、项目经理主动承担责任，并且分配具备知识技能的组员完成，当全部不具备该知识技能时，带领全组员学习。</a:t>
             </a:r>
             <a:endParaRPr lang="zh-CN" altLang="en-US" sz="2135" dirty="0">
               <a:solidFill>
@@ -35127,6 +35617,241 @@
                           </p:childTnLst>
                         </p:cTn>
                       </p:par>
+                      <p:par>
+                        <p:cTn id="9" fill="hold">
+                          <p:stCondLst>
+                            <p:cond delay="indefinite"/>
+                          </p:stCondLst>
+                          <p:childTnLst>
+                            <p:par>
+                              <p:cTn id="10" fill="hold">
+                                <p:stCondLst>
+                                  <p:cond delay="0"/>
+                                </p:stCondLst>
+                                <p:childTnLst>
+                                  <p:par>
+                                    <p:cTn id="11" presetID="2" presetClass="entr" presetSubtype="4" fill="hold" nodeType="clickEffect">
+                                      <p:stCondLst>
+                                        <p:cond delay="0"/>
+                                      </p:stCondLst>
+                                      <p:childTnLst>
+                                        <p:set>
+                                          <p:cBhvr>
+                                            <p:cTn id="12" dur="1" fill="hold">
+                                              <p:stCondLst>
+                                                <p:cond delay="0"/>
+                                              </p:stCondLst>
+                                            </p:cTn>
+                                            <p:tgtEl>
+                                              <p:spTgt spid="3"/>
+                                            </p:tgtEl>
+                                            <p:attrNameLst>
+                                              <p:attrName>style.visibility</p:attrName>
+                                            </p:attrNameLst>
+                                          </p:cBhvr>
+                                          <p:to>
+                                            <p:strVal val="visible"/>
+                                          </p:to>
+                                        </p:set>
+                                        <p:anim calcmode="lin" valueType="num">
+                                          <p:cBhvr additive="base">
+                                            <p:cTn id="13" dur="500" fill="hold"/>
+                                            <p:tgtEl>
+                                              <p:spTgt spid="3"/>
+                                            </p:tgtEl>
+                                            <p:attrNameLst>
+                                              <p:attrName>ppt_x</p:attrName>
+                                            </p:attrNameLst>
+                                          </p:cBhvr>
+                                          <p:tavLst>
+                                            <p:tav tm="0">
+                                              <p:val>
+                                                <p:strVal val="#ppt_x"/>
+                                              </p:val>
+                                            </p:tav>
+                                            <p:tav tm="100000">
+                                              <p:val>
+                                                <p:strVal val="#ppt_x"/>
+                                              </p:val>
+                                            </p:tav>
+                                          </p:tavLst>
+                                        </p:anim>
+                                        <p:anim calcmode="lin" valueType="num">
+                                          <p:cBhvr additive="base">
+                                            <p:cTn id="14" dur="500" fill="hold"/>
+                                            <p:tgtEl>
+                                              <p:spTgt spid="3"/>
+                                            </p:tgtEl>
+                                            <p:attrNameLst>
+                                              <p:attrName>ppt_y</p:attrName>
+                                            </p:attrNameLst>
+                                          </p:cBhvr>
+                                          <p:tavLst>
+                                            <p:tav tm="0">
+                                              <p:val>
+                                                <p:strVal val="1+#ppt_h/2"/>
+                                              </p:val>
+                                            </p:tav>
+                                            <p:tav tm="100000">
+                                              <p:val>
+                                                <p:strVal val="#ppt_y"/>
+                                              </p:val>
+                                            </p:tav>
+                                          </p:tavLst>
+                                        </p:anim>
+                                      </p:childTnLst>
+                                    </p:cTn>
+                                  </p:par>
+                                </p:childTnLst>
+                              </p:cTn>
+                            </p:par>
+                          </p:childTnLst>
+                        </p:cTn>
+                      </p:par>
+                      <p:par>
+                        <p:cTn id="15" fill="hold">
+                          <p:stCondLst>
+                            <p:cond delay="indefinite"/>
+                          </p:stCondLst>
+                          <p:childTnLst>
+                            <p:par>
+                              <p:cTn id="16" fill="hold">
+                                <p:stCondLst>
+                                  <p:cond delay="0"/>
+                                </p:stCondLst>
+                                <p:childTnLst>
+                                  <p:par>
+                                    <p:cTn id="17" presetID="4" presetClass="entr" presetSubtype="16" fill="hold" nodeType="clickEffect">
+                                      <p:stCondLst>
+                                        <p:cond delay="0"/>
+                                      </p:stCondLst>
+                                      <p:childTnLst>
+                                        <p:set>
+                                          <p:cBhvr>
+                                            <p:cTn id="18" dur="1" fill="hold">
+                                              <p:stCondLst>
+                                                <p:cond delay="0"/>
+                                              </p:stCondLst>
+                                            </p:cTn>
+                                            <p:tgtEl>
+                                              <p:spTgt spid="4"/>
+                                            </p:tgtEl>
+                                            <p:attrNameLst>
+                                              <p:attrName>style.visibility</p:attrName>
+                                            </p:attrNameLst>
+                                          </p:cBhvr>
+                                          <p:to>
+                                            <p:strVal val="visible"/>
+                                          </p:to>
+                                        </p:set>
+                                        <p:animEffect transition="in" filter="box(in)">
+                                          <p:cBhvr>
+                                            <p:cTn id="19" dur="2000"/>
+                                            <p:tgtEl>
+                                              <p:spTgt spid="4"/>
+                                            </p:tgtEl>
+                                          </p:cBhvr>
+                                        </p:animEffect>
+                                      </p:childTnLst>
+                                    </p:cTn>
+                                  </p:par>
+                                </p:childTnLst>
+                              </p:cTn>
+                            </p:par>
+                          </p:childTnLst>
+                        </p:cTn>
+                      </p:par>
+                      <p:par>
+                        <p:cTn id="20" fill="hold">
+                          <p:stCondLst>
+                            <p:cond delay="indefinite"/>
+                          </p:stCondLst>
+                          <p:childTnLst>
+                            <p:par>
+                              <p:cTn id="21" fill="hold">
+                                <p:stCondLst>
+                                  <p:cond delay="0"/>
+                                </p:stCondLst>
+                                <p:childTnLst>
+                                  <p:par>
+                                    <p:cTn id="22" presetID="2" presetClass="entr" presetSubtype="4" fill="hold" nodeType="clickEffect">
+                                      <p:stCondLst>
+                                        <p:cond delay="0"/>
+                                      </p:stCondLst>
+                                      <p:childTnLst>
+                                        <p:set>
+                                          <p:cBhvr>
+                                            <p:cTn id="23" dur="1" fill="hold">
+                                              <p:stCondLst>
+                                                <p:cond delay="0"/>
+                                              </p:stCondLst>
+                                            </p:cTn>
+                                            <p:tgtEl>
+                                              <p:spTgt spid="4"/>
+                                            </p:tgtEl>
+                                            <p:attrNameLst>
+                                              <p:attrName>style.visibility</p:attrName>
+                                            </p:attrNameLst>
+                                          </p:cBhvr>
+                                          <p:to>
+                                            <p:strVal val="visible"/>
+                                          </p:to>
+                                        </p:set>
+                                        <p:anim calcmode="lin" valueType="num">
+                                          <p:cBhvr additive="base">
+                                            <p:cTn id="24" dur="500" fill="hold"/>
+                                            <p:tgtEl>
+                                              <p:spTgt spid="4"/>
+                                            </p:tgtEl>
+                                            <p:attrNameLst>
+                                              <p:attrName>ppt_x</p:attrName>
+                                            </p:attrNameLst>
+                                          </p:cBhvr>
+                                          <p:tavLst>
+                                            <p:tav tm="0">
+                                              <p:val>
+                                                <p:strVal val="#ppt_x"/>
+                                              </p:val>
+                                            </p:tav>
+                                            <p:tav tm="100000">
+                                              <p:val>
+                                                <p:strVal val="#ppt_x"/>
+                                              </p:val>
+                                            </p:tav>
+                                          </p:tavLst>
+                                        </p:anim>
+                                        <p:anim calcmode="lin" valueType="num">
+                                          <p:cBhvr additive="base">
+                                            <p:cTn id="25" dur="500" fill="hold"/>
+                                            <p:tgtEl>
+                                              <p:spTgt spid="4"/>
+                                            </p:tgtEl>
+                                            <p:attrNameLst>
+                                              <p:attrName>ppt_y</p:attrName>
+                                            </p:attrNameLst>
+                                          </p:cBhvr>
+                                          <p:tavLst>
+                                            <p:tav tm="0">
+                                              <p:val>
+                                                <p:strVal val="1+#ppt_h/2"/>
+                                              </p:val>
+                                            </p:tav>
+                                            <p:tav tm="100000">
+                                              <p:val>
+                                                <p:strVal val="#ppt_y"/>
+                                              </p:val>
+                                            </p:tav>
+                                          </p:tavLst>
+                                        </p:anim>
+                                      </p:childTnLst>
+                                    </p:cTn>
+                                  </p:par>
+                                </p:childTnLst>
+                              </p:cTn>
+                            </p:par>
+                          </p:childTnLst>
+                        </p:cTn>
+                      </p:par>
                     </p:childTnLst>
                   </p:cTn>
                   <p:prevCondLst>
@@ -35238,6 +35963,241 @@
                                             <p:tav tm="0">
                                               <p:val>
                                                 <p:strVal val="#ppt_y"/>
+                                              </p:val>
+                                            </p:tav>
+                                            <p:tav tm="100000">
+                                              <p:val>
+                                                <p:strVal val="#ppt_y"/>
+                                              </p:val>
+                                            </p:tav>
+                                          </p:tavLst>
+                                        </p:anim>
+                                      </p:childTnLst>
+                                    </p:cTn>
+                                  </p:par>
+                                </p:childTnLst>
+                              </p:cTn>
+                            </p:par>
+                          </p:childTnLst>
+                        </p:cTn>
+                      </p:par>
+                      <p:par>
+                        <p:cTn id="9" fill="hold">
+                          <p:stCondLst>
+                            <p:cond delay="indefinite"/>
+                          </p:stCondLst>
+                          <p:childTnLst>
+                            <p:par>
+                              <p:cTn id="10" fill="hold">
+                                <p:stCondLst>
+                                  <p:cond delay="0"/>
+                                </p:stCondLst>
+                                <p:childTnLst>
+                                  <p:par>
+                                    <p:cTn id="11" presetID="2" presetClass="entr" presetSubtype="4" fill="hold" nodeType="clickEffect">
+                                      <p:stCondLst>
+                                        <p:cond delay="0"/>
+                                      </p:stCondLst>
+                                      <p:childTnLst>
+                                        <p:set>
+                                          <p:cBhvr>
+                                            <p:cTn id="12" dur="1" fill="hold">
+                                              <p:stCondLst>
+                                                <p:cond delay="0"/>
+                                              </p:stCondLst>
+                                            </p:cTn>
+                                            <p:tgtEl>
+                                              <p:spTgt spid="3"/>
+                                            </p:tgtEl>
+                                            <p:attrNameLst>
+                                              <p:attrName>style.visibility</p:attrName>
+                                            </p:attrNameLst>
+                                          </p:cBhvr>
+                                          <p:to>
+                                            <p:strVal val="visible"/>
+                                          </p:to>
+                                        </p:set>
+                                        <p:anim calcmode="lin" valueType="num">
+                                          <p:cBhvr additive="base">
+                                            <p:cTn id="13" dur="500" fill="hold"/>
+                                            <p:tgtEl>
+                                              <p:spTgt spid="3"/>
+                                            </p:tgtEl>
+                                            <p:attrNameLst>
+                                              <p:attrName>ppt_x</p:attrName>
+                                            </p:attrNameLst>
+                                          </p:cBhvr>
+                                          <p:tavLst>
+                                            <p:tav tm="0">
+                                              <p:val>
+                                                <p:strVal val="#ppt_x"/>
+                                              </p:val>
+                                            </p:tav>
+                                            <p:tav tm="100000">
+                                              <p:val>
+                                                <p:strVal val="#ppt_x"/>
+                                              </p:val>
+                                            </p:tav>
+                                          </p:tavLst>
+                                        </p:anim>
+                                        <p:anim calcmode="lin" valueType="num">
+                                          <p:cBhvr additive="base">
+                                            <p:cTn id="14" dur="500" fill="hold"/>
+                                            <p:tgtEl>
+                                              <p:spTgt spid="3"/>
+                                            </p:tgtEl>
+                                            <p:attrNameLst>
+                                              <p:attrName>ppt_y</p:attrName>
+                                            </p:attrNameLst>
+                                          </p:cBhvr>
+                                          <p:tavLst>
+                                            <p:tav tm="0">
+                                              <p:val>
+                                                <p:strVal val="1+#ppt_h/2"/>
+                                              </p:val>
+                                            </p:tav>
+                                            <p:tav tm="100000">
+                                              <p:val>
+                                                <p:strVal val="#ppt_y"/>
+                                              </p:val>
+                                            </p:tav>
+                                          </p:tavLst>
+                                        </p:anim>
+                                      </p:childTnLst>
+                                    </p:cTn>
+                                  </p:par>
+                                </p:childTnLst>
+                              </p:cTn>
+                            </p:par>
+                          </p:childTnLst>
+                        </p:cTn>
+                      </p:par>
+                      <p:par>
+                        <p:cTn id="15" fill="hold">
+                          <p:stCondLst>
+                            <p:cond delay="indefinite"/>
+                          </p:stCondLst>
+                          <p:childTnLst>
+                            <p:par>
+                              <p:cTn id="16" fill="hold">
+                                <p:stCondLst>
+                                  <p:cond delay="0"/>
+                                </p:stCondLst>
+                                <p:childTnLst>
+                                  <p:par>
+                                    <p:cTn id="17" presetID="4" presetClass="entr" presetSubtype="16" fill="hold" nodeType="clickEffect">
+                                      <p:stCondLst>
+                                        <p:cond delay="0"/>
+                                      </p:stCondLst>
+                                      <p:childTnLst>
+                                        <p:set>
+                                          <p:cBhvr>
+                                            <p:cTn id="18" dur="1" fill="hold">
+                                              <p:stCondLst>
+                                                <p:cond delay="0"/>
+                                              </p:stCondLst>
+                                            </p:cTn>
+                                            <p:tgtEl>
+                                              <p:spTgt spid="4"/>
+                                            </p:tgtEl>
+                                            <p:attrNameLst>
+                                              <p:attrName>style.visibility</p:attrName>
+                                            </p:attrNameLst>
+                                          </p:cBhvr>
+                                          <p:to>
+                                            <p:strVal val="visible"/>
+                                          </p:to>
+                                        </p:set>
+                                        <p:animEffect transition="in" filter="box(in)">
+                                          <p:cBhvr>
+                                            <p:cTn id="19" dur="2000"/>
+                                            <p:tgtEl>
+                                              <p:spTgt spid="4"/>
+                                            </p:tgtEl>
+                                          </p:cBhvr>
+                                        </p:animEffect>
+                                      </p:childTnLst>
+                                    </p:cTn>
+                                  </p:par>
+                                </p:childTnLst>
+                              </p:cTn>
+                            </p:par>
+                          </p:childTnLst>
+                        </p:cTn>
+                      </p:par>
+                      <p:par>
+                        <p:cTn id="20" fill="hold">
+                          <p:stCondLst>
+                            <p:cond delay="indefinite"/>
+                          </p:stCondLst>
+                          <p:childTnLst>
+                            <p:par>
+                              <p:cTn id="21" fill="hold">
+                                <p:stCondLst>
+                                  <p:cond delay="0"/>
+                                </p:stCondLst>
+                                <p:childTnLst>
+                                  <p:par>
+                                    <p:cTn id="22" presetID="2" presetClass="entr" presetSubtype="4" fill="hold" nodeType="clickEffect">
+                                      <p:stCondLst>
+                                        <p:cond delay="0"/>
+                                      </p:stCondLst>
+                                      <p:childTnLst>
+                                        <p:set>
+                                          <p:cBhvr>
+                                            <p:cTn id="23" dur="1" fill="hold">
+                                              <p:stCondLst>
+                                                <p:cond delay="0"/>
+                                              </p:stCondLst>
+                                            </p:cTn>
+                                            <p:tgtEl>
+                                              <p:spTgt spid="4"/>
+                                            </p:tgtEl>
+                                            <p:attrNameLst>
+                                              <p:attrName>style.visibility</p:attrName>
+                                            </p:attrNameLst>
+                                          </p:cBhvr>
+                                          <p:to>
+                                            <p:strVal val="visible"/>
+                                          </p:to>
+                                        </p:set>
+                                        <p:anim calcmode="lin" valueType="num">
+                                          <p:cBhvr additive="base">
+                                            <p:cTn id="24" dur="500" fill="hold"/>
+                                            <p:tgtEl>
+                                              <p:spTgt spid="4"/>
+                                            </p:tgtEl>
+                                            <p:attrNameLst>
+                                              <p:attrName>ppt_x</p:attrName>
+                                            </p:attrNameLst>
+                                          </p:cBhvr>
+                                          <p:tavLst>
+                                            <p:tav tm="0">
+                                              <p:val>
+                                                <p:strVal val="#ppt_x"/>
+                                              </p:val>
+                                            </p:tav>
+                                            <p:tav tm="100000">
+                                              <p:val>
+                                                <p:strVal val="#ppt_x"/>
+                                              </p:val>
+                                            </p:tav>
+                                          </p:tavLst>
+                                        </p:anim>
+                                        <p:anim calcmode="lin" valueType="num">
+                                          <p:cBhvr additive="base">
+                                            <p:cTn id="25" dur="500" fill="hold"/>
+                                            <p:tgtEl>
+                                              <p:spTgt spid="4"/>
+                                            </p:tgtEl>
+                                            <p:attrNameLst>
+                                              <p:attrName>ppt_y</p:attrName>
+                                            </p:attrNameLst>
+                                          </p:cBhvr>
+                                          <p:tavLst>
+                                            <p:tav tm="0">
+                                              <p:val>
+                                                <p:strVal val="1+#ppt_h/2"/>
                                               </p:val>
                                             </p:tav>
                                             <p:tav tm="100000">
@@ -35536,6 +36496,59 @@
                           </p:childTnLst>
                         </p:cTn>
                       </p:par>
+                      <p:par>
+                        <p:cTn id="9" fill="hold">
+                          <p:stCondLst>
+                            <p:cond delay="indefinite"/>
+                          </p:stCondLst>
+                          <p:childTnLst>
+                            <p:par>
+                              <p:cTn id="10" fill="hold">
+                                <p:stCondLst>
+                                  <p:cond delay="0"/>
+                                </p:stCondLst>
+                                <p:childTnLst>
+                                  <p:par>
+                                    <p:cTn id="11" presetID="3" presetClass="entr" presetSubtype="10" fill="hold" nodeType="clickEffect">
+                                      <p:stCondLst>
+                                        <p:cond delay="0"/>
+                                      </p:stCondLst>
+                                      <p:childTnLst>
+                                        <p:set>
+                                          <p:cBhvr>
+                                            <p:cTn id="12" dur="1" fill="hold">
+                                              <p:stCondLst>
+                                                <p:cond delay="0"/>
+                                              </p:stCondLst>
+                                            </p:cTn>
+                                            <p:tgtEl>
+                                              <p:spTgt spid="3"/>
+                                            </p:tgtEl>
+                                            <p:attrNameLst>
+                                              <p:attrName>style.visibility</p:attrName>
+                                            </p:attrNameLst>
+                                          </p:cBhvr>
+                                          <p:to>
+                                            <p:strVal val="visible"/>
+                                          </p:to>
+                                        </p:set>
+                                        <p:animEffect transition="in" filter="blinds(horizontal)">
+                                          <p:cBhvr>
+                                            <p:cTn id="13" dur="500"/>
+                                            <p:tgtEl>
+                                              <p:spTgt spid="3"/>
+                                            </p:tgtEl>
+                                          </p:cBhvr>
+                                        </p:animEffect>
+                                      </p:childTnLst>
+                                    </p:cTn>
+                                  </p:par>
+                                </p:childTnLst>
+                              </p:cTn>
+                            </p:par>
+                          </p:childTnLst>
+                        </p:cTn>
+                      </p:par>
                     </p:childTnLst>
                   </p:cTn>
                   <p:prevCondLst>
@@ -35665,6 +36678,59 @@
                           </p:childTnLst>
                         </p:cTn>
                       </p:par>
+                      <p:par>
+                        <p:cTn id="9" fill="hold">
+                          <p:stCondLst>
+                            <p:cond delay="indefinite"/>
+                          </p:stCondLst>
+                          <p:childTnLst>
+                            <p:par>
+                              <p:cTn id="10" fill="hold">
+                                <p:stCondLst>
+                                  <p:cond delay="0"/>
+                                </p:stCondLst>
+                                <p:childTnLst>
+                                  <p:par>
+                                    <p:cTn id="11" presetID="3" presetClass="entr" presetSubtype="10" fill="hold" nodeType="clickEffect">
+                                      <p:stCondLst>
+                                        <p:cond delay="0"/>
+                                      </p:stCondLst>
+                                      <p:childTnLst>
+                                        <p:set>
+                                          <p:cBhvr>
+                                            <p:cTn id="12" dur="1" fill="hold">
+                                              <p:stCondLst>
+                                                <p:cond delay="0"/>
+                                              </p:stCondLst>
+                                            </p:cTn>
+                                            <p:tgtEl>
+                                              <p:spTgt spid="3"/>
+                                            </p:tgtEl>
+                                            <p:attrNameLst>
+                                              <p:attrName>style.visibility</p:attrName>
+                                            </p:attrNameLst>
+                                          </p:cBhvr>
+                                          <p:to>
+                                            <p:strVal val="visible"/>
+                                          </p:to>
+                                        </p:set>
+                                        <p:animEffect transition="in" filter="blinds(horizontal)">
+                                          <p:cBhvr>
+                                            <p:cTn id="13" dur="500"/>
+                                            <p:tgtEl>
+                                              <p:spTgt spid="3"/>
+                                            </p:tgtEl>
+                                          </p:cBhvr>
+                                        </p:animEffect>
+                                      </p:childTnLst>
+                                    </p:cTn>
+                                  </p:par>
+                                </p:childTnLst>
+                              </p:cTn>
+                            </p:par>
+                          </p:childTnLst>
+                        </p:cTn>
+                      </p:par>
                     </p:childTnLst>
                   </p:cTn>
                   <p:prevCondLst>
@@ -35929,6 +36995,97 @@
                                             <p:tav tm="0">
                                               <p:val>
                                                 <p:strVal val="#ppt_y"/>
+                                              </p:val>
+                                            </p:tav>
+                                            <p:tav tm="100000">
+                                              <p:val>
+                                                <p:strVal val="#ppt_y"/>
+                                              </p:val>
+                                            </p:tav>
+                                          </p:tavLst>
+                                        </p:anim>
+                                      </p:childTnLst>
+                                    </p:cTn>
+                                  </p:par>
+                                </p:childTnLst>
+                              </p:cTn>
+                            </p:par>
+                          </p:childTnLst>
+                        </p:cTn>
+                      </p:par>
+                      <p:par>
+                        <p:cTn id="9" fill="hold">
+                          <p:stCondLst>
+                            <p:cond delay="indefinite"/>
+                          </p:stCondLst>
+                          <p:childTnLst>
+                            <p:par>
+                              <p:cTn id="10" fill="hold">
+                                <p:stCondLst>
+                                  <p:cond delay="0"/>
+                                </p:stCondLst>
+                                <p:childTnLst>
+                                  <p:par>
+                                    <p:cTn id="11" presetID="2" presetClass="entr" presetSubtype="4" fill="hold" nodeType="clickEffect">
+                                      <p:stCondLst>
+                                        <p:cond delay="0"/>
+                                      </p:stCondLst>
+                                      <p:childTnLst>
+                                        <p:set>
+                                          <p:cBhvr>
+                                            <p:cTn id="12" dur="1" fill="hold">
+                                              <p:stCondLst>
+                                                <p:cond delay="0"/>
+                                              </p:stCondLst>
+                                            </p:cTn>
+                                            <p:tgtEl>
+                                              <p:spTgt spid="4"/>
+                                            </p:tgtEl>
+                                            <p:attrNameLst>
+                                              <p:attrName>style.visibility</p:attrName>
+                                            </p:attrNameLst>
+                                          </p:cBhvr>
+                                          <p:to>
+                                            <p:strVal val="visible"/>
+                                          </p:to>
+                                        </p:set>
+                                        <p:anim calcmode="lin" valueType="num">
+                                          <p:cBhvr additive="base">
+                                            <p:cTn id="13" dur="500" fill="hold"/>
+                                            <p:tgtEl>
+                                              <p:spTgt spid="4"/>
+                                            </p:tgtEl>
+                                            <p:attrNameLst>
+                                              <p:attrName>ppt_x</p:attrName>
+                                            </p:attrNameLst>
+                                          </p:cBhvr>
+                                          <p:tavLst>
+                                            <p:tav tm="0">
+                                              <p:val>
+                                                <p:strVal val="#ppt_x"/>
+                                              </p:val>
+                                            </p:tav>
+                                            <p:tav tm="100000">
+                                              <p:val>
+                                                <p:strVal val="#ppt_x"/>
+                                              </p:val>
+                                            </p:tav>
+                                          </p:tavLst>
+                                        </p:anim>
+                                        <p:anim calcmode="lin" valueType="num">
+                                          <p:cBhvr additive="base">
+                                            <p:cTn id="14" dur="500" fill="hold"/>
+                                            <p:tgtEl>
+                                              <p:spTgt spid="4"/>
+                                            </p:tgtEl>
+                                            <p:attrNameLst>
+                                              <p:attrName>ppt_y</p:attrName>
+                                            </p:attrNameLst>
+                                          </p:cBhvr>
+                                          <p:tavLst>
+                                            <p:tav tm="0">
+                                              <p:val>
+                                                <p:strVal val="1+#ppt_h/2"/>
                                               </p:val>
                                             </p:tav>
                                             <p:tav tm="100000">
@@ -36058,6 +37215,97 @@
                                             <p:tav tm="0">
                                               <p:val>
                                                 <p:strVal val="#ppt_y"/>
+                                              </p:val>
+                                            </p:tav>
+                                            <p:tav tm="100000">
+                                              <p:val>
+                                                <p:strVal val="#ppt_y"/>
+                                              </p:val>
+                                            </p:tav>
+                                          </p:tavLst>
+                                        </p:anim>
+                                      </p:childTnLst>
+                                    </p:cTn>
+                                  </p:par>
+                                </p:childTnLst>
+                              </p:cTn>
+                            </p:par>
+                          </p:childTnLst>
+                        </p:cTn>
+                      </p:par>
+                      <p:par>
+                        <p:cTn id="9" fill="hold">
+                          <p:stCondLst>
+                            <p:cond delay="indefinite"/>
+                          </p:stCondLst>
+                          <p:childTnLst>
+                            <p:par>
+                              <p:cTn id="10" fill="hold">
+                                <p:stCondLst>
+                                  <p:cond delay="0"/>
+                                </p:stCondLst>
+                                <p:childTnLst>
+                                  <p:par>
+                                    <p:cTn id="11" presetID="2" presetClass="entr" presetSubtype="4" fill="hold" nodeType="clickEffect">
+                                      <p:stCondLst>
+                                        <p:cond delay="0"/>
+                                      </p:stCondLst>
+                                      <p:childTnLst>
+                                        <p:set>
+                                          <p:cBhvr>
+                                            <p:cTn id="12" dur="1" fill="hold">
+                                              <p:stCondLst>
+                                                <p:cond delay="0"/>
+                                              </p:stCondLst>
+                                            </p:cTn>
+                                            <p:tgtEl>
+                                              <p:spTgt spid="4"/>
+                                            </p:tgtEl>
+                                            <p:attrNameLst>
+                                              <p:attrName>style.visibility</p:attrName>
+                                            </p:attrNameLst>
+                                          </p:cBhvr>
+                                          <p:to>
+                                            <p:strVal val="visible"/>
+                                          </p:to>
+                                        </p:set>
+                                        <p:anim calcmode="lin" valueType="num">
+                                          <p:cBhvr additive="base">
+                                            <p:cTn id="13" dur="500" fill="hold"/>
+                                            <p:tgtEl>
+                                              <p:spTgt spid="4"/>
+                                            </p:tgtEl>
+                                            <p:attrNameLst>
+                                              <p:attrName>ppt_x</p:attrName>
+                                            </p:attrNameLst>
+                                          </p:cBhvr>
+                                          <p:tavLst>
+                                            <p:tav tm="0">
+                                              <p:val>
+                                                <p:strVal val="#ppt_x"/>
+                                              </p:val>
+                                            </p:tav>
+                                            <p:tav tm="100000">
+                                              <p:val>
+                                                <p:strVal val="#ppt_x"/>
+                                              </p:val>
+                                            </p:tav>
+                                          </p:tavLst>
+                                        </p:anim>
+                                        <p:anim calcmode="lin" valueType="num">
+                                          <p:cBhvr additive="base">
+                                            <p:cTn id="14" dur="500" fill="hold"/>
+                                            <p:tgtEl>
+                                              <p:spTgt spid="4"/>
+                                            </p:tgtEl>
+                                            <p:attrNameLst>
+                                              <p:attrName>ppt_y</p:attrName>
+                                            </p:attrNameLst>
+                                          </p:cBhvr>
+                                          <p:tavLst>
+                                            <p:tav tm="0">
+                                              <p:val>
+                                                <p:strVal val="1+#ppt_h/2"/>
                                               </p:val>
                                             </p:tav>
                                             <p:tav tm="100000">

--- a/需求工程项目计划ppt.pptx
+++ b/需求工程项目计划ppt.pptx
@@ -33335,7 +33335,7 @@
         <p:spPr>
           <a:xfrm>
             <a:off x="3501607" y="2187290"/>
-            <a:ext cx="6844659" cy="3785652"/>
+            <a:ext cx="6844659" cy="3784600"/>
           </a:xfrm>
           <a:prstGeom prst="rect">
             <a:avLst/>
@@ -33424,7 +33424,7 @@
                 <a:ea typeface="迷你简艺黑" panose="03000509000000000000" pitchFamily="65" charset="-122"/>
                 <a:sym typeface="+mn-ea"/>
               </a:rPr>
-              <a:t>7.8</a:t>
+              <a:t>8.6</a:t>
             </a:r>
             <a:endParaRPr lang="en-US" altLang="zh-CN" sz="2400" b="1" spc="213" dirty="0" smtClean="0">
               <a:solidFill>
@@ -33479,7 +33479,7 @@
                 <a:ea typeface="迷你简艺黑" panose="03000509000000000000" pitchFamily="65" charset="-122"/>
                 <a:sym typeface="+mn-ea"/>
               </a:rPr>
-              <a:t>8.0</a:t>
+              <a:t>8.7</a:t>
             </a:r>
             <a:endParaRPr lang="en-US" altLang="zh-CN" sz="2400" b="1" spc="213" dirty="0" smtClean="0">
               <a:solidFill>
@@ -33556,7 +33556,7 @@
                 <a:ea typeface="迷你简艺黑" panose="03000509000000000000" pitchFamily="65" charset="-122"/>
                 <a:sym typeface="+mn-ea"/>
               </a:rPr>
-              <a:t>7.9</a:t>
+              <a:t>8.5</a:t>
             </a:r>
             <a:endParaRPr lang="en-US" altLang="zh-CN" sz="2400" b="1" spc="213" dirty="0" smtClean="0">
               <a:solidFill>
@@ -33589,7 +33589,7 @@
                 <a:ea typeface="迷你简艺黑" panose="03000509000000000000" pitchFamily="65" charset="-122"/>
                 <a:sym typeface="+mn-ea"/>
               </a:rPr>
-              <a:t>7.7</a:t>
+              <a:t>8.3</a:t>
             </a:r>
             <a:endParaRPr lang="en-US" altLang="zh-CN" sz="2400" b="1" spc="213" dirty="0" smtClean="0">
               <a:solidFill>
